--- a/docs/diagrams/QuizAnswerCommandSequenceDiagram.pptx
+++ b/docs/diagrams/QuizAnswerCommandSequenceDiagram.pptx
@@ -208,7 +208,7 @@
           <a:p>
             <a:fld id="{F5CC4B3F-88C1-4FFA-B1B6-F41C21DC6924}" type="datetimeFigureOut">
               <a:rPr lang="en-US" smtClean="0"/>
-              <a:t>3/9/2019</a:t>
+              <a:t>4/1/2019</a:t>
             </a:fld>
             <a:endParaRPr lang="en-US"/>
           </a:p>
@@ -654,7 +654,7 @@
           <a:p>
             <a:fld id="{78C97017-6FC3-485B-9764-EAC9E56C1D49}" type="datetimeFigureOut">
               <a:rPr lang="en-US" smtClean="0"/>
-              <a:t>3/9/2019</a:t>
+              <a:t>4/1/2019</a:t>
             </a:fld>
             <a:endParaRPr lang="en-US"/>
           </a:p>
@@ -822,7 +822,7 @@
           <a:p>
             <a:fld id="{78C97017-6FC3-485B-9764-EAC9E56C1D49}" type="datetimeFigureOut">
               <a:rPr lang="en-US" smtClean="0"/>
-              <a:t>3/9/2019</a:t>
+              <a:t>4/1/2019</a:t>
             </a:fld>
             <a:endParaRPr lang="en-US"/>
           </a:p>
@@ -1000,7 +1000,7 @@
           <a:p>
             <a:fld id="{78C97017-6FC3-485B-9764-EAC9E56C1D49}" type="datetimeFigureOut">
               <a:rPr lang="en-US" smtClean="0"/>
-              <a:t>3/9/2019</a:t>
+              <a:t>4/1/2019</a:t>
             </a:fld>
             <a:endParaRPr lang="en-US"/>
           </a:p>
@@ -1168,7 +1168,7 @@
           <a:p>
             <a:fld id="{78C97017-6FC3-485B-9764-EAC9E56C1D49}" type="datetimeFigureOut">
               <a:rPr lang="en-US" smtClean="0"/>
-              <a:t>3/9/2019</a:t>
+              <a:t>4/1/2019</a:t>
             </a:fld>
             <a:endParaRPr lang="en-US"/>
           </a:p>
@@ -1413,7 +1413,7 @@
           <a:p>
             <a:fld id="{78C97017-6FC3-485B-9764-EAC9E56C1D49}" type="datetimeFigureOut">
               <a:rPr lang="en-US" smtClean="0"/>
-              <a:t>3/9/2019</a:t>
+              <a:t>4/1/2019</a:t>
             </a:fld>
             <a:endParaRPr lang="en-US"/>
           </a:p>
@@ -1698,7 +1698,7 @@
           <a:p>
             <a:fld id="{78C97017-6FC3-485B-9764-EAC9E56C1D49}" type="datetimeFigureOut">
               <a:rPr lang="en-US" smtClean="0"/>
-              <a:t>3/9/2019</a:t>
+              <a:t>4/1/2019</a:t>
             </a:fld>
             <a:endParaRPr lang="en-US"/>
           </a:p>
@@ -2117,7 +2117,7 @@
           <a:p>
             <a:fld id="{78C97017-6FC3-485B-9764-EAC9E56C1D49}" type="datetimeFigureOut">
               <a:rPr lang="en-US" smtClean="0"/>
-              <a:t>3/9/2019</a:t>
+              <a:t>4/1/2019</a:t>
             </a:fld>
             <a:endParaRPr lang="en-US"/>
           </a:p>
@@ -2234,7 +2234,7 @@
           <a:p>
             <a:fld id="{78C97017-6FC3-485B-9764-EAC9E56C1D49}" type="datetimeFigureOut">
               <a:rPr lang="en-US" smtClean="0"/>
-              <a:t>3/9/2019</a:t>
+              <a:t>4/1/2019</a:t>
             </a:fld>
             <a:endParaRPr lang="en-US"/>
           </a:p>
@@ -2329,7 +2329,7 @@
           <a:p>
             <a:fld id="{78C97017-6FC3-485B-9764-EAC9E56C1D49}" type="datetimeFigureOut">
               <a:rPr lang="en-US" smtClean="0"/>
-              <a:t>3/9/2019</a:t>
+              <a:t>4/1/2019</a:t>
             </a:fld>
             <a:endParaRPr lang="en-US"/>
           </a:p>
@@ -2604,7 +2604,7 @@
           <a:p>
             <a:fld id="{78C97017-6FC3-485B-9764-EAC9E56C1D49}" type="datetimeFigureOut">
               <a:rPr lang="en-US" smtClean="0"/>
-              <a:t>3/9/2019</a:t>
+              <a:t>4/1/2019</a:t>
             </a:fld>
             <a:endParaRPr lang="en-US"/>
           </a:p>
@@ -2856,7 +2856,7 @@
           <a:p>
             <a:fld id="{78C97017-6FC3-485B-9764-EAC9E56C1D49}" type="datetimeFigureOut">
               <a:rPr lang="en-US" smtClean="0"/>
-              <a:t>3/9/2019</a:t>
+              <a:t>4/1/2019</a:t>
             </a:fld>
             <a:endParaRPr lang="en-US"/>
           </a:p>
@@ -3067,7 +3067,7 @@
           <a:p>
             <a:fld id="{78C97017-6FC3-485B-9764-EAC9E56C1D49}" type="datetimeFigureOut">
               <a:rPr lang="en-US" smtClean="0"/>
-              <a:t>3/9/2019</a:t>
+              <a:t>4/1/2019</a:t>
             </a:fld>
             <a:endParaRPr lang="en-US"/>
           </a:p>
@@ -3457,7 +3457,7 @@
         <p:spPr>
           <a:xfrm>
             <a:off x="7377787" y="-15313"/>
-            <a:ext cx="2629654" cy="7400923"/>
+            <a:ext cx="2629654" cy="7992240"/>
           </a:xfrm>
           <a:prstGeom prst="roundRect">
             <a:avLst>
@@ -3515,7 +3515,7 @@
         <p:spPr>
           <a:xfrm>
             <a:off x="-3223" y="-64877"/>
-            <a:ext cx="7230961" cy="7470507"/>
+            <a:ext cx="7230961" cy="8041804"/>
           </a:xfrm>
           <a:prstGeom prst="roundRect">
             <a:avLst>
@@ -3682,7 +3682,7 @@
         <p:spPr>
           <a:xfrm>
             <a:off x="1557394" y="793821"/>
-            <a:ext cx="147759" cy="6242511"/>
+            <a:ext cx="158423" cy="6826164"/>
           </a:xfrm>
           <a:prstGeom prst="rect">
             <a:avLst/>
@@ -3879,14 +3879,14 @@
           <p:cNvPr id="20" name="Straight Connector 19"/>
           <p:cNvCxnSpPr>
             <a:cxnSpLocks/>
-            <a:stCxn id="21" idx="0"/>
+            <a:endCxn id="204" idx="0"/>
           </p:cNvCxnSpPr>
           <p:nvPr/>
         </p:nvCxnSpPr>
         <p:spPr>
-          <a:xfrm>
-            <a:off x="6423278" y="1378443"/>
-            <a:ext cx="0" cy="5749047"/>
+          <a:xfrm flipH="1">
+            <a:off x="6435442" y="1684738"/>
+            <a:ext cx="21706" cy="5922876"/>
           </a:xfrm>
           <a:prstGeom prst="line">
             <a:avLst/>
@@ -4218,7 +4218,7 @@
         </p:nvCxnSpPr>
         <p:spPr>
           <a:xfrm>
-            <a:off x="-304800" y="7023641"/>
+            <a:off x="-364561" y="7604034"/>
             <a:ext cx="1934203" cy="0"/>
           </a:xfrm>
           <a:prstGeom prst="straightConnector1">
@@ -4256,8 +4256,8 @@
         </p:nvSpPr>
         <p:spPr>
           <a:xfrm>
-            <a:off x="6345822" y="2398466"/>
-            <a:ext cx="142661" cy="4459526"/>
+            <a:off x="6345822" y="2398465"/>
+            <a:ext cx="155925" cy="4981305"/>
           </a:xfrm>
           <a:prstGeom prst="rect">
             <a:avLst/>
@@ -4409,7 +4409,7 @@
         </p:nvSpPr>
         <p:spPr>
           <a:xfrm>
-            <a:off x="3722942" y="6635499"/>
+            <a:off x="3753608" y="7127490"/>
             <a:ext cx="621216" cy="215444"/>
           </a:xfrm>
           <a:prstGeom prst="rect">
@@ -4450,7 +4450,7 @@
         </p:nvSpPr>
         <p:spPr>
           <a:xfrm>
-            <a:off x="455152" y="6778543"/>
+            <a:off x="395391" y="7358936"/>
             <a:ext cx="762000" cy="215444"/>
           </a:xfrm>
           <a:prstGeom prst="rect">
@@ -4601,8 +4601,8 @@
         </p:nvCxnSpPr>
         <p:spPr>
           <a:xfrm flipH="1">
-            <a:off x="8196457" y="2184254"/>
-            <a:ext cx="1" cy="4963480"/>
+            <a:off x="8196458" y="2184254"/>
+            <a:ext cx="1" cy="5068061"/>
           </a:xfrm>
           <a:prstGeom prst="line">
             <a:avLst/>
@@ -4878,7 +4878,7 @@
         </p:nvCxnSpPr>
         <p:spPr>
           <a:xfrm>
-            <a:off x="1701890" y="6858663"/>
+            <a:off x="1732556" y="7350654"/>
             <a:ext cx="4642448" cy="0"/>
           </a:xfrm>
           <a:prstGeom prst="straightConnector1">
@@ -6314,7 +6314,7 @@
         <p:spPr>
           <a:xfrm>
             <a:off x="9350637" y="3569849"/>
-            <a:ext cx="0" cy="3557641"/>
+            <a:ext cx="0" cy="3288151"/>
           </a:xfrm>
           <a:prstGeom prst="line">
             <a:avLst/>
@@ -6356,7 +6356,7 @@
         </p:nvSpPr>
         <p:spPr>
           <a:xfrm>
-            <a:off x="6552586" y="6080483"/>
+            <a:off x="6552586" y="5876446"/>
             <a:ext cx="1337068" cy="184666"/>
           </a:xfrm>
           <a:prstGeom prst="rect">
@@ -6415,7 +6415,7 @@
         </p:nvSpPr>
         <p:spPr>
           <a:xfrm>
-            <a:off x="9266189" y="6271056"/>
+            <a:off x="9266189" y="6067019"/>
             <a:ext cx="168896" cy="324000"/>
           </a:xfrm>
           <a:prstGeom prst="rect">
@@ -6470,7 +6470,7 @@
         </p:nvCxnSpPr>
         <p:spPr>
           <a:xfrm>
-            <a:off x="6492198" y="6274632"/>
+            <a:off x="6492198" y="6070595"/>
             <a:ext cx="2755245" cy="0"/>
           </a:xfrm>
           <a:prstGeom prst="straightConnector1">
@@ -6515,7 +6515,7 @@
         </p:nvCxnSpPr>
         <p:spPr>
           <a:xfrm>
-            <a:off x="6492198" y="6595056"/>
+            <a:off x="6492198" y="6391019"/>
             <a:ext cx="2858439" cy="0"/>
           </a:xfrm>
           <a:prstGeom prst="straightConnector1">
@@ -6559,7 +6559,7 @@
         </p:nvSpPr>
         <p:spPr>
           <a:xfrm>
-            <a:off x="6281252" y="7036336"/>
+            <a:off x="6293416" y="7607614"/>
             <a:ext cx="284052" cy="369332"/>
           </a:xfrm>
           <a:prstGeom prst="rect">
@@ -6580,6 +6580,208 @@
           </a:p>
         </p:txBody>
       </p:sp>
+      <p:sp>
+        <p:nvSpPr>
+          <p:cNvPr id="73" name="TextBox 72">
+            <a:extLst>
+              <a:ext uri="{FF2B5EF4-FFF2-40B4-BE49-F238E27FC236}">
+                <a16:creationId xmlns:a16="http://schemas.microsoft.com/office/drawing/2014/main" id="{036A2F23-5B27-4122-AEB6-6FA412F7210E}"/>
+              </a:ext>
+            </a:extLst>
+          </p:cNvPr>
+          <p:cNvSpPr txBox="1"/>
+          <p:nvPr/>
+        </p:nvSpPr>
+        <p:spPr>
+          <a:xfrm>
+            <a:off x="6554551" y="6495816"/>
+            <a:ext cx="1659830" cy="184666"/>
+          </a:xfrm>
+          <a:prstGeom prst="rect">
+            <a:avLst/>
+          </a:prstGeom>
+          <a:noFill/>
+        </p:spPr>
+        <p:txBody>
+          <a:bodyPr wrap="square" lIns="0" tIns="0" rIns="0" bIns="0" rtlCol="0">
+            <a:spAutoFit/>
+          </a:bodyPr>
+          <a:lstStyle>
+            <a:defPPr>
+              <a:defRPr lang="en-US"/>
+            </a:defPPr>
+            <a:lvl1pPr algn="r">
+              <a:defRPr sz="1400">
+                <a:solidFill>
+                  <a:srgbClr val="0070C0"/>
+                </a:solidFill>
+              </a:defRPr>
+            </a:lvl1pPr>
+          </a:lstStyle>
+          <a:p>
+            <a:pPr algn="l"/>
+            <a:r>
+              <a:rPr lang="en-US" sz="1200" dirty="0" err="1">
+                <a:solidFill>
+                  <a:srgbClr val="597B78"/>
+                </a:solidFill>
+              </a:rPr>
+              <a:t>updateUserProfile</a:t>
+            </a:r>
+            <a:r>
+              <a:rPr lang="en-US" sz="1200" dirty="0">
+                <a:solidFill>
+                  <a:srgbClr val="597B78"/>
+                </a:solidFill>
+              </a:rPr>
+              <a:t>()</a:t>
+            </a:r>
+          </a:p>
+        </p:txBody>
+      </p:sp>
+      <p:sp>
+        <p:nvSpPr>
+          <p:cNvPr id="74" name="Rectangle 73">
+            <a:extLst>
+              <a:ext uri="{FF2B5EF4-FFF2-40B4-BE49-F238E27FC236}">
+                <a16:creationId xmlns:a16="http://schemas.microsoft.com/office/drawing/2014/main" id="{15848988-7200-40F0-A859-8C863D57759F}"/>
+              </a:ext>
+            </a:extLst>
+          </p:cNvPr>
+          <p:cNvSpPr/>
+          <p:nvPr/>
+        </p:nvSpPr>
+        <p:spPr>
+          <a:xfrm>
+            <a:off x="8112009" y="6723681"/>
+            <a:ext cx="168896" cy="324000"/>
+          </a:xfrm>
+          <a:prstGeom prst="rect">
+            <a:avLst/>
+          </a:prstGeom>
+          <a:solidFill>
+            <a:srgbClr val="597B78"/>
+          </a:solidFill>
+          <a:ln>
+            <a:solidFill>
+              <a:srgbClr val="597B78"/>
+            </a:solidFill>
+          </a:ln>
+          <a:effectLst/>
+        </p:spPr>
+        <p:style>
+          <a:lnRef idx="1">
+            <a:schemeClr val="accent3"/>
+          </a:lnRef>
+          <a:fillRef idx="2">
+            <a:schemeClr val="accent3"/>
+          </a:fillRef>
+          <a:effectRef idx="1">
+            <a:schemeClr val="accent3"/>
+          </a:effectRef>
+          <a:fontRef idx="minor">
+            <a:schemeClr val="dk1"/>
+          </a:fontRef>
+        </p:style>
+        <p:txBody>
+          <a:bodyPr rtlCol="0" anchor="ctr"/>
+          <a:lstStyle/>
+          <a:p>
+            <a:pPr algn="ctr"/>
+            <a:endParaRPr lang="en-SG" sz="1400"/>
+          </a:p>
+        </p:txBody>
+      </p:sp>
+      <p:cxnSp>
+        <p:nvCxnSpPr>
+          <p:cNvPr id="75" name="Straight Arrow Connector 74">
+            <a:extLst>
+              <a:ext uri="{FF2B5EF4-FFF2-40B4-BE49-F238E27FC236}">
+                <a16:creationId xmlns:a16="http://schemas.microsoft.com/office/drawing/2014/main" id="{83EEAE00-E5DE-4FB9-9CD8-CFC4258D2831}"/>
+              </a:ext>
+            </a:extLst>
+          </p:cNvPr>
+          <p:cNvCxnSpPr>
+            <a:cxnSpLocks/>
+          </p:cNvCxnSpPr>
+          <p:nvPr/>
+        </p:nvCxnSpPr>
+        <p:spPr>
+          <a:xfrm>
+            <a:off x="6499003" y="6723680"/>
+            <a:ext cx="1612812" cy="0"/>
+          </a:xfrm>
+          <a:prstGeom prst="straightConnector1">
+            <a:avLst/>
+          </a:prstGeom>
+          <a:ln w="19050">
+            <a:solidFill>
+              <a:srgbClr val="597B78"/>
+            </a:solidFill>
+            <a:tailEnd type="arrow"/>
+          </a:ln>
+        </p:spPr>
+        <p:style>
+          <a:lnRef idx="1">
+            <a:schemeClr val="accent1"/>
+          </a:lnRef>
+          <a:fillRef idx="0">
+            <a:schemeClr val="accent1"/>
+          </a:fillRef>
+          <a:effectRef idx="0">
+            <a:schemeClr val="accent1"/>
+          </a:effectRef>
+          <a:fontRef idx="minor">
+            <a:schemeClr val="tx1"/>
+          </a:fontRef>
+        </p:style>
+      </p:cxnSp>
+      <p:cxnSp>
+        <p:nvCxnSpPr>
+          <p:cNvPr id="76" name="Straight Arrow Connector 75">
+            <a:extLst>
+              <a:ext uri="{FF2B5EF4-FFF2-40B4-BE49-F238E27FC236}">
+                <a16:creationId xmlns:a16="http://schemas.microsoft.com/office/drawing/2014/main" id="{D4DBE26C-EA0C-4772-BBEF-5CD80A280E42}"/>
+              </a:ext>
+            </a:extLst>
+          </p:cNvPr>
+          <p:cNvCxnSpPr>
+            <a:cxnSpLocks/>
+          </p:cNvCxnSpPr>
+          <p:nvPr/>
+        </p:nvCxnSpPr>
+        <p:spPr>
+          <a:xfrm>
+            <a:off x="6501941" y="7047681"/>
+            <a:ext cx="1599844" cy="0"/>
+          </a:xfrm>
+          <a:prstGeom prst="straightConnector1">
+            <a:avLst/>
+          </a:prstGeom>
+          <a:ln w="19050">
+            <a:solidFill>
+              <a:srgbClr val="597B78"/>
+            </a:solidFill>
+            <a:prstDash val="sysDash"/>
+            <a:headEnd type="arrow" w="med" len="med"/>
+            <a:tailEnd type="none" w="med" len="med"/>
+          </a:ln>
+        </p:spPr>
+        <p:style>
+          <a:lnRef idx="1">
+            <a:schemeClr val="accent1"/>
+          </a:lnRef>
+          <a:fillRef idx="0">
+            <a:schemeClr val="accent1"/>
+          </a:fillRef>
+          <a:effectRef idx="0">
+            <a:schemeClr val="accent1"/>
+          </a:effectRef>
+          <a:fontRef idx="minor">
+            <a:schemeClr val="tx1"/>
+          </a:fontRef>
+        </p:style>
+      </p:cxnSp>
     </p:spTree>
     <p:extLst>
       <p:ext uri="{BB962C8B-B14F-4D97-AF65-F5344CB8AC3E}">

--- a/docs/diagrams/QuizAnswerCommandSequenceDiagram.pptx
+++ b/docs/diagrams/QuizAnswerCommandSequenceDiagram.pptx
@@ -8,16 +8,16 @@
     <p:notesMasterId r:id="rId3"/>
   </p:notesMasterIdLst>
   <p:sldIdLst>
-    <p:sldId id="267" r:id="rId2"/>
+    <p:sldId id="268" r:id="rId2"/>
   </p:sldIdLst>
-  <p:sldSz cx="9144000" cy="6858000" type="screen4x3"/>
+  <p:sldSz cx="18000663" cy="18000663"/>
   <p:notesSz cx="6858000" cy="9144000"/>
   <p:defaultTextStyle>
     <a:defPPr>
       <a:defRPr lang="en-US"/>
     </a:defPPr>
-    <a:lvl1pPr marL="0" algn="l" defTabSz="914400" rtl="0" eaLnBrk="1" latinLnBrk="0" hangingPunct="1">
-      <a:defRPr sz="1800" kern="1200">
+    <a:lvl1pPr marL="0" algn="l" defTabSz="2057217" rtl="0" eaLnBrk="1" latinLnBrk="0" hangingPunct="1">
+      <a:defRPr sz="4050" kern="1200">
         <a:solidFill>
           <a:schemeClr val="tx1"/>
         </a:solidFill>
@@ -26,8 +26,8 @@
         <a:cs typeface="+mn-cs"/>
       </a:defRPr>
     </a:lvl1pPr>
-    <a:lvl2pPr marL="457200" algn="l" defTabSz="914400" rtl="0" eaLnBrk="1" latinLnBrk="0" hangingPunct="1">
-      <a:defRPr sz="1800" kern="1200">
+    <a:lvl2pPr marL="1028609" algn="l" defTabSz="2057217" rtl="0" eaLnBrk="1" latinLnBrk="0" hangingPunct="1">
+      <a:defRPr sz="4050" kern="1200">
         <a:solidFill>
           <a:schemeClr val="tx1"/>
         </a:solidFill>
@@ -36,8 +36,8 @@
         <a:cs typeface="+mn-cs"/>
       </a:defRPr>
     </a:lvl2pPr>
-    <a:lvl3pPr marL="914400" algn="l" defTabSz="914400" rtl="0" eaLnBrk="1" latinLnBrk="0" hangingPunct="1">
-      <a:defRPr sz="1800" kern="1200">
+    <a:lvl3pPr marL="2057217" algn="l" defTabSz="2057217" rtl="0" eaLnBrk="1" latinLnBrk="0" hangingPunct="1">
+      <a:defRPr sz="4050" kern="1200">
         <a:solidFill>
           <a:schemeClr val="tx1"/>
         </a:solidFill>
@@ -46,8 +46,8 @@
         <a:cs typeface="+mn-cs"/>
       </a:defRPr>
     </a:lvl3pPr>
-    <a:lvl4pPr marL="1371600" algn="l" defTabSz="914400" rtl="0" eaLnBrk="1" latinLnBrk="0" hangingPunct="1">
-      <a:defRPr sz="1800" kern="1200">
+    <a:lvl4pPr marL="3085826" algn="l" defTabSz="2057217" rtl="0" eaLnBrk="1" latinLnBrk="0" hangingPunct="1">
+      <a:defRPr sz="4050" kern="1200">
         <a:solidFill>
           <a:schemeClr val="tx1"/>
         </a:solidFill>
@@ -56,8 +56,8 @@
         <a:cs typeface="+mn-cs"/>
       </a:defRPr>
     </a:lvl4pPr>
-    <a:lvl5pPr marL="1828800" algn="l" defTabSz="914400" rtl="0" eaLnBrk="1" latinLnBrk="0" hangingPunct="1">
-      <a:defRPr sz="1800" kern="1200">
+    <a:lvl5pPr marL="4114434" algn="l" defTabSz="2057217" rtl="0" eaLnBrk="1" latinLnBrk="0" hangingPunct="1">
+      <a:defRPr sz="4050" kern="1200">
         <a:solidFill>
           <a:schemeClr val="tx1"/>
         </a:solidFill>
@@ -66,8 +66,8 @@
         <a:cs typeface="+mn-cs"/>
       </a:defRPr>
     </a:lvl5pPr>
-    <a:lvl6pPr marL="2286000" algn="l" defTabSz="914400" rtl="0" eaLnBrk="1" latinLnBrk="0" hangingPunct="1">
-      <a:defRPr sz="1800" kern="1200">
+    <a:lvl6pPr marL="5143043" algn="l" defTabSz="2057217" rtl="0" eaLnBrk="1" latinLnBrk="0" hangingPunct="1">
+      <a:defRPr sz="4050" kern="1200">
         <a:solidFill>
           <a:schemeClr val="tx1"/>
         </a:solidFill>
@@ -76,8 +76,8 @@
         <a:cs typeface="+mn-cs"/>
       </a:defRPr>
     </a:lvl6pPr>
-    <a:lvl7pPr marL="2743200" algn="l" defTabSz="914400" rtl="0" eaLnBrk="1" latinLnBrk="0" hangingPunct="1">
-      <a:defRPr sz="1800" kern="1200">
+    <a:lvl7pPr marL="6171651" algn="l" defTabSz="2057217" rtl="0" eaLnBrk="1" latinLnBrk="0" hangingPunct="1">
+      <a:defRPr sz="4050" kern="1200">
         <a:solidFill>
           <a:schemeClr val="tx1"/>
         </a:solidFill>
@@ -86,8 +86,8 @@
         <a:cs typeface="+mn-cs"/>
       </a:defRPr>
     </a:lvl7pPr>
-    <a:lvl8pPr marL="3200400" algn="l" defTabSz="914400" rtl="0" eaLnBrk="1" latinLnBrk="0" hangingPunct="1">
-      <a:defRPr sz="1800" kern="1200">
+    <a:lvl8pPr marL="7200260" algn="l" defTabSz="2057217" rtl="0" eaLnBrk="1" latinLnBrk="0" hangingPunct="1">
+      <a:defRPr sz="4050" kern="1200">
         <a:solidFill>
           <a:schemeClr val="tx1"/>
         </a:solidFill>
@@ -96,8 +96,8 @@
         <a:cs typeface="+mn-cs"/>
       </a:defRPr>
     </a:lvl8pPr>
-    <a:lvl9pPr marL="3657600" algn="l" defTabSz="914400" rtl="0" eaLnBrk="1" latinLnBrk="0" hangingPunct="1">
-      <a:defRPr sz="1800" kern="1200">
+    <a:lvl9pPr marL="8228868" algn="l" defTabSz="2057217" rtl="0" eaLnBrk="1" latinLnBrk="0" hangingPunct="1">
+      <a:defRPr sz="4050" kern="1200">
         <a:solidFill>
           <a:schemeClr val="tx1"/>
         </a:solidFill>
@@ -110,12 +110,12 @@
   <p:extLst>
     <p:ext uri="{EFAFB233-063F-42B5-8137-9DF3F51BA10A}">
       <p15:sldGuideLst xmlns:p15="http://schemas.microsoft.com/office/powerpoint/2012/main">
-        <p15:guide id="1" orient="horz" pos="1488" userDrawn="1">
+        <p15:guide id="1" orient="horz" pos="3906" userDrawn="1">
           <p15:clr>
             <a:srgbClr val="A4A3A4"/>
           </p15:clr>
         </p15:guide>
-        <p15:guide id="2" pos="2880" userDrawn="1">
+        <p15:guide id="2" pos="5670" userDrawn="1">
           <p15:clr>
             <a:srgbClr val="A4A3A4"/>
           </p15:clr>
@@ -208,7 +208,7 @@
           <a:p>
             <a:fld id="{F5CC4B3F-88C1-4FFA-B1B6-F41C21DC6924}" type="datetimeFigureOut">
               <a:rPr lang="en-US" smtClean="0"/>
-              <a:t>4/1/2019</a:t>
+              <a:t>4/12/2019</a:t>
             </a:fld>
             <a:endParaRPr lang="en-US"/>
           </a:p>
@@ -226,8 +226,8 @@
         </p:nvSpPr>
         <p:spPr>
           <a:xfrm>
-            <a:off x="1143000" y="685800"/>
-            <a:ext cx="4572000" cy="3429000"/>
+            <a:off x="1714500" y="685800"/>
+            <a:ext cx="3429000" cy="3429000"/>
           </a:xfrm>
           <a:prstGeom prst="rect">
             <a:avLst/>
@@ -381,8 +381,8 @@
   </p:cSld>
   <p:clrMap bg1="lt1" tx1="dk1" bg2="lt2" tx2="dk2" accent1="accent1" accent2="accent2" accent3="accent3" accent4="accent4" accent5="accent5" accent6="accent6" hlink="hlink" folHlink="folHlink"/>
   <p:notesStyle>
-    <a:lvl1pPr marL="0" algn="l" defTabSz="914400" rtl="0" eaLnBrk="1" latinLnBrk="0" hangingPunct="1">
-      <a:defRPr sz="1200" kern="1200">
+    <a:lvl1pPr marL="0" algn="l" defTabSz="2057217" rtl="0" eaLnBrk="1" latinLnBrk="0" hangingPunct="1">
+      <a:defRPr sz="2700" kern="1200">
         <a:solidFill>
           <a:schemeClr val="tx1"/>
         </a:solidFill>
@@ -391,8 +391,8 @@
         <a:cs typeface="+mn-cs"/>
       </a:defRPr>
     </a:lvl1pPr>
-    <a:lvl2pPr marL="457200" algn="l" defTabSz="914400" rtl="0" eaLnBrk="1" latinLnBrk="0" hangingPunct="1">
-      <a:defRPr sz="1200" kern="1200">
+    <a:lvl2pPr marL="1028609" algn="l" defTabSz="2057217" rtl="0" eaLnBrk="1" latinLnBrk="0" hangingPunct="1">
+      <a:defRPr sz="2700" kern="1200">
         <a:solidFill>
           <a:schemeClr val="tx1"/>
         </a:solidFill>
@@ -401,8 +401,8 @@
         <a:cs typeface="+mn-cs"/>
       </a:defRPr>
     </a:lvl2pPr>
-    <a:lvl3pPr marL="914400" algn="l" defTabSz="914400" rtl="0" eaLnBrk="1" latinLnBrk="0" hangingPunct="1">
-      <a:defRPr sz="1200" kern="1200">
+    <a:lvl3pPr marL="2057217" algn="l" defTabSz="2057217" rtl="0" eaLnBrk="1" latinLnBrk="0" hangingPunct="1">
+      <a:defRPr sz="2700" kern="1200">
         <a:solidFill>
           <a:schemeClr val="tx1"/>
         </a:solidFill>
@@ -411,8 +411,8 @@
         <a:cs typeface="+mn-cs"/>
       </a:defRPr>
     </a:lvl3pPr>
-    <a:lvl4pPr marL="1371600" algn="l" defTabSz="914400" rtl="0" eaLnBrk="1" latinLnBrk="0" hangingPunct="1">
-      <a:defRPr sz="1200" kern="1200">
+    <a:lvl4pPr marL="3085826" algn="l" defTabSz="2057217" rtl="0" eaLnBrk="1" latinLnBrk="0" hangingPunct="1">
+      <a:defRPr sz="2700" kern="1200">
         <a:solidFill>
           <a:schemeClr val="tx1"/>
         </a:solidFill>
@@ -421,8 +421,8 @@
         <a:cs typeface="+mn-cs"/>
       </a:defRPr>
     </a:lvl4pPr>
-    <a:lvl5pPr marL="1828800" algn="l" defTabSz="914400" rtl="0" eaLnBrk="1" latinLnBrk="0" hangingPunct="1">
-      <a:defRPr sz="1200" kern="1200">
+    <a:lvl5pPr marL="4114434" algn="l" defTabSz="2057217" rtl="0" eaLnBrk="1" latinLnBrk="0" hangingPunct="1">
+      <a:defRPr sz="2700" kern="1200">
         <a:solidFill>
           <a:schemeClr val="tx1"/>
         </a:solidFill>
@@ -431,8 +431,8 @@
         <a:cs typeface="+mn-cs"/>
       </a:defRPr>
     </a:lvl5pPr>
-    <a:lvl6pPr marL="2286000" algn="l" defTabSz="914400" rtl="0" eaLnBrk="1" latinLnBrk="0" hangingPunct="1">
-      <a:defRPr sz="1200" kern="1200">
+    <a:lvl6pPr marL="5143043" algn="l" defTabSz="2057217" rtl="0" eaLnBrk="1" latinLnBrk="0" hangingPunct="1">
+      <a:defRPr sz="2700" kern="1200">
         <a:solidFill>
           <a:schemeClr val="tx1"/>
         </a:solidFill>
@@ -441,8 +441,8 @@
         <a:cs typeface="+mn-cs"/>
       </a:defRPr>
     </a:lvl6pPr>
-    <a:lvl7pPr marL="2743200" algn="l" defTabSz="914400" rtl="0" eaLnBrk="1" latinLnBrk="0" hangingPunct="1">
-      <a:defRPr sz="1200" kern="1200">
+    <a:lvl7pPr marL="6171651" algn="l" defTabSz="2057217" rtl="0" eaLnBrk="1" latinLnBrk="0" hangingPunct="1">
+      <a:defRPr sz="2700" kern="1200">
         <a:solidFill>
           <a:schemeClr val="tx1"/>
         </a:solidFill>
@@ -451,8 +451,8 @@
         <a:cs typeface="+mn-cs"/>
       </a:defRPr>
     </a:lvl7pPr>
-    <a:lvl8pPr marL="3200400" algn="l" defTabSz="914400" rtl="0" eaLnBrk="1" latinLnBrk="0" hangingPunct="1">
-      <a:defRPr sz="1200" kern="1200">
+    <a:lvl8pPr marL="7200260" algn="l" defTabSz="2057217" rtl="0" eaLnBrk="1" latinLnBrk="0" hangingPunct="1">
+      <a:defRPr sz="2700" kern="1200">
         <a:solidFill>
           <a:schemeClr val="tx1"/>
         </a:solidFill>
@@ -461,8 +461,8 @@
         <a:cs typeface="+mn-cs"/>
       </a:defRPr>
     </a:lvl8pPr>
-    <a:lvl9pPr marL="3657600" algn="l" defTabSz="914400" rtl="0" eaLnBrk="1" latinLnBrk="0" hangingPunct="1">
-      <a:defRPr sz="1200" kern="1200">
+    <a:lvl9pPr marL="8228868" algn="l" defTabSz="2057217" rtl="0" eaLnBrk="1" latinLnBrk="0" hangingPunct="1">
+      <a:defRPr sz="2700" kern="1200">
         <a:solidFill>
           <a:schemeClr val="tx1"/>
         </a:solidFill>
@@ -504,8 +504,8 @@
         </p:nvSpPr>
         <p:spPr>
           <a:xfrm>
-            <a:off x="685800" y="2130427"/>
-            <a:ext cx="7772400" cy="1470025"/>
+            <a:off x="1350050" y="5591879"/>
+            <a:ext cx="15300564" cy="3858475"/>
           </a:xfrm>
         </p:spPr>
         <p:txBody>
@@ -531,8 +531,8 @@
         </p:nvSpPr>
         <p:spPr>
           <a:xfrm>
-            <a:off x="1371600" y="3886200"/>
-            <a:ext cx="6400800" cy="1752600"/>
+            <a:off x="2700100" y="10200376"/>
+            <a:ext cx="12600464" cy="4600169"/>
           </a:xfrm>
         </p:spPr>
         <p:txBody>
@@ -548,7 +548,7 @@
                 </a:solidFill>
               </a:defRPr>
             </a:lvl1pPr>
-            <a:lvl2pPr marL="457198" indent="0" algn="ctr">
+            <a:lvl2pPr marL="900040" indent="0" algn="ctr">
               <a:buNone/>
               <a:defRPr>
                 <a:solidFill>
@@ -558,7 +558,7 @@
                 </a:solidFill>
               </a:defRPr>
             </a:lvl2pPr>
-            <a:lvl3pPr marL="914395" indent="0" algn="ctr">
+            <a:lvl3pPr marL="1800078" indent="0" algn="ctr">
               <a:buNone/>
               <a:defRPr>
                 <a:solidFill>
@@ -568,7 +568,7 @@
                 </a:solidFill>
               </a:defRPr>
             </a:lvl3pPr>
-            <a:lvl4pPr marL="1371592" indent="0" algn="ctr">
+            <a:lvl4pPr marL="2700116" indent="0" algn="ctr">
               <a:buNone/>
               <a:defRPr>
                 <a:solidFill>
@@ -578,7 +578,7 @@
                 </a:solidFill>
               </a:defRPr>
             </a:lvl4pPr>
-            <a:lvl5pPr marL="1828789" indent="0" algn="ctr">
+            <a:lvl5pPr marL="3600154" indent="0" algn="ctr">
               <a:buNone/>
               <a:defRPr>
                 <a:solidFill>
@@ -588,7 +588,7 @@
                 </a:solidFill>
               </a:defRPr>
             </a:lvl5pPr>
-            <a:lvl6pPr marL="2285987" indent="0" algn="ctr">
+            <a:lvl6pPr marL="4500194" indent="0" algn="ctr">
               <a:buNone/>
               <a:defRPr>
                 <a:solidFill>
@@ -598,7 +598,7 @@
                 </a:solidFill>
               </a:defRPr>
             </a:lvl6pPr>
-            <a:lvl7pPr marL="2743185" indent="0" algn="ctr">
+            <a:lvl7pPr marL="5400234" indent="0" algn="ctr">
               <a:buNone/>
               <a:defRPr>
                 <a:solidFill>
@@ -608,7 +608,7 @@
                 </a:solidFill>
               </a:defRPr>
             </a:lvl7pPr>
-            <a:lvl8pPr marL="3200381" indent="0" algn="ctr">
+            <a:lvl8pPr marL="6300270" indent="0" algn="ctr">
               <a:buNone/>
               <a:defRPr>
                 <a:solidFill>
@@ -618,7 +618,7 @@
                 </a:solidFill>
               </a:defRPr>
             </a:lvl8pPr>
-            <a:lvl9pPr marL="3657579" indent="0" algn="ctr">
+            <a:lvl9pPr marL="7200310" indent="0" algn="ctr">
               <a:buNone/>
               <a:defRPr>
                 <a:solidFill>
@@ -654,7 +654,7 @@
           <a:p>
             <a:fld id="{78C97017-6FC3-485B-9764-EAC9E56C1D49}" type="datetimeFigureOut">
               <a:rPr lang="en-US" smtClean="0"/>
-              <a:t>4/1/2019</a:t>
+              <a:t>4/12/2019</a:t>
             </a:fld>
             <a:endParaRPr lang="en-US"/>
           </a:p>
@@ -822,7 +822,7 @@
           <a:p>
             <a:fld id="{78C97017-6FC3-485B-9764-EAC9E56C1D49}" type="datetimeFigureOut">
               <a:rPr lang="en-US" smtClean="0"/>
-              <a:t>4/1/2019</a:t>
+              <a:t>4/12/2019</a:t>
             </a:fld>
             <a:endParaRPr lang="en-US"/>
           </a:p>
@@ -912,8 +912,8 @@
         </p:nvSpPr>
         <p:spPr>
           <a:xfrm>
-            <a:off x="6629400" y="274640"/>
-            <a:ext cx="2057400" cy="5851525"/>
+            <a:off x="13050481" y="720868"/>
+            <a:ext cx="4050149" cy="15358899"/>
           </a:xfrm>
         </p:spPr>
         <p:txBody>
@@ -939,8 +939,8 @@
         </p:nvSpPr>
         <p:spPr>
           <a:xfrm>
-            <a:off x="457200" y="274640"/>
-            <a:ext cx="6019800" cy="5851525"/>
+            <a:off x="900033" y="720868"/>
+            <a:ext cx="11850436" cy="15358899"/>
           </a:xfrm>
         </p:spPr>
         <p:txBody>
@@ -1000,7 +1000,7 @@
           <a:p>
             <a:fld id="{78C97017-6FC3-485B-9764-EAC9E56C1D49}" type="datetimeFigureOut">
               <a:rPr lang="en-US" smtClean="0"/>
-              <a:t>4/1/2019</a:t>
+              <a:t>4/12/2019</a:t>
             </a:fld>
             <a:endParaRPr lang="en-US"/>
           </a:p>
@@ -1168,7 +1168,7 @@
           <a:p>
             <a:fld id="{78C97017-6FC3-485B-9764-EAC9E56C1D49}" type="datetimeFigureOut">
               <a:rPr lang="en-US" smtClean="0"/>
-              <a:t>4/1/2019</a:t>
+              <a:t>4/12/2019</a:t>
             </a:fld>
             <a:endParaRPr lang="en-US"/>
           </a:p>
@@ -1258,15 +1258,15 @@
         </p:nvSpPr>
         <p:spPr>
           <a:xfrm>
-            <a:off x="722313" y="4406902"/>
-            <a:ext cx="7772400" cy="1362075"/>
+            <a:off x="1421928" y="11567099"/>
+            <a:ext cx="15300564" cy="3575132"/>
           </a:xfrm>
         </p:spPr>
         <p:txBody>
           <a:bodyPr anchor="t"/>
           <a:lstStyle>
             <a:lvl1pPr algn="l">
-              <a:defRPr sz="4000" b="1" cap="all"/>
+              <a:defRPr sz="7874" b="1" cap="all"/>
             </a:lvl1pPr>
           </a:lstStyle>
           <a:p>
@@ -1289,8 +1289,8 @@
         </p:nvSpPr>
         <p:spPr>
           <a:xfrm>
-            <a:off x="722313" y="2906713"/>
-            <a:ext cx="7772400" cy="1500187"/>
+            <a:off x="1421928" y="7629450"/>
+            <a:ext cx="15300564" cy="3937644"/>
           </a:xfrm>
         </p:spPr>
         <p:txBody>
@@ -1298,7 +1298,7 @@
           <a:lstStyle>
             <a:lvl1pPr marL="0" indent="0">
               <a:buNone/>
-              <a:defRPr sz="2000">
+              <a:defRPr sz="3937">
                 <a:solidFill>
                   <a:schemeClr val="tx1">
                     <a:tint val="75000"/>
@@ -1306,9 +1306,9 @@
                 </a:solidFill>
               </a:defRPr>
             </a:lvl1pPr>
-            <a:lvl2pPr marL="457198" indent="0">
+            <a:lvl2pPr marL="900040" indent="0">
               <a:buNone/>
-              <a:defRPr sz="1800">
+              <a:defRPr sz="3543">
                 <a:solidFill>
                   <a:schemeClr val="tx1">
                     <a:tint val="75000"/>
@@ -1316,9 +1316,9 @@
                 </a:solidFill>
               </a:defRPr>
             </a:lvl2pPr>
-            <a:lvl3pPr marL="914395" indent="0">
+            <a:lvl3pPr marL="1800078" indent="0">
               <a:buNone/>
-              <a:defRPr sz="1600">
+              <a:defRPr sz="3150">
                 <a:solidFill>
                   <a:schemeClr val="tx1">
                     <a:tint val="75000"/>
@@ -1326,9 +1326,9 @@
                 </a:solidFill>
               </a:defRPr>
             </a:lvl3pPr>
-            <a:lvl4pPr marL="1371592" indent="0">
+            <a:lvl4pPr marL="2700116" indent="0">
               <a:buNone/>
-              <a:defRPr sz="1400">
+              <a:defRPr sz="2756">
                 <a:solidFill>
                   <a:schemeClr val="tx1">
                     <a:tint val="75000"/>
@@ -1336,9 +1336,9 @@
                 </a:solidFill>
               </a:defRPr>
             </a:lvl4pPr>
-            <a:lvl5pPr marL="1828789" indent="0">
+            <a:lvl5pPr marL="3600154" indent="0">
               <a:buNone/>
-              <a:defRPr sz="1400">
+              <a:defRPr sz="2756">
                 <a:solidFill>
                   <a:schemeClr val="tx1">
                     <a:tint val="75000"/>
@@ -1346,9 +1346,9 @@
                 </a:solidFill>
               </a:defRPr>
             </a:lvl5pPr>
-            <a:lvl6pPr marL="2285987" indent="0">
+            <a:lvl6pPr marL="4500194" indent="0">
               <a:buNone/>
-              <a:defRPr sz="1400">
+              <a:defRPr sz="2756">
                 <a:solidFill>
                   <a:schemeClr val="tx1">
                     <a:tint val="75000"/>
@@ -1356,9 +1356,9 @@
                 </a:solidFill>
               </a:defRPr>
             </a:lvl6pPr>
-            <a:lvl7pPr marL="2743185" indent="0">
+            <a:lvl7pPr marL="5400234" indent="0">
               <a:buNone/>
-              <a:defRPr sz="1400">
+              <a:defRPr sz="2756">
                 <a:solidFill>
                   <a:schemeClr val="tx1">
                     <a:tint val="75000"/>
@@ -1366,9 +1366,9 @@
                 </a:solidFill>
               </a:defRPr>
             </a:lvl7pPr>
-            <a:lvl8pPr marL="3200381" indent="0">
+            <a:lvl8pPr marL="6300270" indent="0">
               <a:buNone/>
-              <a:defRPr sz="1400">
+              <a:defRPr sz="2756">
                 <a:solidFill>
                   <a:schemeClr val="tx1">
                     <a:tint val="75000"/>
@@ -1376,9 +1376,9 @@
                 </a:solidFill>
               </a:defRPr>
             </a:lvl8pPr>
-            <a:lvl9pPr marL="3657579" indent="0">
+            <a:lvl9pPr marL="7200310" indent="0">
               <a:buNone/>
-              <a:defRPr sz="1400">
+              <a:defRPr sz="2756">
                 <a:solidFill>
                   <a:schemeClr val="tx1">
                     <a:tint val="75000"/>
@@ -1413,7 +1413,7 @@
           <a:p>
             <a:fld id="{78C97017-6FC3-485B-9764-EAC9E56C1D49}" type="datetimeFigureOut">
               <a:rPr lang="en-US" smtClean="0"/>
-              <a:t>4/1/2019</a:t>
+              <a:t>4/12/2019</a:t>
             </a:fld>
             <a:endParaRPr lang="en-US"/>
           </a:p>
@@ -1525,39 +1525,39 @@
         </p:nvSpPr>
         <p:spPr>
           <a:xfrm>
-            <a:off x="457200" y="1600202"/>
-            <a:ext cx="4038600" cy="4525963"/>
+            <a:off x="900033" y="4200161"/>
+            <a:ext cx="7950293" cy="11879606"/>
           </a:xfrm>
         </p:spPr>
         <p:txBody>
           <a:bodyPr/>
           <a:lstStyle>
             <a:lvl1pPr>
-              <a:defRPr sz="2800"/>
+              <a:defRPr sz="5512"/>
             </a:lvl1pPr>
             <a:lvl2pPr>
-              <a:defRPr sz="2400"/>
+              <a:defRPr sz="4725"/>
             </a:lvl2pPr>
             <a:lvl3pPr>
-              <a:defRPr sz="2000"/>
+              <a:defRPr sz="3937"/>
             </a:lvl3pPr>
             <a:lvl4pPr>
-              <a:defRPr sz="1800"/>
+              <a:defRPr sz="3543"/>
             </a:lvl4pPr>
             <a:lvl5pPr>
-              <a:defRPr sz="1800"/>
+              <a:defRPr sz="3543"/>
             </a:lvl5pPr>
             <a:lvl6pPr>
-              <a:defRPr sz="1800"/>
+              <a:defRPr sz="3543"/>
             </a:lvl6pPr>
             <a:lvl7pPr>
-              <a:defRPr sz="1800"/>
+              <a:defRPr sz="3543"/>
             </a:lvl7pPr>
             <a:lvl8pPr>
-              <a:defRPr sz="1800"/>
+              <a:defRPr sz="3543"/>
             </a:lvl8pPr>
             <a:lvl9pPr>
-              <a:defRPr sz="1800"/>
+              <a:defRPr sz="3543"/>
             </a:lvl9pPr>
           </a:lstStyle>
           <a:p>
@@ -1609,39 +1609,39 @@
         </p:nvSpPr>
         <p:spPr>
           <a:xfrm>
-            <a:off x="4648200" y="1600202"/>
-            <a:ext cx="4038600" cy="4525963"/>
+            <a:off x="9150337" y="4200161"/>
+            <a:ext cx="7950293" cy="11879606"/>
           </a:xfrm>
         </p:spPr>
         <p:txBody>
           <a:bodyPr/>
           <a:lstStyle>
             <a:lvl1pPr>
-              <a:defRPr sz="2800"/>
+              <a:defRPr sz="5512"/>
             </a:lvl1pPr>
             <a:lvl2pPr>
-              <a:defRPr sz="2400"/>
+              <a:defRPr sz="4725"/>
             </a:lvl2pPr>
             <a:lvl3pPr>
-              <a:defRPr sz="2000"/>
+              <a:defRPr sz="3937"/>
             </a:lvl3pPr>
             <a:lvl4pPr>
-              <a:defRPr sz="1800"/>
+              <a:defRPr sz="3543"/>
             </a:lvl4pPr>
             <a:lvl5pPr>
-              <a:defRPr sz="1800"/>
+              <a:defRPr sz="3543"/>
             </a:lvl5pPr>
             <a:lvl6pPr>
-              <a:defRPr sz="1800"/>
+              <a:defRPr sz="3543"/>
             </a:lvl6pPr>
             <a:lvl7pPr>
-              <a:defRPr sz="1800"/>
+              <a:defRPr sz="3543"/>
             </a:lvl7pPr>
             <a:lvl8pPr>
-              <a:defRPr sz="1800"/>
+              <a:defRPr sz="3543"/>
             </a:lvl8pPr>
             <a:lvl9pPr>
-              <a:defRPr sz="1800"/>
+              <a:defRPr sz="3543"/>
             </a:lvl9pPr>
           </a:lstStyle>
           <a:p>
@@ -1698,7 +1698,7 @@
           <a:p>
             <a:fld id="{78C97017-6FC3-485B-9764-EAC9E56C1D49}" type="datetimeFigureOut">
               <a:rPr lang="en-US" smtClean="0"/>
-              <a:t>4/1/2019</a:t>
+              <a:t>4/12/2019</a:t>
             </a:fld>
             <a:endParaRPr lang="en-US"/>
           </a:p>
@@ -1814,8 +1814,8 @@
         </p:nvSpPr>
         <p:spPr>
           <a:xfrm>
-            <a:off x="457200" y="1535113"/>
-            <a:ext cx="4040188" cy="639762"/>
+            <a:off x="900033" y="4029316"/>
+            <a:ext cx="7953419" cy="1679227"/>
           </a:xfrm>
         </p:spPr>
         <p:txBody>
@@ -1823,39 +1823,39 @@
           <a:lstStyle>
             <a:lvl1pPr marL="0" indent="0">
               <a:buNone/>
-              <a:defRPr sz="2400" b="1"/>
+              <a:defRPr sz="4725" b="1"/>
             </a:lvl1pPr>
-            <a:lvl2pPr marL="457198" indent="0">
+            <a:lvl2pPr marL="900040" indent="0">
               <a:buNone/>
-              <a:defRPr sz="2000" b="1"/>
+              <a:defRPr sz="3937" b="1"/>
             </a:lvl2pPr>
-            <a:lvl3pPr marL="914395" indent="0">
+            <a:lvl3pPr marL="1800078" indent="0">
               <a:buNone/>
-              <a:defRPr sz="1800" b="1"/>
+              <a:defRPr sz="3543" b="1"/>
             </a:lvl3pPr>
-            <a:lvl4pPr marL="1371592" indent="0">
+            <a:lvl4pPr marL="2700116" indent="0">
               <a:buNone/>
-              <a:defRPr sz="1600" b="1"/>
+              <a:defRPr sz="3150" b="1"/>
             </a:lvl4pPr>
-            <a:lvl5pPr marL="1828789" indent="0">
+            <a:lvl5pPr marL="3600154" indent="0">
               <a:buNone/>
-              <a:defRPr sz="1600" b="1"/>
+              <a:defRPr sz="3150" b="1"/>
             </a:lvl5pPr>
-            <a:lvl6pPr marL="2285987" indent="0">
+            <a:lvl6pPr marL="4500194" indent="0">
               <a:buNone/>
-              <a:defRPr sz="1600" b="1"/>
+              <a:defRPr sz="3150" b="1"/>
             </a:lvl6pPr>
-            <a:lvl7pPr marL="2743185" indent="0">
+            <a:lvl7pPr marL="5400234" indent="0">
               <a:buNone/>
-              <a:defRPr sz="1600" b="1"/>
+              <a:defRPr sz="3150" b="1"/>
             </a:lvl7pPr>
-            <a:lvl8pPr marL="3200381" indent="0">
+            <a:lvl8pPr marL="6300270" indent="0">
               <a:buNone/>
-              <a:defRPr sz="1600" b="1"/>
+              <a:defRPr sz="3150" b="1"/>
             </a:lvl8pPr>
-            <a:lvl9pPr marL="3657579" indent="0">
+            <a:lvl9pPr marL="7200310" indent="0">
               <a:buNone/>
-              <a:defRPr sz="1600" b="1"/>
+              <a:defRPr sz="3150" b="1"/>
             </a:lvl9pPr>
           </a:lstStyle>
           <a:p>
@@ -1879,39 +1879,39 @@
         </p:nvSpPr>
         <p:spPr>
           <a:xfrm>
-            <a:off x="457200" y="2174875"/>
-            <a:ext cx="4040188" cy="3951288"/>
+            <a:off x="900033" y="5708543"/>
+            <a:ext cx="7953419" cy="10371217"/>
           </a:xfrm>
         </p:spPr>
         <p:txBody>
           <a:bodyPr/>
           <a:lstStyle>
             <a:lvl1pPr>
-              <a:defRPr sz="2400"/>
+              <a:defRPr sz="4725"/>
             </a:lvl1pPr>
             <a:lvl2pPr>
-              <a:defRPr sz="2000"/>
+              <a:defRPr sz="3937"/>
             </a:lvl2pPr>
             <a:lvl3pPr>
-              <a:defRPr sz="1800"/>
+              <a:defRPr sz="3543"/>
             </a:lvl3pPr>
             <a:lvl4pPr>
-              <a:defRPr sz="1600"/>
+              <a:defRPr sz="3150"/>
             </a:lvl4pPr>
             <a:lvl5pPr>
-              <a:defRPr sz="1600"/>
+              <a:defRPr sz="3150"/>
             </a:lvl5pPr>
             <a:lvl6pPr>
-              <a:defRPr sz="1600"/>
+              <a:defRPr sz="3150"/>
             </a:lvl6pPr>
             <a:lvl7pPr>
-              <a:defRPr sz="1600"/>
+              <a:defRPr sz="3150"/>
             </a:lvl7pPr>
             <a:lvl8pPr>
-              <a:defRPr sz="1600"/>
+              <a:defRPr sz="3150"/>
             </a:lvl8pPr>
             <a:lvl9pPr>
-              <a:defRPr sz="1600"/>
+              <a:defRPr sz="3150"/>
             </a:lvl9pPr>
           </a:lstStyle>
           <a:p>
@@ -1963,8 +1963,8 @@
         </p:nvSpPr>
         <p:spPr>
           <a:xfrm>
-            <a:off x="4645026" y="1535113"/>
-            <a:ext cx="4041775" cy="639762"/>
+            <a:off x="9144090" y="4029316"/>
+            <a:ext cx="7956543" cy="1679227"/>
           </a:xfrm>
         </p:spPr>
         <p:txBody>
@@ -1972,39 +1972,39 @@
           <a:lstStyle>
             <a:lvl1pPr marL="0" indent="0">
               <a:buNone/>
-              <a:defRPr sz="2400" b="1"/>
+              <a:defRPr sz="4725" b="1"/>
             </a:lvl1pPr>
-            <a:lvl2pPr marL="457198" indent="0">
+            <a:lvl2pPr marL="900040" indent="0">
               <a:buNone/>
-              <a:defRPr sz="2000" b="1"/>
+              <a:defRPr sz="3937" b="1"/>
             </a:lvl2pPr>
-            <a:lvl3pPr marL="914395" indent="0">
+            <a:lvl3pPr marL="1800078" indent="0">
               <a:buNone/>
-              <a:defRPr sz="1800" b="1"/>
+              <a:defRPr sz="3543" b="1"/>
             </a:lvl3pPr>
-            <a:lvl4pPr marL="1371592" indent="0">
+            <a:lvl4pPr marL="2700116" indent="0">
               <a:buNone/>
-              <a:defRPr sz="1600" b="1"/>
+              <a:defRPr sz="3150" b="1"/>
             </a:lvl4pPr>
-            <a:lvl5pPr marL="1828789" indent="0">
+            <a:lvl5pPr marL="3600154" indent="0">
               <a:buNone/>
-              <a:defRPr sz="1600" b="1"/>
+              <a:defRPr sz="3150" b="1"/>
             </a:lvl5pPr>
-            <a:lvl6pPr marL="2285987" indent="0">
+            <a:lvl6pPr marL="4500194" indent="0">
               <a:buNone/>
-              <a:defRPr sz="1600" b="1"/>
+              <a:defRPr sz="3150" b="1"/>
             </a:lvl6pPr>
-            <a:lvl7pPr marL="2743185" indent="0">
+            <a:lvl7pPr marL="5400234" indent="0">
               <a:buNone/>
-              <a:defRPr sz="1600" b="1"/>
+              <a:defRPr sz="3150" b="1"/>
             </a:lvl7pPr>
-            <a:lvl8pPr marL="3200381" indent="0">
+            <a:lvl8pPr marL="6300270" indent="0">
               <a:buNone/>
-              <a:defRPr sz="1600" b="1"/>
+              <a:defRPr sz="3150" b="1"/>
             </a:lvl8pPr>
-            <a:lvl9pPr marL="3657579" indent="0">
+            <a:lvl9pPr marL="7200310" indent="0">
               <a:buNone/>
-              <a:defRPr sz="1600" b="1"/>
+              <a:defRPr sz="3150" b="1"/>
             </a:lvl9pPr>
           </a:lstStyle>
           <a:p>
@@ -2028,39 +2028,39 @@
         </p:nvSpPr>
         <p:spPr>
           <a:xfrm>
-            <a:off x="4645026" y="2174875"/>
-            <a:ext cx="4041775" cy="3951288"/>
+            <a:off x="9144090" y="5708543"/>
+            <a:ext cx="7956543" cy="10371217"/>
           </a:xfrm>
         </p:spPr>
         <p:txBody>
           <a:bodyPr/>
           <a:lstStyle>
             <a:lvl1pPr>
-              <a:defRPr sz="2400"/>
+              <a:defRPr sz="4725"/>
             </a:lvl1pPr>
             <a:lvl2pPr>
-              <a:defRPr sz="2000"/>
+              <a:defRPr sz="3937"/>
             </a:lvl2pPr>
             <a:lvl3pPr>
-              <a:defRPr sz="1800"/>
+              <a:defRPr sz="3543"/>
             </a:lvl3pPr>
             <a:lvl4pPr>
-              <a:defRPr sz="1600"/>
+              <a:defRPr sz="3150"/>
             </a:lvl4pPr>
             <a:lvl5pPr>
-              <a:defRPr sz="1600"/>
+              <a:defRPr sz="3150"/>
             </a:lvl5pPr>
             <a:lvl6pPr>
-              <a:defRPr sz="1600"/>
+              <a:defRPr sz="3150"/>
             </a:lvl6pPr>
             <a:lvl7pPr>
-              <a:defRPr sz="1600"/>
+              <a:defRPr sz="3150"/>
             </a:lvl7pPr>
             <a:lvl8pPr>
-              <a:defRPr sz="1600"/>
+              <a:defRPr sz="3150"/>
             </a:lvl8pPr>
             <a:lvl9pPr>
-              <a:defRPr sz="1600"/>
+              <a:defRPr sz="3150"/>
             </a:lvl9pPr>
           </a:lstStyle>
           <a:p>
@@ -2117,7 +2117,7 @@
           <a:p>
             <a:fld id="{78C97017-6FC3-485B-9764-EAC9E56C1D49}" type="datetimeFigureOut">
               <a:rPr lang="en-US" smtClean="0"/>
-              <a:t>4/1/2019</a:t>
+              <a:t>4/12/2019</a:t>
             </a:fld>
             <a:endParaRPr lang="en-US"/>
           </a:p>
@@ -2234,7 +2234,7 @@
           <a:p>
             <a:fld id="{78C97017-6FC3-485B-9764-EAC9E56C1D49}" type="datetimeFigureOut">
               <a:rPr lang="en-US" smtClean="0"/>
-              <a:t>4/1/2019</a:t>
+              <a:t>4/12/2019</a:t>
             </a:fld>
             <a:endParaRPr lang="en-US"/>
           </a:p>
@@ -2329,7 +2329,7 @@
           <a:p>
             <a:fld id="{78C97017-6FC3-485B-9764-EAC9E56C1D49}" type="datetimeFigureOut">
               <a:rPr lang="en-US" smtClean="0"/>
-              <a:t>4/1/2019</a:t>
+              <a:t>4/12/2019</a:t>
             </a:fld>
             <a:endParaRPr lang="en-US"/>
           </a:p>
@@ -2419,15 +2419,15 @@
         </p:nvSpPr>
         <p:spPr>
           <a:xfrm>
-            <a:off x="457200" y="273050"/>
-            <a:ext cx="3008313" cy="1162050"/>
+            <a:off x="900034" y="716693"/>
+            <a:ext cx="5922094" cy="3050112"/>
           </a:xfrm>
         </p:spPr>
         <p:txBody>
           <a:bodyPr anchor="b"/>
           <a:lstStyle>
             <a:lvl1pPr algn="l">
-              <a:defRPr sz="2000" b="1"/>
+              <a:defRPr sz="3937" b="1"/>
             </a:lvl1pPr>
           </a:lstStyle>
           <a:p>
@@ -2450,39 +2450,39 @@
         </p:nvSpPr>
         <p:spPr>
           <a:xfrm>
-            <a:off x="3575051" y="273052"/>
-            <a:ext cx="5111750" cy="5853113"/>
+            <a:off x="7037761" y="716700"/>
+            <a:ext cx="10062871" cy="15363067"/>
           </a:xfrm>
         </p:spPr>
         <p:txBody>
           <a:bodyPr/>
           <a:lstStyle>
             <a:lvl1pPr>
-              <a:defRPr sz="3200"/>
+              <a:defRPr sz="6300"/>
             </a:lvl1pPr>
             <a:lvl2pPr>
-              <a:defRPr sz="2800"/>
+              <a:defRPr sz="5512"/>
             </a:lvl2pPr>
             <a:lvl3pPr>
-              <a:defRPr sz="2400"/>
+              <a:defRPr sz="4725"/>
             </a:lvl3pPr>
             <a:lvl4pPr>
-              <a:defRPr sz="2000"/>
+              <a:defRPr sz="3937"/>
             </a:lvl4pPr>
             <a:lvl5pPr>
-              <a:defRPr sz="2000"/>
+              <a:defRPr sz="3937"/>
             </a:lvl5pPr>
             <a:lvl6pPr>
-              <a:defRPr sz="2000"/>
+              <a:defRPr sz="3937"/>
             </a:lvl6pPr>
             <a:lvl7pPr>
-              <a:defRPr sz="2000"/>
+              <a:defRPr sz="3937"/>
             </a:lvl7pPr>
             <a:lvl8pPr>
-              <a:defRPr sz="2000"/>
+              <a:defRPr sz="3937"/>
             </a:lvl8pPr>
             <a:lvl9pPr>
-              <a:defRPr sz="2000"/>
+              <a:defRPr sz="3937"/>
             </a:lvl9pPr>
           </a:lstStyle>
           <a:p>
@@ -2534,8 +2534,8 @@
         </p:nvSpPr>
         <p:spPr>
           <a:xfrm>
-            <a:off x="457200" y="1435102"/>
-            <a:ext cx="3008313" cy="4691063"/>
+            <a:off x="900034" y="3766812"/>
+            <a:ext cx="5922094" cy="12312955"/>
           </a:xfrm>
         </p:spPr>
         <p:txBody>
@@ -2543,39 +2543,39 @@
           <a:lstStyle>
             <a:lvl1pPr marL="0" indent="0">
               <a:buNone/>
-              <a:defRPr sz="1400"/>
+              <a:defRPr sz="2756"/>
             </a:lvl1pPr>
-            <a:lvl2pPr marL="457198" indent="0">
+            <a:lvl2pPr marL="900040" indent="0">
               <a:buNone/>
-              <a:defRPr sz="1200"/>
+              <a:defRPr sz="2362"/>
             </a:lvl2pPr>
-            <a:lvl3pPr marL="914395" indent="0">
+            <a:lvl3pPr marL="1800078" indent="0">
               <a:buNone/>
-              <a:defRPr sz="1000"/>
+              <a:defRPr sz="1969"/>
             </a:lvl3pPr>
-            <a:lvl4pPr marL="1371592" indent="0">
+            <a:lvl4pPr marL="2700116" indent="0">
               <a:buNone/>
-              <a:defRPr sz="900"/>
+              <a:defRPr sz="1772"/>
             </a:lvl4pPr>
-            <a:lvl5pPr marL="1828789" indent="0">
+            <a:lvl5pPr marL="3600154" indent="0">
               <a:buNone/>
-              <a:defRPr sz="900"/>
+              <a:defRPr sz="1772"/>
             </a:lvl5pPr>
-            <a:lvl6pPr marL="2285987" indent="0">
+            <a:lvl6pPr marL="4500194" indent="0">
               <a:buNone/>
-              <a:defRPr sz="900"/>
+              <a:defRPr sz="1772"/>
             </a:lvl6pPr>
-            <a:lvl7pPr marL="2743185" indent="0">
+            <a:lvl7pPr marL="5400234" indent="0">
               <a:buNone/>
-              <a:defRPr sz="900"/>
+              <a:defRPr sz="1772"/>
             </a:lvl7pPr>
-            <a:lvl8pPr marL="3200381" indent="0">
+            <a:lvl8pPr marL="6300270" indent="0">
               <a:buNone/>
-              <a:defRPr sz="900"/>
+              <a:defRPr sz="1772"/>
             </a:lvl8pPr>
-            <a:lvl9pPr marL="3657579" indent="0">
+            <a:lvl9pPr marL="7200310" indent="0">
               <a:buNone/>
-              <a:defRPr sz="900"/>
+              <a:defRPr sz="1772"/>
             </a:lvl9pPr>
           </a:lstStyle>
           <a:p>
@@ -2604,7 +2604,7 @@
           <a:p>
             <a:fld id="{78C97017-6FC3-485B-9764-EAC9E56C1D49}" type="datetimeFigureOut">
               <a:rPr lang="en-US" smtClean="0"/>
-              <a:t>4/1/2019</a:t>
+              <a:t>4/12/2019</a:t>
             </a:fld>
             <a:endParaRPr lang="en-US"/>
           </a:p>
@@ -2694,15 +2694,15 @@
         </p:nvSpPr>
         <p:spPr>
           <a:xfrm>
-            <a:off x="1792288" y="4800600"/>
-            <a:ext cx="5486400" cy="566738"/>
+            <a:off x="3528256" y="12600464"/>
+            <a:ext cx="10800398" cy="1487556"/>
           </a:xfrm>
         </p:spPr>
         <p:txBody>
           <a:bodyPr anchor="b"/>
           <a:lstStyle>
             <a:lvl1pPr algn="l">
-              <a:defRPr sz="2000" b="1"/>
+              <a:defRPr sz="3937" b="1"/>
             </a:lvl1pPr>
           </a:lstStyle>
           <a:p>
@@ -2725,8 +2725,8 @@
         </p:nvSpPr>
         <p:spPr>
           <a:xfrm>
-            <a:off x="1792288" y="612775"/>
-            <a:ext cx="5486400" cy="4114800"/>
+            <a:off x="3528256" y="1608392"/>
+            <a:ext cx="10800398" cy="10800398"/>
           </a:xfrm>
         </p:spPr>
         <p:txBody>
@@ -2734,39 +2734,39 @@
           <a:lstStyle>
             <a:lvl1pPr marL="0" indent="0">
               <a:buNone/>
-              <a:defRPr sz="3200"/>
+              <a:defRPr sz="6300"/>
             </a:lvl1pPr>
-            <a:lvl2pPr marL="457198" indent="0">
+            <a:lvl2pPr marL="900040" indent="0">
               <a:buNone/>
-              <a:defRPr sz="2800"/>
+              <a:defRPr sz="5512"/>
             </a:lvl2pPr>
-            <a:lvl3pPr marL="914395" indent="0">
+            <a:lvl3pPr marL="1800078" indent="0">
               <a:buNone/>
-              <a:defRPr sz="2400"/>
+              <a:defRPr sz="4725"/>
             </a:lvl3pPr>
-            <a:lvl4pPr marL="1371592" indent="0">
+            <a:lvl4pPr marL="2700116" indent="0">
               <a:buNone/>
-              <a:defRPr sz="2000"/>
+              <a:defRPr sz="3937"/>
             </a:lvl4pPr>
-            <a:lvl5pPr marL="1828789" indent="0">
+            <a:lvl5pPr marL="3600154" indent="0">
               <a:buNone/>
-              <a:defRPr sz="2000"/>
+              <a:defRPr sz="3937"/>
             </a:lvl5pPr>
-            <a:lvl6pPr marL="2285987" indent="0">
+            <a:lvl6pPr marL="4500194" indent="0">
               <a:buNone/>
-              <a:defRPr sz="2000"/>
+              <a:defRPr sz="3937"/>
             </a:lvl6pPr>
-            <a:lvl7pPr marL="2743185" indent="0">
+            <a:lvl7pPr marL="5400234" indent="0">
               <a:buNone/>
-              <a:defRPr sz="2000"/>
+              <a:defRPr sz="3937"/>
             </a:lvl7pPr>
-            <a:lvl8pPr marL="3200381" indent="0">
+            <a:lvl8pPr marL="6300270" indent="0">
               <a:buNone/>
-              <a:defRPr sz="2000"/>
+              <a:defRPr sz="3937"/>
             </a:lvl8pPr>
-            <a:lvl9pPr marL="3657579" indent="0">
+            <a:lvl9pPr marL="7200310" indent="0">
               <a:buNone/>
-              <a:defRPr sz="2000"/>
+              <a:defRPr sz="3937"/>
             </a:lvl9pPr>
           </a:lstStyle>
           <a:p>
@@ -2786,8 +2786,8 @@
         </p:nvSpPr>
         <p:spPr>
           <a:xfrm>
-            <a:off x="1792288" y="5367338"/>
-            <a:ext cx="5486400" cy="804862"/>
+            <a:off x="3528256" y="14088020"/>
+            <a:ext cx="10800398" cy="2112576"/>
           </a:xfrm>
         </p:spPr>
         <p:txBody>
@@ -2795,39 +2795,39 @@
           <a:lstStyle>
             <a:lvl1pPr marL="0" indent="0">
               <a:buNone/>
-              <a:defRPr sz="1400"/>
+              <a:defRPr sz="2756"/>
             </a:lvl1pPr>
-            <a:lvl2pPr marL="457198" indent="0">
+            <a:lvl2pPr marL="900040" indent="0">
               <a:buNone/>
-              <a:defRPr sz="1200"/>
+              <a:defRPr sz="2362"/>
             </a:lvl2pPr>
-            <a:lvl3pPr marL="914395" indent="0">
+            <a:lvl3pPr marL="1800078" indent="0">
               <a:buNone/>
-              <a:defRPr sz="1000"/>
+              <a:defRPr sz="1969"/>
             </a:lvl3pPr>
-            <a:lvl4pPr marL="1371592" indent="0">
+            <a:lvl4pPr marL="2700116" indent="0">
               <a:buNone/>
-              <a:defRPr sz="900"/>
+              <a:defRPr sz="1772"/>
             </a:lvl4pPr>
-            <a:lvl5pPr marL="1828789" indent="0">
+            <a:lvl5pPr marL="3600154" indent="0">
               <a:buNone/>
-              <a:defRPr sz="900"/>
+              <a:defRPr sz="1772"/>
             </a:lvl5pPr>
-            <a:lvl6pPr marL="2285987" indent="0">
+            <a:lvl6pPr marL="4500194" indent="0">
               <a:buNone/>
-              <a:defRPr sz="900"/>
+              <a:defRPr sz="1772"/>
             </a:lvl6pPr>
-            <a:lvl7pPr marL="2743185" indent="0">
+            <a:lvl7pPr marL="5400234" indent="0">
               <a:buNone/>
-              <a:defRPr sz="900"/>
+              <a:defRPr sz="1772"/>
             </a:lvl7pPr>
-            <a:lvl8pPr marL="3200381" indent="0">
+            <a:lvl8pPr marL="6300270" indent="0">
               <a:buNone/>
-              <a:defRPr sz="900"/>
+              <a:defRPr sz="1772"/>
             </a:lvl8pPr>
-            <a:lvl9pPr marL="3657579" indent="0">
+            <a:lvl9pPr marL="7200310" indent="0">
               <a:buNone/>
-              <a:defRPr sz="900"/>
+              <a:defRPr sz="1772"/>
             </a:lvl9pPr>
           </a:lstStyle>
           <a:p>
@@ -2856,7 +2856,7 @@
           <a:p>
             <a:fld id="{78C97017-6FC3-485B-9764-EAC9E56C1D49}" type="datetimeFigureOut">
               <a:rPr lang="en-US" smtClean="0"/>
-              <a:t>4/1/2019</a:t>
+              <a:t>4/12/2019</a:t>
             </a:fld>
             <a:endParaRPr lang="en-US"/>
           </a:p>
@@ -2951,8 +2951,8 @@
         </p:nvSpPr>
         <p:spPr>
           <a:xfrm>
-            <a:off x="457200" y="274638"/>
-            <a:ext cx="8229600" cy="1143000"/>
+            <a:off x="900033" y="720861"/>
+            <a:ext cx="16200597" cy="3000111"/>
           </a:xfrm>
           <a:prstGeom prst="rect">
             <a:avLst/>
@@ -2983,8 +2983,8 @@
         </p:nvSpPr>
         <p:spPr>
           <a:xfrm>
-            <a:off x="457200" y="1600202"/>
-            <a:ext cx="8229600" cy="4525963"/>
+            <a:off x="900033" y="4200161"/>
+            <a:ext cx="16200597" cy="11879606"/>
           </a:xfrm>
           <a:prstGeom prst="rect">
             <a:avLst/>
@@ -3044,8 +3044,8 @@
         </p:nvSpPr>
         <p:spPr>
           <a:xfrm>
-            <a:off x="457200" y="6356352"/>
-            <a:ext cx="2133600" cy="365125"/>
+            <a:off x="900033" y="16683954"/>
+            <a:ext cx="4200155" cy="958369"/>
           </a:xfrm>
           <a:prstGeom prst="rect">
             <a:avLst/>
@@ -3055,7 +3055,7 @@
           <a:bodyPr vert="horz" lIns="91440" tIns="45720" rIns="91440" bIns="45720" rtlCol="0" anchor="ctr"/>
           <a:lstStyle>
             <a:lvl1pPr algn="l">
-              <a:defRPr sz="1200">
+              <a:defRPr sz="2362">
                 <a:solidFill>
                   <a:schemeClr val="tx1">
                     <a:tint val="75000"/>
@@ -3067,7 +3067,7 @@
           <a:p>
             <a:fld id="{78C97017-6FC3-485B-9764-EAC9E56C1D49}" type="datetimeFigureOut">
               <a:rPr lang="en-US" smtClean="0"/>
-              <a:t>4/1/2019</a:t>
+              <a:t>4/12/2019</a:t>
             </a:fld>
             <a:endParaRPr lang="en-US"/>
           </a:p>
@@ -3085,8 +3085,8 @@
         </p:nvSpPr>
         <p:spPr>
           <a:xfrm>
-            <a:off x="3124200" y="6356352"/>
-            <a:ext cx="2895600" cy="365125"/>
+            <a:off x="6150227" y="16683954"/>
+            <a:ext cx="5700210" cy="958369"/>
           </a:xfrm>
           <a:prstGeom prst="rect">
             <a:avLst/>
@@ -3096,7 +3096,7 @@
           <a:bodyPr vert="horz" lIns="91440" tIns="45720" rIns="91440" bIns="45720" rtlCol="0" anchor="ctr"/>
           <a:lstStyle>
             <a:lvl1pPr algn="ctr">
-              <a:defRPr sz="1200">
+              <a:defRPr sz="2362">
                 <a:solidFill>
                   <a:schemeClr val="tx1">
                     <a:tint val="75000"/>
@@ -3122,8 +3122,8 @@
         </p:nvSpPr>
         <p:spPr>
           <a:xfrm>
-            <a:off x="6553200" y="6356352"/>
-            <a:ext cx="2133600" cy="365125"/>
+            <a:off x="12900475" y="16683954"/>
+            <a:ext cx="4200155" cy="958369"/>
           </a:xfrm>
           <a:prstGeom prst="rect">
             <a:avLst/>
@@ -3133,7 +3133,7 @@
           <a:bodyPr vert="horz" lIns="91440" tIns="45720" rIns="91440" bIns="45720" rtlCol="0" anchor="ctr"/>
           <a:lstStyle>
             <a:lvl1pPr algn="r">
-              <a:defRPr sz="1200">
+              <a:defRPr sz="2362">
                 <a:solidFill>
                   <a:schemeClr val="tx1">
                     <a:tint val="75000"/>
@@ -3174,12 +3174,12 @@
   </p:sldLayoutIdLst>
   <p:txStyles>
     <p:titleStyle>
-      <a:lvl1pPr algn="ctr" defTabSz="914395" rtl="0" eaLnBrk="1" latinLnBrk="0" hangingPunct="1">
+      <a:lvl1pPr algn="ctr" defTabSz="1800078" rtl="0" eaLnBrk="1" latinLnBrk="0" hangingPunct="1">
         <a:spcBef>
           <a:spcPct val="0"/>
         </a:spcBef>
         <a:buNone/>
-        <a:defRPr sz="4400" kern="1200">
+        <a:defRPr sz="8662" kern="1200">
           <a:solidFill>
             <a:schemeClr val="tx1"/>
           </a:solidFill>
@@ -3190,13 +3190,13 @@
       </a:lvl1pPr>
     </p:titleStyle>
     <p:bodyStyle>
-      <a:lvl1pPr marL="342898" indent="-342898" algn="l" defTabSz="914395" rtl="0" eaLnBrk="1" latinLnBrk="0" hangingPunct="1">
+      <a:lvl1pPr marL="675029" indent="-675029" algn="l" defTabSz="1800078" rtl="0" eaLnBrk="1" latinLnBrk="0" hangingPunct="1">
         <a:spcBef>
           <a:spcPct val="20000"/>
         </a:spcBef>
         <a:buFont typeface="Arial" panose="020B0604020202020204" pitchFamily="34" charset="0"/>
         <a:buChar char="•"/>
-        <a:defRPr sz="3200" kern="1200">
+        <a:defRPr sz="6300" kern="1200">
           <a:solidFill>
             <a:schemeClr val="tx1"/>
           </a:solidFill>
@@ -3205,13 +3205,13 @@
           <a:cs typeface="+mn-cs"/>
         </a:defRPr>
       </a:lvl1pPr>
-      <a:lvl2pPr marL="742946" indent="-285748" algn="l" defTabSz="914395" rtl="0" eaLnBrk="1" latinLnBrk="0" hangingPunct="1">
+      <a:lvl2pPr marL="1462563" indent="-562524" algn="l" defTabSz="1800078" rtl="0" eaLnBrk="1" latinLnBrk="0" hangingPunct="1">
         <a:spcBef>
           <a:spcPct val="20000"/>
         </a:spcBef>
         <a:buFont typeface="Arial" panose="020B0604020202020204" pitchFamily="34" charset="0"/>
         <a:buChar char="–"/>
-        <a:defRPr sz="2800" kern="1200">
+        <a:defRPr sz="5512" kern="1200">
           <a:solidFill>
             <a:schemeClr val="tx1"/>
           </a:solidFill>
@@ -3220,13 +3220,13 @@
           <a:cs typeface="+mn-cs"/>
         </a:defRPr>
       </a:lvl2pPr>
-      <a:lvl3pPr marL="1142993" indent="-228598" algn="l" defTabSz="914395" rtl="0" eaLnBrk="1" latinLnBrk="0" hangingPunct="1">
+      <a:lvl3pPr marL="2250096" indent="-450018" algn="l" defTabSz="1800078" rtl="0" eaLnBrk="1" latinLnBrk="0" hangingPunct="1">
         <a:spcBef>
           <a:spcPct val="20000"/>
         </a:spcBef>
         <a:buFont typeface="Arial" panose="020B0604020202020204" pitchFamily="34" charset="0"/>
         <a:buChar char="•"/>
-        <a:defRPr sz="2400" kern="1200">
+        <a:defRPr sz="4725" kern="1200">
           <a:solidFill>
             <a:schemeClr val="tx1"/>
           </a:solidFill>
@@ -3235,13 +3235,13 @@
           <a:cs typeface="+mn-cs"/>
         </a:defRPr>
       </a:lvl3pPr>
-      <a:lvl4pPr marL="1600191" indent="-228598" algn="l" defTabSz="914395" rtl="0" eaLnBrk="1" latinLnBrk="0" hangingPunct="1">
+      <a:lvl4pPr marL="3150136" indent="-450018" algn="l" defTabSz="1800078" rtl="0" eaLnBrk="1" latinLnBrk="0" hangingPunct="1">
         <a:spcBef>
           <a:spcPct val="20000"/>
         </a:spcBef>
         <a:buFont typeface="Arial" panose="020B0604020202020204" pitchFamily="34" charset="0"/>
         <a:buChar char="–"/>
-        <a:defRPr sz="2000" kern="1200">
+        <a:defRPr sz="3937" kern="1200">
           <a:solidFill>
             <a:schemeClr val="tx1"/>
           </a:solidFill>
@@ -3250,13 +3250,13 @@
           <a:cs typeface="+mn-cs"/>
         </a:defRPr>
       </a:lvl4pPr>
-      <a:lvl5pPr marL="2057388" indent="-228598" algn="l" defTabSz="914395" rtl="0" eaLnBrk="1" latinLnBrk="0" hangingPunct="1">
+      <a:lvl5pPr marL="4050174" indent="-450018" algn="l" defTabSz="1800078" rtl="0" eaLnBrk="1" latinLnBrk="0" hangingPunct="1">
         <a:spcBef>
           <a:spcPct val="20000"/>
         </a:spcBef>
         <a:buFont typeface="Arial" panose="020B0604020202020204" pitchFamily="34" charset="0"/>
         <a:buChar char="»"/>
-        <a:defRPr sz="2000" kern="1200">
+        <a:defRPr sz="3937" kern="1200">
           <a:solidFill>
             <a:schemeClr val="tx1"/>
           </a:solidFill>
@@ -3265,13 +3265,13 @@
           <a:cs typeface="+mn-cs"/>
         </a:defRPr>
       </a:lvl5pPr>
-      <a:lvl6pPr marL="2514585" indent="-228598" algn="l" defTabSz="914395" rtl="0" eaLnBrk="1" latinLnBrk="0" hangingPunct="1">
+      <a:lvl6pPr marL="4950212" indent="-450018" algn="l" defTabSz="1800078" rtl="0" eaLnBrk="1" latinLnBrk="0" hangingPunct="1">
         <a:spcBef>
           <a:spcPct val="20000"/>
         </a:spcBef>
         <a:buFont typeface="Arial" panose="020B0604020202020204" pitchFamily="34" charset="0"/>
         <a:buChar char="•"/>
-        <a:defRPr sz="2000" kern="1200">
+        <a:defRPr sz="3937" kern="1200">
           <a:solidFill>
             <a:schemeClr val="tx1"/>
           </a:solidFill>
@@ -3280,13 +3280,13 @@
           <a:cs typeface="+mn-cs"/>
         </a:defRPr>
       </a:lvl6pPr>
-      <a:lvl7pPr marL="2971783" indent="-228598" algn="l" defTabSz="914395" rtl="0" eaLnBrk="1" latinLnBrk="0" hangingPunct="1">
+      <a:lvl7pPr marL="5850252" indent="-450018" algn="l" defTabSz="1800078" rtl="0" eaLnBrk="1" latinLnBrk="0" hangingPunct="1">
         <a:spcBef>
           <a:spcPct val="20000"/>
         </a:spcBef>
         <a:buFont typeface="Arial" panose="020B0604020202020204" pitchFamily="34" charset="0"/>
         <a:buChar char="•"/>
-        <a:defRPr sz="2000" kern="1200">
+        <a:defRPr sz="3937" kern="1200">
           <a:solidFill>
             <a:schemeClr val="tx1"/>
           </a:solidFill>
@@ -3295,13 +3295,13 @@
           <a:cs typeface="+mn-cs"/>
         </a:defRPr>
       </a:lvl7pPr>
-      <a:lvl8pPr marL="3428980" indent="-228598" algn="l" defTabSz="914395" rtl="0" eaLnBrk="1" latinLnBrk="0" hangingPunct="1">
+      <a:lvl8pPr marL="6750290" indent="-450018" algn="l" defTabSz="1800078" rtl="0" eaLnBrk="1" latinLnBrk="0" hangingPunct="1">
         <a:spcBef>
           <a:spcPct val="20000"/>
         </a:spcBef>
         <a:buFont typeface="Arial" panose="020B0604020202020204" pitchFamily="34" charset="0"/>
         <a:buChar char="•"/>
-        <a:defRPr sz="2000" kern="1200">
+        <a:defRPr sz="3937" kern="1200">
           <a:solidFill>
             <a:schemeClr val="tx1"/>
           </a:solidFill>
@@ -3310,13 +3310,13 @@
           <a:cs typeface="+mn-cs"/>
         </a:defRPr>
       </a:lvl8pPr>
-      <a:lvl9pPr marL="3886177" indent="-228598" algn="l" defTabSz="914395" rtl="0" eaLnBrk="1" latinLnBrk="0" hangingPunct="1">
+      <a:lvl9pPr marL="7650328" indent="-450018" algn="l" defTabSz="1800078" rtl="0" eaLnBrk="1" latinLnBrk="0" hangingPunct="1">
         <a:spcBef>
           <a:spcPct val="20000"/>
         </a:spcBef>
         <a:buFont typeface="Arial" panose="020B0604020202020204" pitchFamily="34" charset="0"/>
         <a:buChar char="•"/>
-        <a:defRPr sz="2000" kern="1200">
+        <a:defRPr sz="3937" kern="1200">
           <a:solidFill>
             <a:schemeClr val="tx1"/>
           </a:solidFill>
@@ -3330,8 +3330,8 @@
       <a:defPPr>
         <a:defRPr lang="en-US"/>
       </a:defPPr>
-      <a:lvl1pPr marL="0" algn="l" defTabSz="914395" rtl="0" eaLnBrk="1" latinLnBrk="0" hangingPunct="1">
-        <a:defRPr sz="1800" kern="1200">
+      <a:lvl1pPr marL="0" algn="l" defTabSz="1800078" rtl="0" eaLnBrk="1" latinLnBrk="0" hangingPunct="1">
+        <a:defRPr sz="3543" kern="1200">
           <a:solidFill>
             <a:schemeClr val="tx1"/>
           </a:solidFill>
@@ -3340,8 +3340,8 @@
           <a:cs typeface="+mn-cs"/>
         </a:defRPr>
       </a:lvl1pPr>
-      <a:lvl2pPr marL="457198" algn="l" defTabSz="914395" rtl="0" eaLnBrk="1" latinLnBrk="0" hangingPunct="1">
-        <a:defRPr sz="1800" kern="1200">
+      <a:lvl2pPr marL="900040" algn="l" defTabSz="1800078" rtl="0" eaLnBrk="1" latinLnBrk="0" hangingPunct="1">
+        <a:defRPr sz="3543" kern="1200">
           <a:solidFill>
             <a:schemeClr val="tx1"/>
           </a:solidFill>
@@ -3350,8 +3350,8 @@
           <a:cs typeface="+mn-cs"/>
         </a:defRPr>
       </a:lvl2pPr>
-      <a:lvl3pPr marL="914395" algn="l" defTabSz="914395" rtl="0" eaLnBrk="1" latinLnBrk="0" hangingPunct="1">
-        <a:defRPr sz="1800" kern="1200">
+      <a:lvl3pPr marL="1800078" algn="l" defTabSz="1800078" rtl="0" eaLnBrk="1" latinLnBrk="0" hangingPunct="1">
+        <a:defRPr sz="3543" kern="1200">
           <a:solidFill>
             <a:schemeClr val="tx1"/>
           </a:solidFill>
@@ -3360,8 +3360,8 @@
           <a:cs typeface="+mn-cs"/>
         </a:defRPr>
       </a:lvl3pPr>
-      <a:lvl4pPr marL="1371592" algn="l" defTabSz="914395" rtl="0" eaLnBrk="1" latinLnBrk="0" hangingPunct="1">
-        <a:defRPr sz="1800" kern="1200">
+      <a:lvl4pPr marL="2700116" algn="l" defTabSz="1800078" rtl="0" eaLnBrk="1" latinLnBrk="0" hangingPunct="1">
+        <a:defRPr sz="3543" kern="1200">
           <a:solidFill>
             <a:schemeClr val="tx1"/>
           </a:solidFill>
@@ -3370,8 +3370,8 @@
           <a:cs typeface="+mn-cs"/>
         </a:defRPr>
       </a:lvl4pPr>
-      <a:lvl5pPr marL="1828789" algn="l" defTabSz="914395" rtl="0" eaLnBrk="1" latinLnBrk="0" hangingPunct="1">
-        <a:defRPr sz="1800" kern="1200">
+      <a:lvl5pPr marL="3600154" algn="l" defTabSz="1800078" rtl="0" eaLnBrk="1" latinLnBrk="0" hangingPunct="1">
+        <a:defRPr sz="3543" kern="1200">
           <a:solidFill>
             <a:schemeClr val="tx1"/>
           </a:solidFill>
@@ -3380,8 +3380,8 @@
           <a:cs typeface="+mn-cs"/>
         </a:defRPr>
       </a:lvl5pPr>
-      <a:lvl6pPr marL="2285987" algn="l" defTabSz="914395" rtl="0" eaLnBrk="1" latinLnBrk="0" hangingPunct="1">
-        <a:defRPr sz="1800" kern="1200">
+      <a:lvl6pPr marL="4500194" algn="l" defTabSz="1800078" rtl="0" eaLnBrk="1" latinLnBrk="0" hangingPunct="1">
+        <a:defRPr sz="3543" kern="1200">
           <a:solidFill>
             <a:schemeClr val="tx1"/>
           </a:solidFill>
@@ -3390,8 +3390,8 @@
           <a:cs typeface="+mn-cs"/>
         </a:defRPr>
       </a:lvl6pPr>
-      <a:lvl7pPr marL="2743185" algn="l" defTabSz="914395" rtl="0" eaLnBrk="1" latinLnBrk="0" hangingPunct="1">
-        <a:defRPr sz="1800" kern="1200">
+      <a:lvl7pPr marL="5400234" algn="l" defTabSz="1800078" rtl="0" eaLnBrk="1" latinLnBrk="0" hangingPunct="1">
+        <a:defRPr sz="3543" kern="1200">
           <a:solidFill>
             <a:schemeClr val="tx1"/>
           </a:solidFill>
@@ -3400,8 +3400,8 @@
           <a:cs typeface="+mn-cs"/>
         </a:defRPr>
       </a:lvl7pPr>
-      <a:lvl8pPr marL="3200381" algn="l" defTabSz="914395" rtl="0" eaLnBrk="1" latinLnBrk="0" hangingPunct="1">
-        <a:defRPr sz="1800" kern="1200">
+      <a:lvl8pPr marL="6300270" algn="l" defTabSz="1800078" rtl="0" eaLnBrk="1" latinLnBrk="0" hangingPunct="1">
+        <a:defRPr sz="3543" kern="1200">
           <a:solidFill>
             <a:schemeClr val="tx1"/>
           </a:solidFill>
@@ -3410,8 +3410,8 @@
           <a:cs typeface="+mn-cs"/>
         </a:defRPr>
       </a:lvl8pPr>
-      <a:lvl9pPr marL="3657579" algn="l" defTabSz="914395" rtl="0" eaLnBrk="1" latinLnBrk="0" hangingPunct="1">
-        <a:defRPr sz="1800" kern="1200">
+      <a:lvl9pPr marL="7200310" algn="l" defTabSz="1800078" rtl="0" eaLnBrk="1" latinLnBrk="0" hangingPunct="1">
+        <a:defRPr sz="3543" kern="1200">
           <a:solidFill>
             <a:schemeClr val="tx1"/>
           </a:solidFill>
@@ -3444,10 +3444,10 @@
       </p:grpSpPr>
       <p:sp>
         <p:nvSpPr>
-          <p:cNvPr id="43" name="quizmodel big box">
+          <p:cNvPr id="3" name="quizmodel big box">
             <a:extLst>
               <a:ext uri="{FF2B5EF4-FFF2-40B4-BE49-F238E27FC236}">
-                <a16:creationId xmlns:a16="http://schemas.microsoft.com/office/drawing/2014/main" id="{EC3FBA36-5E84-4C8D-8167-132F8367F116}"/>
+                <a16:creationId xmlns:a16="http://schemas.microsoft.com/office/drawing/2014/main" id="{C025E00C-757C-41B5-ADA2-7F22FE2204D0}"/>
               </a:ext>
             </a:extLst>
           </p:cNvPr>
@@ -3456,8 +3456,8 @@
         </p:nvSpPr>
         <p:spPr>
           <a:xfrm>
-            <a:off x="7377787" y="-15313"/>
-            <a:ext cx="2629654" cy="7992240"/>
+            <a:off x="8284478" y="744095"/>
+            <a:ext cx="3794013" cy="9554870"/>
           </a:xfrm>
           <a:prstGeom prst="roundRect">
             <a:avLst>
@@ -3508,14 +3508,20 @@
       </p:sp>
       <p:sp>
         <p:nvSpPr>
-          <p:cNvPr id="81" name="logic big box"/>
+          <p:cNvPr id="4" name="logic big box">
+            <a:extLst>
+              <a:ext uri="{FF2B5EF4-FFF2-40B4-BE49-F238E27FC236}">
+                <a16:creationId xmlns:a16="http://schemas.microsoft.com/office/drawing/2014/main" id="{9F73BD34-5D60-4354-B3E1-953789F2BBA5}"/>
+              </a:ext>
+            </a:extLst>
+          </p:cNvPr>
           <p:cNvSpPr/>
           <p:nvPr/>
         </p:nvSpPr>
         <p:spPr>
           <a:xfrm>
-            <a:off x="-3223" y="-64877"/>
-            <a:ext cx="7230961" cy="8041804"/>
+            <a:off x="903469" y="694531"/>
+            <a:ext cx="7230961" cy="9604434"/>
           </a:xfrm>
           <a:prstGeom prst="roundRect">
             <a:avLst>
@@ -3569,13 +3575,362 @@
       </p:sp>
       <p:sp>
         <p:nvSpPr>
-          <p:cNvPr id="2" name="Rectangle 62"/>
+          <p:cNvPr id="59" name="TextBox 58">
+            <a:extLst>
+              <a:ext uri="{FF2B5EF4-FFF2-40B4-BE49-F238E27FC236}">
+                <a16:creationId xmlns:a16="http://schemas.microsoft.com/office/drawing/2014/main" id="{42F5B765-8035-4BAE-A631-7F09B08AFF22}"/>
+              </a:ext>
+            </a:extLst>
+          </p:cNvPr>
+          <p:cNvSpPr txBox="1"/>
+          <p:nvPr/>
+        </p:nvSpPr>
+        <p:spPr>
+          <a:xfrm>
+            <a:off x="5424903" y="3171620"/>
+            <a:ext cx="538888" cy="307777"/>
+          </a:xfrm>
+          <a:prstGeom prst="rect">
+            <a:avLst/>
+          </a:prstGeom>
+          <a:noFill/>
+        </p:spPr>
+        <p:txBody>
+          <a:bodyPr wrap="square" rtlCol="0">
+            <a:spAutoFit/>
+          </a:bodyPr>
+          <a:lstStyle/>
+          <a:p>
+            <a:r>
+              <a:rPr lang="en-SG" sz="1400" dirty="0">
+                <a:solidFill>
+                  <a:srgbClr val="FF0000"/>
+                </a:solidFill>
+              </a:rPr>
+              <a:t>opt</a:t>
+            </a:r>
+          </a:p>
+        </p:txBody>
+      </p:sp>
+      <p:grpSp>
+        <p:nvGrpSpPr>
+          <p:cNvPr id="154" name="self invoc">
+            <a:extLst>
+              <a:ext uri="{FF2B5EF4-FFF2-40B4-BE49-F238E27FC236}">
+                <a16:creationId xmlns:a16="http://schemas.microsoft.com/office/drawing/2014/main" id="{3714CAF3-9A1B-4CD3-8A04-CC169E81027F}"/>
+              </a:ext>
+            </a:extLst>
+          </p:cNvPr>
+          <p:cNvGrpSpPr/>
+          <p:nvPr/>
+        </p:nvGrpSpPr>
+        <p:grpSpPr>
+          <a:xfrm>
+            <a:off x="7479941" y="7545706"/>
+            <a:ext cx="183552" cy="123673"/>
+            <a:chOff x="3491819" y="1442349"/>
+            <a:chExt cx="183552" cy="123673"/>
+          </a:xfrm>
+        </p:grpSpPr>
+        <p:cxnSp>
+          <p:nvCxnSpPr>
+            <p:cNvPr id="155" name="Straight Connector 154">
+              <a:extLst>
+                <a:ext uri="{FF2B5EF4-FFF2-40B4-BE49-F238E27FC236}">
+                  <a16:creationId xmlns:a16="http://schemas.microsoft.com/office/drawing/2014/main" id="{6FB83825-097A-4296-A0A2-0B03619CFF48}"/>
+                </a:ext>
+              </a:extLst>
+            </p:cNvPr>
+            <p:cNvCxnSpPr>
+              <a:cxnSpLocks/>
+            </p:cNvCxnSpPr>
+            <p:nvPr/>
+          </p:nvCxnSpPr>
+          <p:spPr>
+            <a:xfrm>
+              <a:off x="3491819" y="1453656"/>
+              <a:ext cx="180000" cy="0"/>
+            </a:xfrm>
+            <a:prstGeom prst="line">
+              <a:avLst/>
+            </a:prstGeom>
+            <a:ln w="19050">
+              <a:solidFill>
+                <a:srgbClr val="0070C0"/>
+              </a:solidFill>
+            </a:ln>
+          </p:spPr>
+          <p:style>
+            <a:lnRef idx="1">
+              <a:schemeClr val="accent1"/>
+            </a:lnRef>
+            <a:fillRef idx="0">
+              <a:schemeClr val="accent1"/>
+            </a:fillRef>
+            <a:effectRef idx="0">
+              <a:schemeClr val="accent1"/>
+            </a:effectRef>
+            <a:fontRef idx="minor">
+              <a:schemeClr val="tx1"/>
+            </a:fontRef>
+          </p:style>
+        </p:cxnSp>
+        <p:cxnSp>
+          <p:nvCxnSpPr>
+            <p:cNvPr id="156" name="Straight Connector 155">
+              <a:extLst>
+                <a:ext uri="{FF2B5EF4-FFF2-40B4-BE49-F238E27FC236}">
+                  <a16:creationId xmlns:a16="http://schemas.microsoft.com/office/drawing/2014/main" id="{EEB406F9-18DB-4F8C-A143-ED8EC1245B73}"/>
+                </a:ext>
+              </a:extLst>
+            </p:cNvPr>
+            <p:cNvCxnSpPr>
+              <a:cxnSpLocks/>
+            </p:cNvCxnSpPr>
+            <p:nvPr/>
+          </p:nvCxnSpPr>
+          <p:spPr>
+            <a:xfrm>
+              <a:off x="3671819" y="1442349"/>
+              <a:ext cx="0" cy="82800"/>
+            </a:xfrm>
+            <a:prstGeom prst="line">
+              <a:avLst/>
+            </a:prstGeom>
+            <a:ln w="19050">
+              <a:solidFill>
+                <a:srgbClr val="0070C0"/>
+              </a:solidFill>
+            </a:ln>
+          </p:spPr>
+          <p:style>
+            <a:lnRef idx="1">
+              <a:schemeClr val="accent1"/>
+            </a:lnRef>
+            <a:fillRef idx="0">
+              <a:schemeClr val="accent1"/>
+            </a:fillRef>
+            <a:effectRef idx="0">
+              <a:schemeClr val="accent1"/>
+            </a:effectRef>
+            <a:fontRef idx="minor">
+              <a:schemeClr val="tx1"/>
+            </a:fontRef>
+          </p:style>
+        </p:cxnSp>
+        <p:cxnSp>
+          <p:nvCxnSpPr>
+            <p:cNvPr id="157" name="Straight Arrow Connector 156">
+              <a:extLst>
+                <a:ext uri="{FF2B5EF4-FFF2-40B4-BE49-F238E27FC236}">
+                  <a16:creationId xmlns:a16="http://schemas.microsoft.com/office/drawing/2014/main" id="{ACFE9BD8-5476-476E-99DA-B8CB30FA84F9}"/>
+                </a:ext>
+              </a:extLst>
+            </p:cNvPr>
+            <p:cNvCxnSpPr>
+              <a:cxnSpLocks/>
+            </p:cNvCxnSpPr>
+            <p:nvPr/>
+          </p:nvCxnSpPr>
+          <p:spPr>
+            <a:xfrm flipH="1">
+              <a:off x="3583576" y="1515622"/>
+              <a:ext cx="91795" cy="50400"/>
+            </a:xfrm>
+            <a:prstGeom prst="straightConnector1">
+              <a:avLst/>
+            </a:prstGeom>
+            <a:ln w="19050">
+              <a:solidFill>
+                <a:srgbClr val="0070C0"/>
+              </a:solidFill>
+              <a:headEnd w="sm" len="sm"/>
+              <a:tailEnd type="triangle" w="sm" len="sm"/>
+            </a:ln>
+          </p:spPr>
+          <p:style>
+            <a:lnRef idx="1">
+              <a:schemeClr val="accent1"/>
+            </a:lnRef>
+            <a:fillRef idx="0">
+              <a:schemeClr val="accent1"/>
+            </a:fillRef>
+            <a:effectRef idx="0">
+              <a:schemeClr val="accent1"/>
+            </a:effectRef>
+            <a:fontRef idx="minor">
+              <a:schemeClr val="tx1"/>
+            </a:fontRef>
+          </p:style>
+        </p:cxnSp>
+      </p:grpSp>
+      <p:grpSp>
+        <p:nvGrpSpPr>
+          <p:cNvPr id="168" name="self invoc">
+            <a:extLst>
+              <a:ext uri="{FF2B5EF4-FFF2-40B4-BE49-F238E27FC236}">
+                <a16:creationId xmlns:a16="http://schemas.microsoft.com/office/drawing/2014/main" id="{BDCF0965-984E-4BD6-94E9-8D3D32C72E66}"/>
+              </a:ext>
+            </a:extLst>
+          </p:cNvPr>
+          <p:cNvGrpSpPr/>
+          <p:nvPr/>
+        </p:nvGrpSpPr>
+        <p:grpSpPr>
+          <a:xfrm>
+            <a:off x="7470030" y="8318709"/>
+            <a:ext cx="183552" cy="123673"/>
+            <a:chOff x="3491819" y="1442349"/>
+            <a:chExt cx="183552" cy="123673"/>
+          </a:xfrm>
+        </p:grpSpPr>
+        <p:cxnSp>
+          <p:nvCxnSpPr>
+            <p:cNvPr id="169" name="Straight Connector 168">
+              <a:extLst>
+                <a:ext uri="{FF2B5EF4-FFF2-40B4-BE49-F238E27FC236}">
+                  <a16:creationId xmlns:a16="http://schemas.microsoft.com/office/drawing/2014/main" id="{30FAEBB3-FF6F-4174-BB6E-C211A7808EB0}"/>
+                </a:ext>
+              </a:extLst>
+            </p:cNvPr>
+            <p:cNvCxnSpPr>
+              <a:cxnSpLocks/>
+            </p:cNvCxnSpPr>
+            <p:nvPr/>
+          </p:nvCxnSpPr>
+          <p:spPr>
+            <a:xfrm>
+              <a:off x="3491819" y="1453656"/>
+              <a:ext cx="180000" cy="0"/>
+            </a:xfrm>
+            <a:prstGeom prst="line">
+              <a:avLst/>
+            </a:prstGeom>
+            <a:ln w="19050">
+              <a:solidFill>
+                <a:srgbClr val="0070C0"/>
+              </a:solidFill>
+            </a:ln>
+          </p:spPr>
+          <p:style>
+            <a:lnRef idx="1">
+              <a:schemeClr val="accent1"/>
+            </a:lnRef>
+            <a:fillRef idx="0">
+              <a:schemeClr val="accent1"/>
+            </a:fillRef>
+            <a:effectRef idx="0">
+              <a:schemeClr val="accent1"/>
+            </a:effectRef>
+            <a:fontRef idx="minor">
+              <a:schemeClr val="tx1"/>
+            </a:fontRef>
+          </p:style>
+        </p:cxnSp>
+        <p:cxnSp>
+          <p:nvCxnSpPr>
+            <p:cNvPr id="170" name="Straight Connector 169">
+              <a:extLst>
+                <a:ext uri="{FF2B5EF4-FFF2-40B4-BE49-F238E27FC236}">
+                  <a16:creationId xmlns:a16="http://schemas.microsoft.com/office/drawing/2014/main" id="{4EBF7F9D-1411-4806-960B-5422C6A08601}"/>
+                </a:ext>
+              </a:extLst>
+            </p:cNvPr>
+            <p:cNvCxnSpPr>
+              <a:cxnSpLocks/>
+            </p:cNvCxnSpPr>
+            <p:nvPr/>
+          </p:nvCxnSpPr>
+          <p:spPr>
+            <a:xfrm>
+              <a:off x="3671819" y="1442349"/>
+              <a:ext cx="0" cy="82800"/>
+            </a:xfrm>
+            <a:prstGeom prst="line">
+              <a:avLst/>
+            </a:prstGeom>
+            <a:ln w="19050">
+              <a:solidFill>
+                <a:srgbClr val="0070C0"/>
+              </a:solidFill>
+            </a:ln>
+          </p:spPr>
+          <p:style>
+            <a:lnRef idx="1">
+              <a:schemeClr val="accent1"/>
+            </a:lnRef>
+            <a:fillRef idx="0">
+              <a:schemeClr val="accent1"/>
+            </a:fillRef>
+            <a:effectRef idx="0">
+              <a:schemeClr val="accent1"/>
+            </a:effectRef>
+            <a:fontRef idx="minor">
+              <a:schemeClr val="tx1"/>
+            </a:fontRef>
+          </p:style>
+        </p:cxnSp>
+        <p:cxnSp>
+          <p:nvCxnSpPr>
+            <p:cNvPr id="171" name="Straight Arrow Connector 170">
+              <a:extLst>
+                <a:ext uri="{FF2B5EF4-FFF2-40B4-BE49-F238E27FC236}">
+                  <a16:creationId xmlns:a16="http://schemas.microsoft.com/office/drawing/2014/main" id="{FA45E773-4E3A-48FE-AB28-D31E5A9C0280}"/>
+                </a:ext>
+              </a:extLst>
+            </p:cNvPr>
+            <p:cNvCxnSpPr>
+              <a:cxnSpLocks/>
+            </p:cNvCxnSpPr>
+            <p:nvPr/>
+          </p:nvCxnSpPr>
+          <p:spPr>
+            <a:xfrm flipH="1">
+              <a:off x="3583576" y="1515622"/>
+              <a:ext cx="91795" cy="50400"/>
+            </a:xfrm>
+            <a:prstGeom prst="straightConnector1">
+              <a:avLst/>
+            </a:prstGeom>
+            <a:ln w="19050">
+              <a:solidFill>
+                <a:srgbClr val="0070C0"/>
+              </a:solidFill>
+              <a:headEnd w="sm" len="sm"/>
+              <a:tailEnd type="triangle" w="sm" len="sm"/>
+            </a:ln>
+          </p:spPr>
+          <p:style>
+            <a:lnRef idx="1">
+              <a:schemeClr val="accent1"/>
+            </a:lnRef>
+            <a:fillRef idx="0">
+              <a:schemeClr val="accent1"/>
+            </a:fillRef>
+            <a:effectRef idx="0">
+              <a:schemeClr val="accent1"/>
+            </a:effectRef>
+            <a:fontRef idx="minor">
+              <a:schemeClr val="tx1"/>
+            </a:fontRef>
+          </p:style>
+        </p:cxnSp>
+      </p:grpSp>
+      <p:sp>
+        <p:nvSpPr>
+          <p:cNvPr id="5" name="Rectangle 62">
+            <a:extLst>
+              <a:ext uri="{FF2B5EF4-FFF2-40B4-BE49-F238E27FC236}">
+                <a16:creationId xmlns:a16="http://schemas.microsoft.com/office/drawing/2014/main" id="{22F9967A-F7C4-4694-9650-E477D677D54A}"/>
+              </a:ext>
+            </a:extLst>
+          </p:cNvPr>
           <p:cNvSpPr/>
           <p:nvPr/>
         </p:nvSpPr>
         <p:spPr>
           <a:xfrm>
-            <a:off x="901590" y="79457"/>
+            <a:off x="1808282" y="838865"/>
             <a:ext cx="1455629" cy="346760"/>
           </a:xfrm>
           <a:prstGeom prst="rect">
@@ -3636,7 +3991,13 @@
       </p:sp>
       <p:cxnSp>
         <p:nvCxnSpPr>
-          <p:cNvPr id="5" name="Straight Connector 4"/>
+          <p:cNvPr id="6" name="Straight Connector 5">
+            <a:extLst>
+              <a:ext uri="{FF2B5EF4-FFF2-40B4-BE49-F238E27FC236}">
+                <a16:creationId xmlns:a16="http://schemas.microsoft.com/office/drawing/2014/main" id="{9A0266B7-C647-4C51-AB81-E6F5AC303613}"/>
+              </a:ext>
+            </a:extLst>
+          </p:cNvPr>
           <p:cNvCxnSpPr>
             <a:cxnSpLocks/>
           </p:cNvCxnSpPr>
@@ -3644,7 +4005,7 @@
         </p:nvCxnSpPr>
         <p:spPr>
           <a:xfrm>
-            <a:off x="1629403" y="443127"/>
+            <a:off x="2536095" y="1202535"/>
             <a:ext cx="0" cy="4273983"/>
           </a:xfrm>
           <a:prstGeom prst="line">
@@ -3675,14 +4036,20 @@
       </p:cxnSp>
       <p:sp>
         <p:nvSpPr>
-          <p:cNvPr id="6" name="Rectangle 5"/>
+          <p:cNvPr id="7" name="Rectangle 6">
+            <a:extLst>
+              <a:ext uri="{FF2B5EF4-FFF2-40B4-BE49-F238E27FC236}">
+                <a16:creationId xmlns:a16="http://schemas.microsoft.com/office/drawing/2014/main" id="{2F65B488-FE68-46A6-BBE0-327E04291658}"/>
+              </a:ext>
+            </a:extLst>
+          </p:cNvPr>
           <p:cNvSpPr/>
           <p:nvPr/>
         </p:nvSpPr>
         <p:spPr>
           <a:xfrm>
-            <a:off x="1557394" y="793821"/>
-            <a:ext cx="158423" cy="6826164"/>
+            <a:off x="2464086" y="1553229"/>
+            <a:ext cx="178188" cy="8030156"/>
           </a:xfrm>
           <a:prstGeom prst="rect">
             <a:avLst/>
@@ -3722,13 +4089,19 @@
       </p:sp>
       <p:sp>
         <p:nvSpPr>
-          <p:cNvPr id="16" name="Rectangle 62"/>
+          <p:cNvPr id="8" name="Rectangle 62">
+            <a:extLst>
+              <a:ext uri="{FF2B5EF4-FFF2-40B4-BE49-F238E27FC236}">
+                <a16:creationId xmlns:a16="http://schemas.microsoft.com/office/drawing/2014/main" id="{F05A6C5A-A3EB-4934-98DB-C30D583154F6}"/>
+              </a:ext>
+            </a:extLst>
+          </p:cNvPr>
           <p:cNvSpPr/>
           <p:nvPr/>
         </p:nvSpPr>
         <p:spPr>
           <a:xfrm>
-            <a:off x="2609151" y="128930"/>
+            <a:off x="3515843" y="888338"/>
             <a:ext cx="1668197" cy="345600"/>
           </a:xfrm>
           <a:prstGeom prst="rect">
@@ -3789,17 +4162,23 @@
       </p:sp>
       <p:cxnSp>
         <p:nvCxnSpPr>
-          <p:cNvPr id="17" name="Straight Connector 16"/>
+          <p:cNvPr id="9" name="Straight Connector 8">
+            <a:extLst>
+              <a:ext uri="{FF2B5EF4-FFF2-40B4-BE49-F238E27FC236}">
+                <a16:creationId xmlns:a16="http://schemas.microsoft.com/office/drawing/2014/main" id="{EF1770DF-A543-4E93-9631-6D13C2CC8BF4}"/>
+              </a:ext>
+            </a:extLst>
+          </p:cNvPr>
           <p:cNvCxnSpPr>
             <a:cxnSpLocks/>
-            <a:stCxn id="16" idx="2"/>
+            <a:stCxn id="8" idx="2"/>
           </p:cNvCxnSpPr>
           <p:nvPr/>
         </p:nvCxnSpPr>
         <p:spPr>
           <a:xfrm>
-            <a:off x="3443250" y="474530"/>
-            <a:ext cx="0" cy="1834954"/>
+            <a:off x="4349942" y="1233938"/>
+            <a:ext cx="0" cy="1759975"/>
           </a:xfrm>
           <a:prstGeom prst="line">
             <a:avLst/>
@@ -3829,13 +4208,19 @@
       </p:cxnSp>
       <p:sp>
         <p:nvSpPr>
-          <p:cNvPr id="18" name="Rectangle 17"/>
+          <p:cNvPr id="10" name="Rectangle 9">
+            <a:extLst>
+              <a:ext uri="{FF2B5EF4-FFF2-40B4-BE49-F238E27FC236}">
+                <a16:creationId xmlns:a16="http://schemas.microsoft.com/office/drawing/2014/main" id="{42FE0319-C602-4A7B-8F9E-7E6B0EE43606}"/>
+              </a:ext>
+            </a:extLst>
+          </p:cNvPr>
           <p:cNvSpPr/>
           <p:nvPr/>
         </p:nvSpPr>
         <p:spPr>
           <a:xfrm>
-            <a:off x="3371244" y="946228"/>
+            <a:off x="4277936" y="1705636"/>
             <a:ext cx="154408" cy="1176944"/>
           </a:xfrm>
           <a:prstGeom prst="rect">
@@ -3876,17 +4261,24 @@
       </p:sp>
       <p:cxnSp>
         <p:nvCxnSpPr>
-          <p:cNvPr id="20" name="Straight Connector 19"/>
+          <p:cNvPr id="11" name="Straight Connector 10">
+            <a:extLst>
+              <a:ext uri="{FF2B5EF4-FFF2-40B4-BE49-F238E27FC236}">
+                <a16:creationId xmlns:a16="http://schemas.microsoft.com/office/drawing/2014/main" id="{42499E7A-2378-462E-896A-2AF9C84861A8}"/>
+              </a:ext>
+            </a:extLst>
+          </p:cNvPr>
           <p:cNvCxnSpPr>
             <a:cxnSpLocks/>
-            <a:endCxn id="204" idx="0"/>
+            <a:stCxn id="12" idx="2"/>
+            <a:endCxn id="62" idx="0"/>
           </p:cNvCxnSpPr>
           <p:nvPr/>
         </p:nvCxnSpPr>
         <p:spPr>
-          <a:xfrm flipH="1">
-            <a:off x="6435442" y="1684738"/>
-            <a:ext cx="21706" cy="5922876"/>
+          <a:xfrm>
+            <a:off x="7329970" y="2413854"/>
+            <a:ext cx="9324" cy="7169530"/>
           </a:xfrm>
           <a:prstGeom prst="line">
             <a:avLst/>
@@ -3916,13 +4308,19 @@
       </p:cxnSp>
       <p:sp>
         <p:nvSpPr>
-          <p:cNvPr id="21" name="Rectangle 20"/>
+          <p:cNvPr id="12" name="Rectangle 11">
+            <a:extLst>
+              <a:ext uri="{FF2B5EF4-FFF2-40B4-BE49-F238E27FC236}">
+                <a16:creationId xmlns:a16="http://schemas.microsoft.com/office/drawing/2014/main" id="{1F95442C-B8AD-48AF-AA80-A348A0361C0C}"/>
+              </a:ext>
+            </a:extLst>
+          </p:cNvPr>
           <p:cNvSpPr/>
           <p:nvPr/>
         </p:nvSpPr>
         <p:spPr>
           <a:xfrm>
-            <a:off x="6347078" y="1378443"/>
+            <a:off x="7253770" y="2137851"/>
             <a:ext cx="152400" cy="276003"/>
           </a:xfrm>
           <a:prstGeom prst="rect">
@@ -3963,7 +4361,13 @@
       </p:sp>
       <p:cxnSp>
         <p:nvCxnSpPr>
-          <p:cNvPr id="23" name="Straight Arrow Connector 22"/>
+          <p:cNvPr id="13" name="Straight Arrow Connector 12">
+            <a:extLst>
+              <a:ext uri="{FF2B5EF4-FFF2-40B4-BE49-F238E27FC236}">
+                <a16:creationId xmlns:a16="http://schemas.microsoft.com/office/drawing/2014/main" id="{C2FA99E4-FA6E-411F-AD99-F3B7BE3D8AEE}"/>
+              </a:ext>
+            </a:extLst>
+          </p:cNvPr>
           <p:cNvCxnSpPr>
             <a:cxnSpLocks/>
           </p:cNvCxnSpPr>
@@ -3971,7 +4375,7 @@
         </p:nvCxnSpPr>
         <p:spPr>
           <a:xfrm>
-            <a:off x="-304800" y="797509"/>
+            <a:off x="601892" y="1556917"/>
             <a:ext cx="1862196" cy="0"/>
           </a:xfrm>
           <a:prstGeom prst="straightConnector1">
@@ -4001,13 +4405,19 @@
       </p:cxnSp>
       <p:sp>
         <p:nvSpPr>
-          <p:cNvPr id="26" name="TextBox 25"/>
+          <p:cNvPr id="14" name="TextBox 13">
+            <a:extLst>
+              <a:ext uri="{FF2B5EF4-FFF2-40B4-BE49-F238E27FC236}">
+                <a16:creationId xmlns:a16="http://schemas.microsoft.com/office/drawing/2014/main" id="{1F0A7C2B-A022-4CDE-9EBE-C1967C019767}"/>
+              </a:ext>
+            </a:extLst>
+          </p:cNvPr>
           <p:cNvSpPr txBox="1"/>
           <p:nvPr/>
         </p:nvSpPr>
         <p:spPr>
           <a:xfrm>
-            <a:off x="113597" y="558761"/>
+            <a:off x="1020289" y="1318169"/>
             <a:ext cx="1424846" cy="215444"/>
           </a:xfrm>
           <a:prstGeom prst="rect">
@@ -4051,7 +4461,13 @@
       </p:sp>
       <p:cxnSp>
         <p:nvCxnSpPr>
-          <p:cNvPr id="28" name="Straight Arrow Connector 27"/>
+          <p:cNvPr id="15" name="Straight Arrow Connector 14">
+            <a:extLst>
+              <a:ext uri="{FF2B5EF4-FFF2-40B4-BE49-F238E27FC236}">
+                <a16:creationId xmlns:a16="http://schemas.microsoft.com/office/drawing/2014/main" id="{DFC2316B-4C54-475D-857B-C6E776E5B7D1}"/>
+              </a:ext>
+            </a:extLst>
+          </p:cNvPr>
           <p:cNvCxnSpPr>
             <a:cxnSpLocks/>
           </p:cNvCxnSpPr>
@@ -4059,7 +4475,7 @@
         </p:nvCxnSpPr>
         <p:spPr>
           <a:xfrm flipV="1">
-            <a:off x="3577977" y="1227124"/>
+            <a:off x="4484669" y="1986532"/>
             <a:ext cx="2152112" cy="1"/>
           </a:xfrm>
           <a:prstGeom prst="straightConnector1">
@@ -4089,13 +4505,19 @@
       </p:cxnSp>
       <p:sp>
         <p:nvSpPr>
-          <p:cNvPr id="29" name="TextBox 28"/>
+          <p:cNvPr id="16" name="TextBox 15">
+            <a:extLst>
+              <a:ext uri="{FF2B5EF4-FFF2-40B4-BE49-F238E27FC236}">
+                <a16:creationId xmlns:a16="http://schemas.microsoft.com/office/drawing/2014/main" id="{3D00C708-9969-4FE6-896C-4A0369B364BB}"/>
+              </a:ext>
+            </a:extLst>
+          </p:cNvPr>
           <p:cNvSpPr txBox="1"/>
           <p:nvPr/>
         </p:nvSpPr>
         <p:spPr>
           <a:xfrm>
-            <a:off x="3656100" y="2171935"/>
+            <a:off x="4838538" y="2816449"/>
             <a:ext cx="855809" cy="215444"/>
           </a:xfrm>
           <a:prstGeom prst="rect">
@@ -4122,15 +4544,25 @@
           <a:p>
             <a:pPr algn="ctr"/>
             <a:r>
+              <a:rPr lang="en-US" dirty="0" err="1"/>
+              <a:t>a.execute</a:t>
+            </a:r>
+            <a:r>
               <a:rPr lang="en-US" dirty="0"/>
-              <a:t>execute()</a:t>
+              <a:t>()</a:t>
             </a:r>
           </a:p>
         </p:txBody>
       </p:sp>
       <p:cxnSp>
         <p:nvCxnSpPr>
-          <p:cNvPr id="34" name="Straight Arrow Connector 33"/>
+          <p:cNvPr id="17" name="Straight Arrow Connector 16">
+            <a:extLst>
+              <a:ext uri="{FF2B5EF4-FFF2-40B4-BE49-F238E27FC236}">
+                <a16:creationId xmlns:a16="http://schemas.microsoft.com/office/drawing/2014/main" id="{1DC98C74-89CF-4E6B-A44C-60E5F1BF897B}"/>
+              </a:ext>
+            </a:extLst>
+          </p:cNvPr>
           <p:cNvCxnSpPr>
             <a:cxnSpLocks/>
           </p:cNvCxnSpPr>
@@ -4138,7 +4570,7 @@
         </p:nvCxnSpPr>
         <p:spPr>
           <a:xfrm>
-            <a:off x="3577977" y="1647187"/>
+            <a:off x="4484669" y="2406595"/>
             <a:ext cx="2813801" cy="0"/>
           </a:xfrm>
           <a:prstGeom prst="straightConnector1">
@@ -4170,7 +4602,13 @@
       </p:cxnSp>
       <p:cxnSp>
         <p:nvCxnSpPr>
-          <p:cNvPr id="35" name="Straight Arrow Connector 34"/>
+          <p:cNvPr id="18" name="Straight Arrow Connector 17">
+            <a:extLst>
+              <a:ext uri="{FF2B5EF4-FFF2-40B4-BE49-F238E27FC236}">
+                <a16:creationId xmlns:a16="http://schemas.microsoft.com/office/drawing/2014/main" id="{82083D2C-FE31-4594-A1A5-94AF028D6502}"/>
+              </a:ext>
+            </a:extLst>
+          </p:cNvPr>
           <p:cNvCxnSpPr>
             <a:cxnSpLocks/>
           </p:cNvCxnSpPr>
@@ -4178,7 +4616,7 @@
         </p:nvCxnSpPr>
         <p:spPr>
           <a:xfrm>
-            <a:off x="1692270" y="2113495"/>
+            <a:off x="2598962" y="2872903"/>
             <a:ext cx="1722287" cy="0"/>
           </a:xfrm>
           <a:prstGeom prst="straightConnector1">
@@ -4210,7 +4648,13 @@
       </p:cxnSp>
       <p:cxnSp>
         <p:nvCxnSpPr>
-          <p:cNvPr id="37" name="Straight Arrow Connector 36"/>
+          <p:cNvPr id="19" name="Straight Arrow Connector 18">
+            <a:extLst>
+              <a:ext uri="{FF2B5EF4-FFF2-40B4-BE49-F238E27FC236}">
+                <a16:creationId xmlns:a16="http://schemas.microsoft.com/office/drawing/2014/main" id="{38006849-9F7E-4577-AA06-454A59AC2B49}"/>
+              </a:ext>
+            </a:extLst>
+          </p:cNvPr>
           <p:cNvCxnSpPr>
             <a:cxnSpLocks/>
           </p:cNvCxnSpPr>
@@ -4218,7 +4662,7 @@
         </p:nvCxnSpPr>
         <p:spPr>
           <a:xfrm>
-            <a:off x="-364561" y="7604034"/>
+            <a:off x="542131" y="9571601"/>
             <a:ext cx="1934203" cy="0"/>
           </a:xfrm>
           <a:prstGeom prst="straightConnector1">
@@ -4250,14 +4694,20 @@
       </p:cxnSp>
       <p:sp>
         <p:nvSpPr>
-          <p:cNvPr id="65" name="Rectangle 64"/>
+          <p:cNvPr id="20" name="Rectangle 19">
+            <a:extLst>
+              <a:ext uri="{FF2B5EF4-FFF2-40B4-BE49-F238E27FC236}">
+                <a16:creationId xmlns:a16="http://schemas.microsoft.com/office/drawing/2014/main" id="{7EFB6487-21D2-4363-BC92-38DEC004D0DB}"/>
+              </a:ext>
+            </a:extLst>
+          </p:cNvPr>
           <p:cNvSpPr/>
           <p:nvPr/>
         </p:nvSpPr>
         <p:spPr>
           <a:xfrm>
-            <a:off x="6345822" y="2398465"/>
-            <a:ext cx="155925" cy="4981305"/>
+            <a:off x="7235648" y="3063989"/>
+            <a:ext cx="166318" cy="6274364"/>
           </a:xfrm>
           <a:prstGeom prst="rect">
             <a:avLst/>
@@ -4291,20 +4741,26 @@
           <a:lstStyle/>
           <a:p>
             <a:pPr algn="ctr"/>
-            <a:endParaRPr lang="en-SG"/>
-          </a:p>
-        </p:txBody>
-      </p:sp>
-      <p:sp>
-        <p:nvSpPr>
-          <p:cNvPr id="79" name="TextBox 78"/>
+            <a:endParaRPr lang="en-SG" dirty="0"/>
+          </a:p>
+        </p:txBody>
+      </p:sp>
+      <p:sp>
+        <p:nvSpPr>
+          <p:cNvPr id="22" name="TextBox 21">
+            <a:extLst>
+              <a:ext uri="{FF2B5EF4-FFF2-40B4-BE49-F238E27FC236}">
+                <a16:creationId xmlns:a16="http://schemas.microsoft.com/office/drawing/2014/main" id="{DA967978-7FE5-43B4-BDA1-D9FA52EA499C}"/>
+              </a:ext>
+            </a:extLst>
+          </p:cNvPr>
           <p:cNvSpPr txBox="1"/>
           <p:nvPr/>
         </p:nvSpPr>
         <p:spPr>
           <a:xfrm>
-            <a:off x="6552586" y="2309484"/>
-            <a:ext cx="1337068" cy="184666"/>
+            <a:off x="4528329" y="1590726"/>
+            <a:ext cx="1887879" cy="215444"/>
           </a:xfrm>
           <a:prstGeom prst="rect">
             <a:avLst/>
@@ -4328,36 +4784,42 @@
             </a:lvl1pPr>
           </a:lstStyle>
           <a:p>
-            <a:pPr algn="l"/>
-            <a:r>
-              <a:rPr lang="en-US" sz="1200" dirty="0" err="1">
-                <a:solidFill>
-                  <a:srgbClr val="597B78"/>
-                </a:solidFill>
-              </a:rPr>
-              <a:t>getCurrentQuizCard</a:t>
-            </a:r>
-            <a:r>
-              <a:rPr lang="en-US" sz="1200" dirty="0">
-                <a:solidFill>
-                  <a:srgbClr val="597B78"/>
-                </a:solidFill>
-              </a:rPr>
-              <a:t>()</a:t>
-            </a:r>
-          </a:p>
-        </p:txBody>
-      </p:sp>
-      <p:sp>
-        <p:nvSpPr>
-          <p:cNvPr id="80" name="TextBox 79"/>
+            <a:pPr algn="ctr"/>
+            <a:r>
+              <a:rPr lang="en-US" dirty="0" err="1"/>
+              <a:t>parseAnswer</a:t>
+            </a:r>
+            <a:r>
+              <a:rPr lang="en-US" dirty="0"/>
+              <a:t> (“</a:t>
+            </a:r>
+            <a:r>
+              <a:rPr lang="en-US" dirty="0" err="1"/>
+              <a:t>tokyo</a:t>
+            </a:r>
+            <a:r>
+              <a:rPr lang="en-US" dirty="0"/>
+              <a:t>”)</a:t>
+            </a:r>
+          </a:p>
+        </p:txBody>
+      </p:sp>
+      <p:sp>
+        <p:nvSpPr>
+          <p:cNvPr id="23" name="TextBox 22">
+            <a:extLst>
+              <a:ext uri="{FF2B5EF4-FFF2-40B4-BE49-F238E27FC236}">
+                <a16:creationId xmlns:a16="http://schemas.microsoft.com/office/drawing/2014/main" id="{D0E976F5-48C0-4D16-BC31-BB62243103C7}"/>
+              </a:ext>
+            </a:extLst>
+          </p:cNvPr>
           <p:cNvSpPr txBox="1"/>
           <p:nvPr/>
         </p:nvSpPr>
         <p:spPr>
           <a:xfrm>
-            <a:off x="3621637" y="831318"/>
-            <a:ext cx="1887879" cy="215444"/>
+            <a:off x="4660300" y="9095057"/>
+            <a:ext cx="621216" cy="215444"/>
           </a:xfrm>
           <a:prstGeom prst="rect">
             <a:avLst/>
@@ -4383,34 +4845,28 @@
           <a:p>
             <a:pPr algn="ctr"/>
             <a:r>
-              <a:rPr lang="en-US" dirty="0" err="1"/>
-              <a:t>parseAnswer</a:t>
-            </a:r>
-            <a:r>
               <a:rPr lang="en-US" dirty="0"/>
-              <a:t> (“</a:t>
-            </a:r>
-            <a:r>
-              <a:rPr lang="en-US" dirty="0" err="1"/>
-              <a:t>tokyo</a:t>
-            </a:r>
-            <a:r>
-              <a:rPr lang="en-US" dirty="0"/>
-              <a:t>”)</a:t>
-            </a:r>
-          </a:p>
-        </p:txBody>
-      </p:sp>
-      <p:sp>
-        <p:nvSpPr>
-          <p:cNvPr id="82" name="TextBox 81"/>
+              <a:t>result</a:t>
+            </a:r>
+          </a:p>
+        </p:txBody>
+      </p:sp>
+      <p:sp>
+        <p:nvSpPr>
+          <p:cNvPr id="24" name="TextBox 23">
+            <a:extLst>
+              <a:ext uri="{FF2B5EF4-FFF2-40B4-BE49-F238E27FC236}">
+                <a16:creationId xmlns:a16="http://schemas.microsoft.com/office/drawing/2014/main" id="{B29C7FFD-501B-45BA-9F46-536E0F3CDED7}"/>
+              </a:ext>
+            </a:extLst>
+          </p:cNvPr>
           <p:cNvSpPr txBox="1"/>
           <p:nvPr/>
         </p:nvSpPr>
         <p:spPr>
           <a:xfrm>
-            <a:off x="3753608" y="7127490"/>
-            <a:ext cx="621216" cy="215444"/>
+            <a:off x="1302083" y="9326503"/>
+            <a:ext cx="762000" cy="215444"/>
           </a:xfrm>
           <a:prstGeom prst="rect">
             <a:avLst/>
@@ -4444,14 +4900,20 @@
       </p:sp>
       <p:sp>
         <p:nvSpPr>
-          <p:cNvPr id="83" name="TextBox 82"/>
+          <p:cNvPr id="25" name="TextBox 24">
+            <a:extLst>
+              <a:ext uri="{FF2B5EF4-FFF2-40B4-BE49-F238E27FC236}">
+                <a16:creationId xmlns:a16="http://schemas.microsoft.com/office/drawing/2014/main" id="{35B0D296-BB20-4408-A4F4-B06C193F8125}"/>
+              </a:ext>
+            </a:extLst>
+          </p:cNvPr>
           <p:cNvSpPr txBox="1"/>
           <p:nvPr/>
         </p:nvSpPr>
         <p:spPr>
           <a:xfrm>
-            <a:off x="395391" y="7358936"/>
-            <a:ext cx="762000" cy="215444"/>
+            <a:off x="3066859" y="2645096"/>
+            <a:ext cx="786492" cy="215444"/>
           </a:xfrm>
           <a:prstGeom prst="rect">
             <a:avLst/>
@@ -4478,47 +4940,6 @@
             <a:pPr algn="ctr"/>
             <a:r>
               <a:rPr lang="en-US" dirty="0"/>
-              <a:t>result</a:t>
-            </a:r>
-          </a:p>
-        </p:txBody>
-      </p:sp>
-      <p:sp>
-        <p:nvSpPr>
-          <p:cNvPr id="93" name="TextBox 92"/>
-          <p:cNvSpPr txBox="1"/>
-          <p:nvPr/>
-        </p:nvSpPr>
-        <p:spPr>
-          <a:xfrm>
-            <a:off x="2160167" y="1885688"/>
-            <a:ext cx="786492" cy="215444"/>
-          </a:xfrm>
-          <a:prstGeom prst="rect">
-            <a:avLst/>
-          </a:prstGeom>
-          <a:noFill/>
-        </p:spPr>
-        <p:txBody>
-          <a:bodyPr wrap="square" lIns="0" tIns="0" rIns="0" bIns="0" rtlCol="0">
-            <a:spAutoFit/>
-          </a:bodyPr>
-          <a:lstStyle>
-            <a:defPPr>
-              <a:defRPr lang="en-US"/>
-            </a:defPPr>
-            <a:lvl1pPr algn="r">
-              <a:defRPr sz="1400">
-                <a:solidFill>
-                  <a:srgbClr val="0070C0"/>
-                </a:solidFill>
-              </a:defRPr>
-            </a:lvl1pPr>
-          </a:lstStyle>
-          <a:p>
-            <a:pPr algn="ctr"/>
-            <a:r>
-              <a:rPr lang="en-US" dirty="0"/>
               <a:t>a</a:t>
             </a:r>
           </a:p>
@@ -4526,204 +4947,19 @@
       </p:sp>
       <p:sp>
         <p:nvSpPr>
-          <p:cNvPr id="40" name="Rectangle 62"/>
+          <p:cNvPr id="30" name="Rectangle 62">
+            <a:extLst>
+              <a:ext uri="{FF2B5EF4-FFF2-40B4-BE49-F238E27FC236}">
+                <a16:creationId xmlns:a16="http://schemas.microsoft.com/office/drawing/2014/main" id="{39FBADDC-3AEF-44F1-A803-A461711C454B}"/>
+              </a:ext>
+            </a:extLst>
+          </p:cNvPr>
           <p:cNvSpPr/>
           <p:nvPr/>
         </p:nvSpPr>
         <p:spPr>
           <a:xfrm>
-            <a:off x="7566944" y="1915575"/>
-            <a:ext cx="1251105" cy="300180"/>
-          </a:xfrm>
-          <a:prstGeom prst="rect">
-            <a:avLst/>
-          </a:prstGeom>
-          <a:solidFill>
-            <a:srgbClr val="597B78"/>
-          </a:solidFill>
-          <a:ln w="19050">
-            <a:solidFill>
-              <a:srgbClr val="597B78"/>
-            </a:solidFill>
-          </a:ln>
-          <a:effectLst/>
-        </p:spPr>
-        <p:style>
-          <a:lnRef idx="1">
-            <a:schemeClr val="accent2"/>
-          </a:lnRef>
-          <a:fillRef idx="2">
-            <a:schemeClr val="accent2"/>
-          </a:fillRef>
-          <a:effectRef idx="1">
-            <a:schemeClr val="accent2"/>
-          </a:effectRef>
-          <a:fontRef idx="minor">
-            <a:schemeClr val="dk1"/>
-          </a:fontRef>
-        </p:style>
-        <p:txBody>
-          <a:bodyPr rtlCol="0" anchor="ctr"/>
-          <a:lstStyle/>
-          <a:p>
-            <a:pPr algn="ctr"/>
-            <a:r>
-              <a:rPr lang="en-US" sz="1600" dirty="0">
-                <a:solidFill>
-                  <a:schemeClr val="bg1"/>
-                </a:solidFill>
-              </a:rPr>
-              <a:t>:</a:t>
-            </a:r>
-            <a:r>
-              <a:rPr lang="en-US" sz="1600" dirty="0" err="1">
-                <a:solidFill>
-                  <a:schemeClr val="bg1"/>
-                </a:solidFill>
-              </a:rPr>
-              <a:t>QuizModel</a:t>
-            </a:r>
-            <a:endParaRPr lang="en-SG" sz="1600" dirty="0">
-              <a:solidFill>
-                <a:schemeClr val="bg1"/>
-              </a:solidFill>
-            </a:endParaRPr>
-          </a:p>
-        </p:txBody>
-      </p:sp>
-      <p:cxnSp>
-        <p:nvCxnSpPr>
-          <p:cNvPr id="46" name="Straight Connector 45"/>
-          <p:cNvCxnSpPr>
-            <a:cxnSpLocks/>
-          </p:cNvCxnSpPr>
-          <p:nvPr/>
-        </p:nvCxnSpPr>
-        <p:spPr>
-          <a:xfrm flipH="1">
-            <a:off x="8196458" y="2184254"/>
-            <a:ext cx="1" cy="5068061"/>
-          </a:xfrm>
-          <a:prstGeom prst="line">
-            <a:avLst/>
-          </a:prstGeom>
-          <a:ln w="19050">
-            <a:solidFill>
-              <a:srgbClr val="597B78"/>
-            </a:solidFill>
-            <a:prstDash val="sysDash"/>
-          </a:ln>
-          <a:effectLst/>
-        </p:spPr>
-        <p:style>
-          <a:lnRef idx="1">
-            <a:schemeClr val="accent1"/>
-          </a:lnRef>
-          <a:fillRef idx="2">
-            <a:schemeClr val="accent1"/>
-          </a:fillRef>
-          <a:effectRef idx="1">
-            <a:schemeClr val="accent1"/>
-          </a:effectRef>
-          <a:fontRef idx="minor">
-            <a:schemeClr val="dk1"/>
-          </a:fontRef>
-        </p:style>
-      </p:cxnSp>
-      <p:sp>
-        <p:nvSpPr>
-          <p:cNvPr id="49" name="Rectangle 48"/>
-          <p:cNvSpPr/>
-          <p:nvPr/>
-        </p:nvSpPr>
-        <p:spPr>
-          <a:xfrm>
-            <a:off x="8110028" y="2512938"/>
-            <a:ext cx="168896" cy="324000"/>
-          </a:xfrm>
-          <a:prstGeom prst="rect">
-            <a:avLst/>
-          </a:prstGeom>
-          <a:solidFill>
-            <a:srgbClr val="597B78"/>
-          </a:solidFill>
-          <a:ln>
-            <a:solidFill>
-              <a:srgbClr val="597B78"/>
-            </a:solidFill>
-          </a:ln>
-          <a:effectLst/>
-        </p:spPr>
-        <p:style>
-          <a:lnRef idx="1">
-            <a:schemeClr val="accent3"/>
-          </a:lnRef>
-          <a:fillRef idx="2">
-            <a:schemeClr val="accent3"/>
-          </a:fillRef>
-          <a:effectRef idx="1">
-            <a:schemeClr val="accent3"/>
-          </a:effectRef>
-          <a:fontRef idx="minor">
-            <a:schemeClr val="dk1"/>
-          </a:fontRef>
-        </p:style>
-        <p:txBody>
-          <a:bodyPr rtlCol="0" anchor="ctr"/>
-          <a:lstStyle/>
-          <a:p>
-            <a:pPr algn="ctr"/>
-            <a:endParaRPr lang="en-SG" sz="1400"/>
-          </a:p>
-        </p:txBody>
-      </p:sp>
-      <p:cxnSp>
-        <p:nvCxnSpPr>
-          <p:cNvPr id="50" name="Straight Arrow Connector 49"/>
-          <p:cNvCxnSpPr>
-            <a:cxnSpLocks/>
-          </p:cNvCxnSpPr>
-          <p:nvPr/>
-        </p:nvCxnSpPr>
-        <p:spPr>
-          <a:xfrm>
-            <a:off x="6497022" y="2512937"/>
-            <a:ext cx="1612812" cy="0"/>
-          </a:xfrm>
-          <a:prstGeom prst="straightConnector1">
-            <a:avLst/>
-          </a:prstGeom>
-          <a:ln w="19050">
-            <a:solidFill>
-              <a:srgbClr val="597B78"/>
-            </a:solidFill>
-            <a:tailEnd type="arrow"/>
-          </a:ln>
-        </p:spPr>
-        <p:style>
-          <a:lnRef idx="1">
-            <a:schemeClr val="accent1"/>
-          </a:lnRef>
-          <a:fillRef idx="0">
-            <a:schemeClr val="accent1"/>
-          </a:fillRef>
-          <a:effectRef idx="0">
-            <a:schemeClr val="accent1"/>
-          </a:effectRef>
-          <a:fontRef idx="minor">
-            <a:schemeClr val="tx1"/>
-          </a:fontRef>
-        </p:style>
-      </p:cxnSp>
-      <p:sp>
-        <p:nvSpPr>
-          <p:cNvPr id="19" name="Rectangle 62"/>
-          <p:cNvSpPr/>
-          <p:nvPr/>
-        </p:nvSpPr>
-        <p:spPr>
-          <a:xfrm>
-            <a:off x="5730089" y="963327"/>
+            <a:off x="6636781" y="1722735"/>
             <a:ext cx="1371072" cy="461538"/>
           </a:xfrm>
           <a:prstGeom prst="rect">
@@ -4776,10 +5012,10 @@
       </p:sp>
       <p:cxnSp>
         <p:nvCxnSpPr>
-          <p:cNvPr id="66" name="Straight Arrow Connector 65">
+          <p:cNvPr id="31" name="Straight Arrow Connector 30">
             <a:extLst>
               <a:ext uri="{FF2B5EF4-FFF2-40B4-BE49-F238E27FC236}">
-                <a16:creationId xmlns:a16="http://schemas.microsoft.com/office/drawing/2014/main" id="{39916E2E-195A-4DC8-B025-B05FA87E6796}"/>
+                <a16:creationId xmlns:a16="http://schemas.microsoft.com/office/drawing/2014/main" id="{9FD63BA4-A47F-437F-BD87-D23D1E61E6FE}"/>
               </a:ext>
             </a:extLst>
           </p:cNvPr>
@@ -4790,7 +5026,7 @@
         </p:nvCxnSpPr>
         <p:spPr>
           <a:xfrm>
-            <a:off x="1692736" y="2398078"/>
+            <a:off x="2621788" y="3056731"/>
             <a:ext cx="4631982" cy="0"/>
           </a:xfrm>
           <a:prstGeom prst="straightConnector1">
@@ -4820,10 +5056,10 @@
       </p:cxnSp>
       <p:cxnSp>
         <p:nvCxnSpPr>
-          <p:cNvPr id="67" name="Straight Arrow Connector 66">
+          <p:cNvPr id="32" name="Straight Arrow Connector 31">
             <a:extLst>
               <a:ext uri="{FF2B5EF4-FFF2-40B4-BE49-F238E27FC236}">
-                <a16:creationId xmlns:a16="http://schemas.microsoft.com/office/drawing/2014/main" id="{D881596E-177C-4FDC-8E60-CAB90B3D5FAB}"/>
+                <a16:creationId xmlns:a16="http://schemas.microsoft.com/office/drawing/2014/main" id="{8EBFC773-3785-466B-9476-C011C3020C46}"/>
               </a:ext>
             </a:extLst>
           </p:cNvPr>
@@ -4834,7 +5070,7 @@
         </p:nvCxnSpPr>
         <p:spPr>
           <a:xfrm>
-            <a:off x="1709795" y="946229"/>
+            <a:off x="2616487" y="1705637"/>
             <a:ext cx="1653019" cy="0"/>
           </a:xfrm>
           <a:prstGeom prst="straightConnector1">
@@ -4864,10 +5100,10 @@
       </p:cxnSp>
       <p:cxnSp>
         <p:nvCxnSpPr>
-          <p:cNvPr id="69" name="Straight Arrow Connector 68">
+          <p:cNvPr id="33" name="Straight Arrow Connector 32">
             <a:extLst>
               <a:ext uri="{FF2B5EF4-FFF2-40B4-BE49-F238E27FC236}">
-                <a16:creationId xmlns:a16="http://schemas.microsoft.com/office/drawing/2014/main" id="{7C9F21BC-13A9-471F-825A-2621FD36355F}"/>
+                <a16:creationId xmlns:a16="http://schemas.microsoft.com/office/drawing/2014/main" id="{2912C31C-788D-47C7-B115-CA2C67599690}"/>
               </a:ext>
             </a:extLst>
           </p:cNvPr>
@@ -4878,7 +5114,7 @@
         </p:nvCxnSpPr>
         <p:spPr>
           <a:xfrm>
-            <a:off x="1732556" y="7350654"/>
+            <a:off x="2639248" y="9318221"/>
             <a:ext cx="4642448" cy="0"/>
           </a:xfrm>
           <a:prstGeom prst="straightConnector1">
@@ -4908,58 +5144,12 @@
           </a:fontRef>
         </p:style>
       </p:cxnSp>
-      <p:cxnSp>
-        <p:nvCxnSpPr>
-          <p:cNvPr id="63" name="Straight Arrow Connector 62">
+      <p:grpSp>
+        <p:nvGrpSpPr>
+          <p:cNvPr id="35" name="Group 34">
             <a:extLst>
               <a:ext uri="{FF2B5EF4-FFF2-40B4-BE49-F238E27FC236}">
-                <a16:creationId xmlns:a16="http://schemas.microsoft.com/office/drawing/2014/main" id="{7C9F21BC-13A9-471F-825A-2621FD36355F}"/>
-              </a:ext>
-            </a:extLst>
-          </p:cNvPr>
-          <p:cNvCxnSpPr>
-            <a:cxnSpLocks/>
-          </p:cNvCxnSpPr>
-          <p:nvPr/>
-        </p:nvCxnSpPr>
-        <p:spPr>
-          <a:xfrm>
-            <a:off x="6497022" y="2828552"/>
-            <a:ext cx="1599844" cy="0"/>
-          </a:xfrm>
-          <a:prstGeom prst="straightConnector1">
-            <a:avLst/>
-          </a:prstGeom>
-          <a:ln w="19050">
-            <a:solidFill>
-              <a:srgbClr val="597B78"/>
-            </a:solidFill>
-            <a:prstDash val="sysDash"/>
-            <a:headEnd type="arrow" w="med" len="med"/>
-            <a:tailEnd type="none" w="med" len="med"/>
-          </a:ln>
-        </p:spPr>
-        <p:style>
-          <a:lnRef idx="1">
-            <a:schemeClr val="accent1"/>
-          </a:lnRef>
-          <a:fillRef idx="0">
-            <a:schemeClr val="accent1"/>
-          </a:fillRef>
-          <a:effectRef idx="0">
-            <a:schemeClr val="accent1"/>
-          </a:effectRef>
-          <a:fontRef idx="minor">
-            <a:schemeClr val="tx1"/>
-          </a:fontRef>
-        </p:style>
-      </p:cxnSp>
-      <p:grpSp>
-        <p:nvGrpSpPr>
-          <p:cNvPr id="133" name="Group 132">
-            <a:extLst>
-              <a:ext uri="{FF2B5EF4-FFF2-40B4-BE49-F238E27FC236}">
-                <a16:creationId xmlns:a16="http://schemas.microsoft.com/office/drawing/2014/main" id="{70A6F402-22BA-4FC9-8CC8-DF7694379D6D}"/>
+                <a16:creationId xmlns:a16="http://schemas.microsoft.com/office/drawing/2014/main" id="{7C1E0900-9972-488D-B22F-F4E5DC0AD0C8}"/>
               </a:ext>
             </a:extLst>
           </p:cNvPr>
@@ -4968,7 +5158,7 @@
         </p:nvGrpSpPr>
         <p:grpSpPr>
           <a:xfrm>
-            <a:off x="3432081" y="1829444"/>
+            <a:off x="4338773" y="2588852"/>
             <a:ext cx="216000" cy="144466"/>
             <a:chOff x="3781267" y="1682512"/>
             <a:chExt cx="216000" cy="144466"/>
@@ -4976,10 +5166,10 @@
         </p:grpSpPr>
         <p:cxnSp>
           <p:nvCxnSpPr>
-            <p:cNvPr id="120" name="Straight Connector 119">
+            <p:cNvPr id="70" name="Straight Connector 69">
               <a:extLst>
                 <a:ext uri="{FF2B5EF4-FFF2-40B4-BE49-F238E27FC236}">
-                  <a16:creationId xmlns:a16="http://schemas.microsoft.com/office/drawing/2014/main" id="{3129C7C0-1D8A-4FCD-AAF1-1969BF92FB20}"/>
+                  <a16:creationId xmlns:a16="http://schemas.microsoft.com/office/drawing/2014/main" id="{F4D8CA56-359A-4B64-8C76-AEBB5C816226}"/>
                 </a:ext>
               </a:extLst>
             </p:cNvPr>
@@ -5020,10 +5210,10 @@
         </p:cxnSp>
         <p:cxnSp>
           <p:nvCxnSpPr>
-            <p:cNvPr id="121" name="Straight Connector 120">
+            <p:cNvPr id="71" name="Straight Connector 70">
               <a:extLst>
                 <a:ext uri="{FF2B5EF4-FFF2-40B4-BE49-F238E27FC236}">
-                  <a16:creationId xmlns:a16="http://schemas.microsoft.com/office/drawing/2014/main" id="{57A421B3-AD4C-4816-A1C9-3943AB3D6771}"/>
+                  <a16:creationId xmlns:a16="http://schemas.microsoft.com/office/drawing/2014/main" id="{3CA4F378-C618-48A4-9D10-1E94C6B68FB1}"/>
                 </a:ext>
               </a:extLst>
             </p:cNvPr>
@@ -5064,10 +5254,10 @@
         </p:cxnSp>
         <p:cxnSp>
           <p:nvCxnSpPr>
-            <p:cNvPr id="122" name="Straight Arrow Connector 121">
+            <p:cNvPr id="72" name="Straight Arrow Connector 71">
               <a:extLst>
                 <a:ext uri="{FF2B5EF4-FFF2-40B4-BE49-F238E27FC236}">
-                  <a16:creationId xmlns:a16="http://schemas.microsoft.com/office/drawing/2014/main" id="{1F9FD2A1-767B-4A9D-BCD0-7E6BEDD7EDD7}"/>
+                  <a16:creationId xmlns:a16="http://schemas.microsoft.com/office/drawing/2014/main" id="{53FD7EFF-2AF4-4E01-BAD2-43C9B676A994}"/>
                 </a:ext>
               </a:extLst>
             </p:cNvPr>
@@ -5111,10 +5301,10 @@
       </p:grpSp>
       <p:sp>
         <p:nvSpPr>
-          <p:cNvPr id="85" name="Rectangle 84">
+          <p:cNvPr id="36" name="Rectangle 35">
             <a:extLst>
               <a:ext uri="{FF2B5EF4-FFF2-40B4-BE49-F238E27FC236}">
-                <a16:creationId xmlns:a16="http://schemas.microsoft.com/office/drawing/2014/main" id="{B50AA983-94C5-460B-B0D5-610170B45C00}"/>
+                <a16:creationId xmlns:a16="http://schemas.microsoft.com/office/drawing/2014/main" id="{F0E27C24-52EF-4611-ACA2-ECCDED4D596C}"/>
               </a:ext>
             </a:extLst>
           </p:cNvPr>
@@ -5123,7 +5313,7 @@
         </p:nvSpPr>
         <p:spPr>
           <a:xfrm>
-            <a:off x="3446437" y="1102012"/>
+            <a:off x="4353129" y="1861420"/>
             <a:ext cx="154408" cy="774001"/>
           </a:xfrm>
           <a:prstGeom prst="rect">
@@ -5164,10 +5354,10 @@
       </p:sp>
       <p:grpSp>
         <p:nvGrpSpPr>
-          <p:cNvPr id="118" name="self invoc">
+          <p:cNvPr id="37" name="self invoc">
             <a:extLst>
               <a:ext uri="{FF2B5EF4-FFF2-40B4-BE49-F238E27FC236}">
-                <a16:creationId xmlns:a16="http://schemas.microsoft.com/office/drawing/2014/main" id="{358F2164-5604-4583-9C19-4ABB6E253FB9}"/>
+                <a16:creationId xmlns:a16="http://schemas.microsoft.com/office/drawing/2014/main" id="{45081013-7FC7-4CE8-853A-633515DB9531}"/>
               </a:ext>
             </a:extLst>
           </p:cNvPr>
@@ -5176,7 +5366,7 @@
         </p:nvGrpSpPr>
         <p:grpSpPr>
           <a:xfrm>
-            <a:off x="3510263" y="977859"/>
+            <a:off x="4416955" y="1737267"/>
             <a:ext cx="183552" cy="123673"/>
             <a:chOff x="3491819" y="1442349"/>
             <a:chExt cx="183552" cy="123673"/>
@@ -5184,10 +5374,10 @@
         </p:grpSpPr>
         <p:cxnSp>
           <p:nvCxnSpPr>
-            <p:cNvPr id="97" name="Straight Connector 96">
+            <p:cNvPr id="67" name="Straight Connector 66">
               <a:extLst>
                 <a:ext uri="{FF2B5EF4-FFF2-40B4-BE49-F238E27FC236}">
-                  <a16:creationId xmlns:a16="http://schemas.microsoft.com/office/drawing/2014/main" id="{110BB256-138F-463E-9831-545D25B7DFE0}"/>
+                  <a16:creationId xmlns:a16="http://schemas.microsoft.com/office/drawing/2014/main" id="{43545EBF-9C46-4137-AD73-85F50538FDAA}"/>
                 </a:ext>
               </a:extLst>
             </p:cNvPr>
@@ -5227,10 +5417,10 @@
         </p:cxnSp>
         <p:cxnSp>
           <p:nvCxnSpPr>
-            <p:cNvPr id="99" name="Straight Connector 98">
+            <p:cNvPr id="68" name="Straight Connector 67">
               <a:extLst>
                 <a:ext uri="{FF2B5EF4-FFF2-40B4-BE49-F238E27FC236}">
-                  <a16:creationId xmlns:a16="http://schemas.microsoft.com/office/drawing/2014/main" id="{84AC3DCD-4889-4E5A-B33F-32F1FE0444FB}"/>
+                  <a16:creationId xmlns:a16="http://schemas.microsoft.com/office/drawing/2014/main" id="{B62B96C1-DAD5-4128-A868-D75BE6D93931}"/>
                 </a:ext>
               </a:extLst>
             </p:cNvPr>
@@ -5270,10 +5460,10 @@
         </p:cxnSp>
         <p:cxnSp>
           <p:nvCxnSpPr>
-            <p:cNvPr id="102" name="Straight Arrow Connector 101">
+            <p:cNvPr id="69" name="Straight Arrow Connector 68">
               <a:extLst>
                 <a:ext uri="{FF2B5EF4-FFF2-40B4-BE49-F238E27FC236}">
-                  <a16:creationId xmlns:a16="http://schemas.microsoft.com/office/drawing/2014/main" id="{8CBDC46C-292F-44A2-8F15-4E610BC73E37}"/>
+                  <a16:creationId xmlns:a16="http://schemas.microsoft.com/office/drawing/2014/main" id="{96BDFE72-132A-4545-9B20-D7FC69F44565}"/>
                 </a:ext>
               </a:extLst>
             </p:cNvPr>
@@ -5316,10 +5506,10 @@
       </p:grpSp>
       <p:sp>
         <p:nvSpPr>
-          <p:cNvPr id="111" name="TextBox 110">
+          <p:cNvPr id="38" name="TextBox 37">
             <a:extLst>
               <a:ext uri="{FF2B5EF4-FFF2-40B4-BE49-F238E27FC236}">
-                <a16:creationId xmlns:a16="http://schemas.microsoft.com/office/drawing/2014/main" id="{90566D83-24E6-4831-963E-F4AA4F929511}"/>
+                <a16:creationId xmlns:a16="http://schemas.microsoft.com/office/drawing/2014/main" id="{E282FFB9-91C9-448C-BD09-B3CFF740E61E}"/>
               </a:ext>
             </a:extLst>
           </p:cNvPr>
@@ -5328,7 +5518,7 @@
         </p:nvSpPr>
         <p:spPr>
           <a:xfrm>
-            <a:off x="1888227" y="723657"/>
+            <a:off x="2794919" y="1483065"/>
             <a:ext cx="1358232" cy="215444"/>
           </a:xfrm>
           <a:prstGeom prst="rect">
@@ -5371,10 +5561,10 @@
       </p:sp>
       <p:sp>
         <p:nvSpPr>
-          <p:cNvPr id="145" name="TextBox 144">
+          <p:cNvPr id="39" name="TextBox 38">
             <a:extLst>
               <a:ext uri="{FF2B5EF4-FFF2-40B4-BE49-F238E27FC236}">
-                <a16:creationId xmlns:a16="http://schemas.microsoft.com/office/drawing/2014/main" id="{F824156E-D617-4B15-929A-DE7B470C7A10}"/>
+                <a16:creationId xmlns:a16="http://schemas.microsoft.com/office/drawing/2014/main" id="{9FC1214F-5565-4355-A9E7-642FF2F3AF4C}"/>
               </a:ext>
             </a:extLst>
           </p:cNvPr>
@@ -5383,7 +5573,7 @@
         </p:nvSpPr>
         <p:spPr>
           <a:xfrm>
-            <a:off x="4430089" y="1421895"/>
+            <a:off x="5336781" y="2181303"/>
             <a:ext cx="786492" cy="215444"/>
           </a:xfrm>
           <a:prstGeom prst="rect">
@@ -5418,10 +5608,10 @@
       </p:sp>
       <p:sp>
         <p:nvSpPr>
-          <p:cNvPr id="160" name="TextBox 159">
+          <p:cNvPr id="62" name="TextBox 61">
             <a:extLst>
               <a:ext uri="{FF2B5EF4-FFF2-40B4-BE49-F238E27FC236}">
-                <a16:creationId xmlns:a16="http://schemas.microsoft.com/office/drawing/2014/main" id="{7849AAEB-163C-4729-8471-A937E1953943}"/>
+                <a16:creationId xmlns:a16="http://schemas.microsoft.com/office/drawing/2014/main" id="{E3956C64-37E5-41F8-9919-CC8B33F8C4AE}"/>
               </a:ext>
             </a:extLst>
           </p:cNvPr>
@@ -5430,8 +5620,43 @@
         </p:nvSpPr>
         <p:spPr>
           <a:xfrm>
-            <a:off x="6552586" y="4466929"/>
-            <a:ext cx="1337068" cy="184666"/>
+            <a:off x="7141117" y="9583384"/>
+            <a:ext cx="396353" cy="715581"/>
+          </a:xfrm>
+          <a:prstGeom prst="rect">
+            <a:avLst/>
+          </a:prstGeom>
+          <a:noFill/>
+        </p:spPr>
+        <p:txBody>
+          <a:bodyPr wrap="square" rtlCol="0">
+            <a:spAutoFit/>
+          </a:bodyPr>
+          <a:lstStyle/>
+          <a:p>
+            <a:r>
+              <a:rPr lang="en-SG" dirty="0"/>
+              <a:t>x</a:t>
+            </a:r>
+          </a:p>
+        </p:txBody>
+      </p:sp>
+      <p:sp>
+        <p:nvSpPr>
+          <p:cNvPr id="91" name="TextBox 90">
+            <a:extLst>
+              <a:ext uri="{FF2B5EF4-FFF2-40B4-BE49-F238E27FC236}">
+                <a16:creationId xmlns:a16="http://schemas.microsoft.com/office/drawing/2014/main" id="{020169BC-2994-4833-937E-A0EF412AE1D0}"/>
+              </a:ext>
+            </a:extLst>
+          </p:cNvPr>
+          <p:cNvSpPr txBox="1"/>
+          <p:nvPr/>
+        </p:nvSpPr>
+        <p:spPr>
+          <a:xfrm>
+            <a:off x="7624610" y="4856087"/>
+            <a:ext cx="2901512" cy="215444"/>
           </a:xfrm>
           <a:prstGeom prst="rect">
             <a:avLst/>
@@ -5457,30 +5682,177 @@
           <a:p>
             <a:pPr algn="l"/>
             <a:r>
-              <a:rPr lang="en-US" sz="1200" dirty="0" err="1">
-                <a:solidFill>
-                  <a:srgbClr val="597B78"/>
-                </a:solidFill>
-              </a:rPr>
-              <a:t>hasCardLeft</a:t>
-            </a:r>
-            <a:r>
-              <a:rPr lang="en-US" sz="1200" dirty="0">
-                <a:solidFill>
-                  <a:srgbClr val="597B78"/>
-                </a:solidFill>
-              </a:rPr>
-              <a:t>()</a:t>
-            </a:r>
-          </a:p>
-        </p:txBody>
-      </p:sp>
-      <p:sp>
-        <p:nvSpPr>
-          <p:cNvPr id="161" name="Rectangle 160">
+              <a:rPr lang="en-US" dirty="0" err="1"/>
+              <a:t>handleCurrentCardAnswer</a:t>
+            </a:r>
+            <a:r>
+              <a:rPr lang="en-US" dirty="0"/>
+              <a:t> ()</a:t>
+            </a:r>
+          </a:p>
+        </p:txBody>
+      </p:sp>
+      <p:grpSp>
+        <p:nvGrpSpPr>
+          <p:cNvPr id="92" name="Group 91">
             <a:extLst>
               <a:ext uri="{FF2B5EF4-FFF2-40B4-BE49-F238E27FC236}">
-                <a16:creationId xmlns:a16="http://schemas.microsoft.com/office/drawing/2014/main" id="{F06555E0-A413-4E33-BC39-219E7235D4D8}"/>
+                <a16:creationId xmlns:a16="http://schemas.microsoft.com/office/drawing/2014/main" id="{CE8A93DE-4727-45D6-A360-A9C2B6BFC41E}"/>
+              </a:ext>
+            </a:extLst>
+          </p:cNvPr>
+          <p:cNvGrpSpPr/>
+          <p:nvPr/>
+        </p:nvGrpSpPr>
+        <p:grpSpPr>
+          <a:xfrm>
+            <a:off x="7323931" y="6308861"/>
+            <a:ext cx="216000" cy="144466"/>
+            <a:chOff x="3781267" y="1682512"/>
+            <a:chExt cx="216000" cy="144466"/>
+          </a:xfrm>
+        </p:grpSpPr>
+        <p:cxnSp>
+          <p:nvCxnSpPr>
+            <p:cNvPr id="93" name="Straight Connector 92">
+              <a:extLst>
+                <a:ext uri="{FF2B5EF4-FFF2-40B4-BE49-F238E27FC236}">
+                  <a16:creationId xmlns:a16="http://schemas.microsoft.com/office/drawing/2014/main" id="{5514E903-ACD4-44B1-9AD7-9D216CB5BE26}"/>
+                </a:ext>
+              </a:extLst>
+            </p:cNvPr>
+            <p:cNvCxnSpPr>
+              <a:cxnSpLocks/>
+            </p:cNvCxnSpPr>
+            <p:nvPr/>
+          </p:nvCxnSpPr>
+          <p:spPr>
+            <a:xfrm>
+              <a:off x="3781267" y="1692546"/>
+              <a:ext cx="216000" cy="0"/>
+            </a:xfrm>
+            <a:prstGeom prst="line">
+              <a:avLst/>
+            </a:prstGeom>
+            <a:ln w="19050">
+              <a:solidFill>
+                <a:srgbClr val="0070C0"/>
+              </a:solidFill>
+              <a:prstDash val="sysDash"/>
+            </a:ln>
+          </p:spPr>
+          <p:style>
+            <a:lnRef idx="1">
+              <a:schemeClr val="accent1"/>
+            </a:lnRef>
+            <a:fillRef idx="0">
+              <a:schemeClr val="accent1"/>
+            </a:fillRef>
+            <a:effectRef idx="0">
+              <a:schemeClr val="accent1"/>
+            </a:effectRef>
+            <a:fontRef idx="minor">
+              <a:schemeClr val="tx1"/>
+            </a:fontRef>
+          </p:style>
+        </p:cxnSp>
+        <p:cxnSp>
+          <p:nvCxnSpPr>
+            <p:cNvPr id="94" name="Straight Connector 93">
+              <a:extLst>
+                <a:ext uri="{FF2B5EF4-FFF2-40B4-BE49-F238E27FC236}">
+                  <a16:creationId xmlns:a16="http://schemas.microsoft.com/office/drawing/2014/main" id="{FE08C1EE-25DC-46F9-9903-1F1F7980E80B}"/>
+                </a:ext>
+              </a:extLst>
+            </p:cNvPr>
+            <p:cNvCxnSpPr>
+              <a:cxnSpLocks/>
+            </p:cNvCxnSpPr>
+            <p:nvPr/>
+          </p:nvCxnSpPr>
+          <p:spPr>
+            <a:xfrm>
+              <a:off x="3997267" y="1682512"/>
+              <a:ext cx="0" cy="114166"/>
+            </a:xfrm>
+            <a:prstGeom prst="line">
+              <a:avLst/>
+            </a:prstGeom>
+            <a:ln w="19050">
+              <a:solidFill>
+                <a:srgbClr val="0070C0"/>
+              </a:solidFill>
+              <a:prstDash val="sysDash"/>
+            </a:ln>
+          </p:spPr>
+          <p:style>
+            <a:lnRef idx="1">
+              <a:schemeClr val="accent1"/>
+            </a:lnRef>
+            <a:fillRef idx="0">
+              <a:schemeClr val="accent1"/>
+            </a:fillRef>
+            <a:effectRef idx="0">
+              <a:schemeClr val="accent1"/>
+            </a:effectRef>
+            <a:fontRef idx="minor">
+              <a:schemeClr val="tx1"/>
+            </a:fontRef>
+          </p:style>
+        </p:cxnSp>
+        <p:cxnSp>
+          <p:nvCxnSpPr>
+            <p:cNvPr id="95" name="Straight Arrow Connector 94">
+              <a:extLst>
+                <a:ext uri="{FF2B5EF4-FFF2-40B4-BE49-F238E27FC236}">
+                  <a16:creationId xmlns:a16="http://schemas.microsoft.com/office/drawing/2014/main" id="{8D62C4CF-5C5F-4567-85A8-DAA1FEBD7EFA}"/>
+                </a:ext>
+              </a:extLst>
+            </p:cNvPr>
+            <p:cNvCxnSpPr>
+              <a:cxnSpLocks/>
+            </p:cNvCxnSpPr>
+            <p:nvPr/>
+          </p:nvCxnSpPr>
+          <p:spPr>
+            <a:xfrm flipH="1">
+              <a:off x="3870479" y="1783244"/>
+              <a:ext cx="122204" cy="43734"/>
+            </a:xfrm>
+            <a:prstGeom prst="straightConnector1">
+              <a:avLst/>
+            </a:prstGeom>
+            <a:ln w="19050">
+              <a:solidFill>
+                <a:srgbClr val="0070C0"/>
+              </a:solidFill>
+              <a:prstDash val="sysDash"/>
+              <a:headEnd w="sm" len="sm"/>
+              <a:tailEnd type="triangle" w="sm" len="sm"/>
+            </a:ln>
+          </p:spPr>
+          <p:style>
+            <a:lnRef idx="1">
+              <a:schemeClr val="accent1"/>
+            </a:lnRef>
+            <a:fillRef idx="0">
+              <a:schemeClr val="accent1"/>
+            </a:fillRef>
+            <a:effectRef idx="0">
+              <a:schemeClr val="accent1"/>
+            </a:effectRef>
+            <a:fontRef idx="minor">
+              <a:schemeClr val="tx1"/>
+            </a:fontRef>
+          </p:style>
+        </p:cxnSp>
+      </p:grpSp>
+      <p:sp>
+        <p:nvSpPr>
+          <p:cNvPr id="96" name="Rectangle 95">
+            <a:extLst>
+              <a:ext uri="{FF2B5EF4-FFF2-40B4-BE49-F238E27FC236}">
+                <a16:creationId xmlns:a16="http://schemas.microsoft.com/office/drawing/2014/main" id="{FFA793DE-27B8-4902-BFF7-1C560564E989}"/>
               </a:ext>
             </a:extLst>
           </p:cNvPr>
@@ -5489,18 +5861,18 @@
         </p:nvSpPr>
         <p:spPr>
           <a:xfrm>
-            <a:off x="8110028" y="4670383"/>
-            <a:ext cx="168896" cy="324000"/>
+            <a:off x="7338287" y="5135989"/>
+            <a:ext cx="149821" cy="1197324"/>
           </a:xfrm>
           <a:prstGeom prst="rect">
             <a:avLst/>
           </a:prstGeom>
           <a:solidFill>
-            <a:srgbClr val="597B78"/>
+            <a:schemeClr val="bg1"/>
           </a:solidFill>
           <a:ln>
             <a:solidFill>
-              <a:srgbClr val="597B78"/>
+              <a:srgbClr val="0070C0"/>
             </a:solidFill>
           </a:ln>
           <a:effectLst/>
@@ -5524,16 +5896,1581 @@
           <a:lstStyle/>
           <a:p>
             <a:pPr algn="ctr"/>
+            <a:endParaRPr lang="en-SG" sz="1400" dirty="0"/>
+          </a:p>
+        </p:txBody>
+      </p:sp>
+      <p:grpSp>
+        <p:nvGrpSpPr>
+          <p:cNvPr id="97" name="self invoc">
+            <a:extLst>
+              <a:ext uri="{FF2B5EF4-FFF2-40B4-BE49-F238E27FC236}">
+                <a16:creationId xmlns:a16="http://schemas.microsoft.com/office/drawing/2014/main" id="{D3E29973-0E88-4C48-8056-C69AF94544D4}"/>
+              </a:ext>
+            </a:extLst>
+          </p:cNvPr>
+          <p:cNvGrpSpPr/>
+          <p:nvPr/>
+        </p:nvGrpSpPr>
+        <p:grpSpPr>
+          <a:xfrm>
+            <a:off x="7402113" y="5043677"/>
+            <a:ext cx="183552" cy="123673"/>
+            <a:chOff x="3491819" y="1442349"/>
+            <a:chExt cx="183552" cy="123673"/>
+          </a:xfrm>
+        </p:grpSpPr>
+        <p:cxnSp>
+          <p:nvCxnSpPr>
+            <p:cNvPr id="98" name="Straight Connector 97">
+              <a:extLst>
+                <a:ext uri="{FF2B5EF4-FFF2-40B4-BE49-F238E27FC236}">
+                  <a16:creationId xmlns:a16="http://schemas.microsoft.com/office/drawing/2014/main" id="{929B4D1E-7D55-407F-A61C-7575466243D5}"/>
+                </a:ext>
+              </a:extLst>
+            </p:cNvPr>
+            <p:cNvCxnSpPr>
+              <a:cxnSpLocks/>
+            </p:cNvCxnSpPr>
+            <p:nvPr/>
+          </p:nvCxnSpPr>
+          <p:spPr>
+            <a:xfrm>
+              <a:off x="3491819" y="1453656"/>
+              <a:ext cx="180000" cy="0"/>
+            </a:xfrm>
+            <a:prstGeom prst="line">
+              <a:avLst/>
+            </a:prstGeom>
+            <a:ln w="19050">
+              <a:solidFill>
+                <a:srgbClr val="0070C0"/>
+              </a:solidFill>
+            </a:ln>
+          </p:spPr>
+          <p:style>
+            <a:lnRef idx="1">
+              <a:schemeClr val="accent1"/>
+            </a:lnRef>
+            <a:fillRef idx="0">
+              <a:schemeClr val="accent1"/>
+            </a:fillRef>
+            <a:effectRef idx="0">
+              <a:schemeClr val="accent1"/>
+            </a:effectRef>
+            <a:fontRef idx="minor">
+              <a:schemeClr val="tx1"/>
+            </a:fontRef>
+          </p:style>
+        </p:cxnSp>
+        <p:cxnSp>
+          <p:nvCxnSpPr>
+            <p:cNvPr id="99" name="Straight Connector 98">
+              <a:extLst>
+                <a:ext uri="{FF2B5EF4-FFF2-40B4-BE49-F238E27FC236}">
+                  <a16:creationId xmlns:a16="http://schemas.microsoft.com/office/drawing/2014/main" id="{0C5254DE-DB94-43AD-999B-24B8E8CCAEC9}"/>
+                </a:ext>
+              </a:extLst>
+            </p:cNvPr>
+            <p:cNvCxnSpPr>
+              <a:cxnSpLocks/>
+            </p:cNvCxnSpPr>
+            <p:nvPr/>
+          </p:nvCxnSpPr>
+          <p:spPr>
+            <a:xfrm>
+              <a:off x="3671819" y="1442349"/>
+              <a:ext cx="0" cy="82800"/>
+            </a:xfrm>
+            <a:prstGeom prst="line">
+              <a:avLst/>
+            </a:prstGeom>
+            <a:ln w="19050">
+              <a:solidFill>
+                <a:srgbClr val="0070C0"/>
+              </a:solidFill>
+            </a:ln>
+          </p:spPr>
+          <p:style>
+            <a:lnRef idx="1">
+              <a:schemeClr val="accent1"/>
+            </a:lnRef>
+            <a:fillRef idx="0">
+              <a:schemeClr val="accent1"/>
+            </a:fillRef>
+            <a:effectRef idx="0">
+              <a:schemeClr val="accent1"/>
+            </a:effectRef>
+            <a:fontRef idx="minor">
+              <a:schemeClr val="tx1"/>
+            </a:fontRef>
+          </p:style>
+        </p:cxnSp>
+        <p:cxnSp>
+          <p:nvCxnSpPr>
+            <p:cNvPr id="100" name="Straight Arrow Connector 99">
+              <a:extLst>
+                <a:ext uri="{FF2B5EF4-FFF2-40B4-BE49-F238E27FC236}">
+                  <a16:creationId xmlns:a16="http://schemas.microsoft.com/office/drawing/2014/main" id="{DA5E5191-505B-4C5C-B7E6-F680C1946C92}"/>
+                </a:ext>
+              </a:extLst>
+            </p:cNvPr>
+            <p:cNvCxnSpPr>
+              <a:cxnSpLocks/>
+            </p:cNvCxnSpPr>
+            <p:nvPr/>
+          </p:nvCxnSpPr>
+          <p:spPr>
+            <a:xfrm flipH="1">
+              <a:off x="3583576" y="1515622"/>
+              <a:ext cx="91795" cy="50400"/>
+            </a:xfrm>
+            <a:prstGeom prst="straightConnector1">
+              <a:avLst/>
+            </a:prstGeom>
+            <a:ln w="19050">
+              <a:solidFill>
+                <a:srgbClr val="0070C0"/>
+              </a:solidFill>
+              <a:headEnd w="sm" len="sm"/>
+              <a:tailEnd type="triangle" w="sm" len="sm"/>
+            </a:ln>
+          </p:spPr>
+          <p:style>
+            <a:lnRef idx="1">
+              <a:schemeClr val="accent1"/>
+            </a:lnRef>
+            <a:fillRef idx="0">
+              <a:schemeClr val="accent1"/>
+            </a:fillRef>
+            <a:effectRef idx="0">
+              <a:schemeClr val="accent1"/>
+            </a:effectRef>
+            <a:fontRef idx="minor">
+              <a:schemeClr val="tx1"/>
+            </a:fontRef>
+          </p:style>
+        </p:cxnSp>
+      </p:grpSp>
+      <p:grpSp>
+        <p:nvGrpSpPr>
+          <p:cNvPr id="136" name="Group 135">
+            <a:extLst>
+              <a:ext uri="{FF2B5EF4-FFF2-40B4-BE49-F238E27FC236}">
+                <a16:creationId xmlns:a16="http://schemas.microsoft.com/office/drawing/2014/main" id="{C9C5988E-3CAE-4A37-9EF5-7EDD9944555E}"/>
+              </a:ext>
+            </a:extLst>
+          </p:cNvPr>
+          <p:cNvGrpSpPr/>
+          <p:nvPr/>
+        </p:nvGrpSpPr>
+        <p:grpSpPr>
+          <a:xfrm>
+            <a:off x="7338287" y="8998659"/>
+            <a:ext cx="216000" cy="144466"/>
+            <a:chOff x="3781267" y="1682512"/>
+            <a:chExt cx="216000" cy="144466"/>
+          </a:xfrm>
+        </p:grpSpPr>
+        <p:cxnSp>
+          <p:nvCxnSpPr>
+            <p:cNvPr id="142" name="Straight Connector 141">
+              <a:extLst>
+                <a:ext uri="{FF2B5EF4-FFF2-40B4-BE49-F238E27FC236}">
+                  <a16:creationId xmlns:a16="http://schemas.microsoft.com/office/drawing/2014/main" id="{79461C05-E4F9-4512-8845-EDE775D8294B}"/>
+                </a:ext>
+              </a:extLst>
+            </p:cNvPr>
+            <p:cNvCxnSpPr>
+              <a:cxnSpLocks/>
+            </p:cNvCxnSpPr>
+            <p:nvPr/>
+          </p:nvCxnSpPr>
+          <p:spPr>
+            <a:xfrm>
+              <a:off x="3781267" y="1692546"/>
+              <a:ext cx="216000" cy="0"/>
+            </a:xfrm>
+            <a:prstGeom prst="line">
+              <a:avLst/>
+            </a:prstGeom>
+            <a:ln w="19050">
+              <a:solidFill>
+                <a:srgbClr val="0070C0"/>
+              </a:solidFill>
+              <a:prstDash val="sysDash"/>
+            </a:ln>
+          </p:spPr>
+          <p:style>
+            <a:lnRef idx="1">
+              <a:schemeClr val="accent1"/>
+            </a:lnRef>
+            <a:fillRef idx="0">
+              <a:schemeClr val="accent1"/>
+            </a:fillRef>
+            <a:effectRef idx="0">
+              <a:schemeClr val="accent1"/>
+            </a:effectRef>
+            <a:fontRef idx="minor">
+              <a:schemeClr val="tx1"/>
+            </a:fontRef>
+          </p:style>
+        </p:cxnSp>
+        <p:cxnSp>
+          <p:nvCxnSpPr>
+            <p:cNvPr id="143" name="Straight Connector 142">
+              <a:extLst>
+                <a:ext uri="{FF2B5EF4-FFF2-40B4-BE49-F238E27FC236}">
+                  <a16:creationId xmlns:a16="http://schemas.microsoft.com/office/drawing/2014/main" id="{F00A60AD-F7E5-4673-BEF5-AC5E13BE0A92}"/>
+                </a:ext>
+              </a:extLst>
+            </p:cNvPr>
+            <p:cNvCxnSpPr>
+              <a:cxnSpLocks/>
+            </p:cNvCxnSpPr>
+            <p:nvPr/>
+          </p:nvCxnSpPr>
+          <p:spPr>
+            <a:xfrm>
+              <a:off x="3997267" y="1682512"/>
+              <a:ext cx="0" cy="114166"/>
+            </a:xfrm>
+            <a:prstGeom prst="line">
+              <a:avLst/>
+            </a:prstGeom>
+            <a:ln w="19050">
+              <a:solidFill>
+                <a:srgbClr val="0070C0"/>
+              </a:solidFill>
+              <a:prstDash val="sysDash"/>
+            </a:ln>
+          </p:spPr>
+          <p:style>
+            <a:lnRef idx="1">
+              <a:schemeClr val="accent1"/>
+            </a:lnRef>
+            <a:fillRef idx="0">
+              <a:schemeClr val="accent1"/>
+            </a:fillRef>
+            <a:effectRef idx="0">
+              <a:schemeClr val="accent1"/>
+            </a:effectRef>
+            <a:fontRef idx="minor">
+              <a:schemeClr val="tx1"/>
+            </a:fontRef>
+          </p:style>
+        </p:cxnSp>
+        <p:cxnSp>
+          <p:nvCxnSpPr>
+            <p:cNvPr id="144" name="Straight Arrow Connector 143">
+              <a:extLst>
+                <a:ext uri="{FF2B5EF4-FFF2-40B4-BE49-F238E27FC236}">
+                  <a16:creationId xmlns:a16="http://schemas.microsoft.com/office/drawing/2014/main" id="{FFFC093F-8245-4D73-A34E-EDB91ED11D36}"/>
+                </a:ext>
+              </a:extLst>
+            </p:cNvPr>
+            <p:cNvCxnSpPr>
+              <a:cxnSpLocks/>
+            </p:cNvCxnSpPr>
+            <p:nvPr/>
+          </p:nvCxnSpPr>
+          <p:spPr>
+            <a:xfrm flipH="1">
+              <a:off x="3870479" y="1783244"/>
+              <a:ext cx="122204" cy="43734"/>
+            </a:xfrm>
+            <a:prstGeom prst="straightConnector1">
+              <a:avLst/>
+            </a:prstGeom>
+            <a:ln w="19050">
+              <a:solidFill>
+                <a:srgbClr val="0070C0"/>
+              </a:solidFill>
+              <a:prstDash val="sysDash"/>
+              <a:headEnd w="sm" len="sm"/>
+              <a:tailEnd type="triangle" w="sm" len="sm"/>
+            </a:ln>
+          </p:spPr>
+          <p:style>
+            <a:lnRef idx="1">
+              <a:schemeClr val="accent1"/>
+            </a:lnRef>
+            <a:fillRef idx="0">
+              <a:schemeClr val="accent1"/>
+            </a:fillRef>
+            <a:effectRef idx="0">
+              <a:schemeClr val="accent1"/>
+            </a:effectRef>
+            <a:fontRef idx="minor">
+              <a:schemeClr val="tx1"/>
+            </a:fontRef>
+          </p:style>
+        </p:cxnSp>
+      </p:grpSp>
+      <p:sp>
+        <p:nvSpPr>
+          <p:cNvPr id="137" name="Rectangle 136">
+            <a:extLst>
+              <a:ext uri="{FF2B5EF4-FFF2-40B4-BE49-F238E27FC236}">
+                <a16:creationId xmlns:a16="http://schemas.microsoft.com/office/drawing/2014/main" id="{7CF6A3DB-AD78-4E2A-B8F9-B38F5F993247}"/>
+              </a:ext>
+            </a:extLst>
+          </p:cNvPr>
+          <p:cNvSpPr/>
+          <p:nvPr/>
+        </p:nvSpPr>
+        <p:spPr>
+          <a:xfrm>
+            <a:off x="7352643" y="6843437"/>
+            <a:ext cx="154408" cy="2180917"/>
+          </a:xfrm>
+          <a:prstGeom prst="rect">
+            <a:avLst/>
+          </a:prstGeom>
+          <a:solidFill>
+            <a:schemeClr val="bg1"/>
+          </a:solidFill>
+          <a:ln>
+            <a:solidFill>
+              <a:srgbClr val="0070C0"/>
+            </a:solidFill>
+          </a:ln>
+          <a:effectLst/>
+        </p:spPr>
+        <p:style>
+          <a:lnRef idx="1">
+            <a:schemeClr val="accent3"/>
+          </a:lnRef>
+          <a:fillRef idx="2">
+            <a:schemeClr val="accent3"/>
+          </a:fillRef>
+          <a:effectRef idx="1">
+            <a:schemeClr val="accent3"/>
+          </a:effectRef>
+          <a:fontRef idx="minor">
+            <a:schemeClr val="dk1"/>
+          </a:fontRef>
+        </p:style>
+        <p:txBody>
+          <a:bodyPr rtlCol="0" anchor="ctr"/>
+          <a:lstStyle/>
+          <a:p>
+            <a:pPr algn="ctr"/>
             <a:endParaRPr lang="en-SG" sz="1400"/>
+          </a:p>
+        </p:txBody>
+      </p:sp>
+      <p:grpSp>
+        <p:nvGrpSpPr>
+          <p:cNvPr id="138" name="self invoc">
+            <a:extLst>
+              <a:ext uri="{FF2B5EF4-FFF2-40B4-BE49-F238E27FC236}">
+                <a16:creationId xmlns:a16="http://schemas.microsoft.com/office/drawing/2014/main" id="{617E0FE1-5DD3-46DF-9F4C-ED0BED081B83}"/>
+              </a:ext>
+            </a:extLst>
+          </p:cNvPr>
+          <p:cNvGrpSpPr/>
+          <p:nvPr/>
+        </p:nvGrpSpPr>
+        <p:grpSpPr>
+          <a:xfrm>
+            <a:off x="7416469" y="6719284"/>
+            <a:ext cx="183552" cy="123673"/>
+            <a:chOff x="3491819" y="1442349"/>
+            <a:chExt cx="183552" cy="123673"/>
+          </a:xfrm>
+        </p:grpSpPr>
+        <p:cxnSp>
+          <p:nvCxnSpPr>
+            <p:cNvPr id="139" name="Straight Connector 138">
+              <a:extLst>
+                <a:ext uri="{FF2B5EF4-FFF2-40B4-BE49-F238E27FC236}">
+                  <a16:creationId xmlns:a16="http://schemas.microsoft.com/office/drawing/2014/main" id="{58F1C0C7-CDFE-4309-BBEC-826B6C7FAC1B}"/>
+                </a:ext>
+              </a:extLst>
+            </p:cNvPr>
+            <p:cNvCxnSpPr>
+              <a:cxnSpLocks/>
+            </p:cNvCxnSpPr>
+            <p:nvPr/>
+          </p:nvCxnSpPr>
+          <p:spPr>
+            <a:xfrm>
+              <a:off x="3491819" y="1453656"/>
+              <a:ext cx="180000" cy="0"/>
+            </a:xfrm>
+            <a:prstGeom prst="line">
+              <a:avLst/>
+            </a:prstGeom>
+            <a:ln w="19050">
+              <a:solidFill>
+                <a:srgbClr val="0070C0"/>
+              </a:solidFill>
+            </a:ln>
+          </p:spPr>
+          <p:style>
+            <a:lnRef idx="1">
+              <a:schemeClr val="accent1"/>
+            </a:lnRef>
+            <a:fillRef idx="0">
+              <a:schemeClr val="accent1"/>
+            </a:fillRef>
+            <a:effectRef idx="0">
+              <a:schemeClr val="accent1"/>
+            </a:effectRef>
+            <a:fontRef idx="minor">
+              <a:schemeClr val="tx1"/>
+            </a:fontRef>
+          </p:style>
+        </p:cxnSp>
+        <p:cxnSp>
+          <p:nvCxnSpPr>
+            <p:cNvPr id="140" name="Straight Connector 139">
+              <a:extLst>
+                <a:ext uri="{FF2B5EF4-FFF2-40B4-BE49-F238E27FC236}">
+                  <a16:creationId xmlns:a16="http://schemas.microsoft.com/office/drawing/2014/main" id="{0FFC5925-3E97-4964-AE27-942FD28B7FF0}"/>
+                </a:ext>
+              </a:extLst>
+            </p:cNvPr>
+            <p:cNvCxnSpPr>
+              <a:cxnSpLocks/>
+            </p:cNvCxnSpPr>
+            <p:nvPr/>
+          </p:nvCxnSpPr>
+          <p:spPr>
+            <a:xfrm>
+              <a:off x="3671819" y="1442349"/>
+              <a:ext cx="0" cy="82800"/>
+            </a:xfrm>
+            <a:prstGeom prst="line">
+              <a:avLst/>
+            </a:prstGeom>
+            <a:ln w="19050">
+              <a:solidFill>
+                <a:srgbClr val="0070C0"/>
+              </a:solidFill>
+            </a:ln>
+          </p:spPr>
+          <p:style>
+            <a:lnRef idx="1">
+              <a:schemeClr val="accent1"/>
+            </a:lnRef>
+            <a:fillRef idx="0">
+              <a:schemeClr val="accent1"/>
+            </a:fillRef>
+            <a:effectRef idx="0">
+              <a:schemeClr val="accent1"/>
+            </a:effectRef>
+            <a:fontRef idx="minor">
+              <a:schemeClr val="tx1"/>
+            </a:fontRef>
+          </p:style>
+        </p:cxnSp>
+        <p:cxnSp>
+          <p:nvCxnSpPr>
+            <p:cNvPr id="141" name="Straight Arrow Connector 140">
+              <a:extLst>
+                <a:ext uri="{FF2B5EF4-FFF2-40B4-BE49-F238E27FC236}">
+                  <a16:creationId xmlns:a16="http://schemas.microsoft.com/office/drawing/2014/main" id="{6D78E8E1-A8FA-46D5-87E5-34932C3BB9A4}"/>
+                </a:ext>
+              </a:extLst>
+            </p:cNvPr>
+            <p:cNvCxnSpPr>
+              <a:cxnSpLocks/>
+            </p:cNvCxnSpPr>
+            <p:nvPr/>
+          </p:nvCxnSpPr>
+          <p:spPr>
+            <a:xfrm flipH="1">
+              <a:off x="3583576" y="1515622"/>
+              <a:ext cx="91795" cy="50400"/>
+            </a:xfrm>
+            <a:prstGeom prst="straightConnector1">
+              <a:avLst/>
+            </a:prstGeom>
+            <a:ln w="19050">
+              <a:solidFill>
+                <a:srgbClr val="0070C0"/>
+              </a:solidFill>
+              <a:headEnd w="sm" len="sm"/>
+              <a:tailEnd type="triangle" w="sm" len="sm"/>
+            </a:ln>
+          </p:spPr>
+          <p:style>
+            <a:lnRef idx="1">
+              <a:schemeClr val="accent1"/>
+            </a:lnRef>
+            <a:fillRef idx="0">
+              <a:schemeClr val="accent1"/>
+            </a:fillRef>
+            <a:effectRef idx="0">
+              <a:schemeClr val="accent1"/>
+            </a:effectRef>
+            <a:fontRef idx="minor">
+              <a:schemeClr val="tx1"/>
+            </a:fontRef>
+          </p:style>
+        </p:cxnSp>
+      </p:grpSp>
+      <p:sp>
+        <p:nvSpPr>
+          <p:cNvPr id="148" name="TextBox 147">
+            <a:extLst>
+              <a:ext uri="{FF2B5EF4-FFF2-40B4-BE49-F238E27FC236}">
+                <a16:creationId xmlns:a16="http://schemas.microsoft.com/office/drawing/2014/main" id="{E56BFE79-1E75-4C17-B03F-E6E90E034EEE}"/>
+              </a:ext>
+            </a:extLst>
+          </p:cNvPr>
+          <p:cNvSpPr txBox="1"/>
+          <p:nvPr/>
+        </p:nvSpPr>
+        <p:spPr>
+          <a:xfrm>
+            <a:off x="7689988" y="7349876"/>
+            <a:ext cx="1887879" cy="215444"/>
+          </a:xfrm>
+          <a:prstGeom prst="rect">
+            <a:avLst/>
+          </a:prstGeom>
+          <a:noFill/>
+        </p:spPr>
+        <p:txBody>
+          <a:bodyPr wrap="square" lIns="0" tIns="0" rIns="0" bIns="0" rtlCol="0">
+            <a:spAutoFit/>
+          </a:bodyPr>
+          <a:lstStyle>
+            <a:defPPr>
+              <a:defRPr lang="en-US"/>
+            </a:defPPr>
+            <a:lvl1pPr algn="r">
+              <a:defRPr sz="1400">
+                <a:solidFill>
+                  <a:srgbClr val="0070C0"/>
+                </a:solidFill>
+              </a:defRPr>
+            </a:lvl1pPr>
+          </a:lstStyle>
+          <a:p>
+            <a:pPr algn="l"/>
+            <a:r>
+              <a:rPr lang="en-US" dirty="0" err="1"/>
+              <a:t>handleNextCard</a:t>
+            </a:r>
+            <a:r>
+              <a:rPr lang="en-US" dirty="0"/>
+              <a:t>()</a:t>
+            </a:r>
+          </a:p>
+        </p:txBody>
+      </p:sp>
+      <p:grpSp>
+        <p:nvGrpSpPr>
+          <p:cNvPr id="149" name="Group 148">
+            <a:extLst>
+              <a:ext uri="{FF2B5EF4-FFF2-40B4-BE49-F238E27FC236}">
+                <a16:creationId xmlns:a16="http://schemas.microsoft.com/office/drawing/2014/main" id="{B3C3FBD8-01CC-4D6D-8215-8F6C62C80B09}"/>
+              </a:ext>
+            </a:extLst>
+          </p:cNvPr>
+          <p:cNvGrpSpPr/>
+          <p:nvPr/>
+        </p:nvGrpSpPr>
+        <p:grpSpPr>
+          <a:xfrm>
+            <a:off x="7422076" y="8042797"/>
+            <a:ext cx="216000" cy="144466"/>
+            <a:chOff x="3781267" y="1682512"/>
+            <a:chExt cx="216000" cy="144466"/>
+          </a:xfrm>
+        </p:grpSpPr>
+        <p:cxnSp>
+          <p:nvCxnSpPr>
+            <p:cNvPr id="150" name="Straight Connector 149">
+              <a:extLst>
+                <a:ext uri="{FF2B5EF4-FFF2-40B4-BE49-F238E27FC236}">
+                  <a16:creationId xmlns:a16="http://schemas.microsoft.com/office/drawing/2014/main" id="{225BF3DA-0720-4844-82D2-2DD58812E90B}"/>
+                </a:ext>
+              </a:extLst>
+            </p:cNvPr>
+            <p:cNvCxnSpPr>
+              <a:cxnSpLocks/>
+            </p:cNvCxnSpPr>
+            <p:nvPr/>
+          </p:nvCxnSpPr>
+          <p:spPr>
+            <a:xfrm>
+              <a:off x="3781267" y="1692546"/>
+              <a:ext cx="216000" cy="0"/>
+            </a:xfrm>
+            <a:prstGeom prst="line">
+              <a:avLst/>
+            </a:prstGeom>
+            <a:ln w="19050">
+              <a:solidFill>
+                <a:srgbClr val="0070C0"/>
+              </a:solidFill>
+              <a:prstDash val="sysDash"/>
+            </a:ln>
+          </p:spPr>
+          <p:style>
+            <a:lnRef idx="1">
+              <a:schemeClr val="accent1"/>
+            </a:lnRef>
+            <a:fillRef idx="0">
+              <a:schemeClr val="accent1"/>
+            </a:fillRef>
+            <a:effectRef idx="0">
+              <a:schemeClr val="accent1"/>
+            </a:effectRef>
+            <a:fontRef idx="minor">
+              <a:schemeClr val="tx1"/>
+            </a:fontRef>
+          </p:style>
+        </p:cxnSp>
+        <p:cxnSp>
+          <p:nvCxnSpPr>
+            <p:cNvPr id="151" name="Straight Connector 150">
+              <a:extLst>
+                <a:ext uri="{FF2B5EF4-FFF2-40B4-BE49-F238E27FC236}">
+                  <a16:creationId xmlns:a16="http://schemas.microsoft.com/office/drawing/2014/main" id="{DD669082-D29C-4AB3-8E53-E511668FD11C}"/>
+                </a:ext>
+              </a:extLst>
+            </p:cNvPr>
+            <p:cNvCxnSpPr>
+              <a:cxnSpLocks/>
+            </p:cNvCxnSpPr>
+            <p:nvPr/>
+          </p:nvCxnSpPr>
+          <p:spPr>
+            <a:xfrm>
+              <a:off x="3997267" y="1682512"/>
+              <a:ext cx="0" cy="114166"/>
+            </a:xfrm>
+            <a:prstGeom prst="line">
+              <a:avLst/>
+            </a:prstGeom>
+            <a:ln w="19050">
+              <a:solidFill>
+                <a:srgbClr val="0070C0"/>
+              </a:solidFill>
+              <a:prstDash val="sysDash"/>
+            </a:ln>
+          </p:spPr>
+          <p:style>
+            <a:lnRef idx="1">
+              <a:schemeClr val="accent1"/>
+            </a:lnRef>
+            <a:fillRef idx="0">
+              <a:schemeClr val="accent1"/>
+            </a:fillRef>
+            <a:effectRef idx="0">
+              <a:schemeClr val="accent1"/>
+            </a:effectRef>
+            <a:fontRef idx="minor">
+              <a:schemeClr val="tx1"/>
+            </a:fontRef>
+          </p:style>
+        </p:cxnSp>
+        <p:cxnSp>
+          <p:nvCxnSpPr>
+            <p:cNvPr id="152" name="Straight Arrow Connector 151">
+              <a:extLst>
+                <a:ext uri="{FF2B5EF4-FFF2-40B4-BE49-F238E27FC236}">
+                  <a16:creationId xmlns:a16="http://schemas.microsoft.com/office/drawing/2014/main" id="{2EB126F6-7769-4815-A4BE-AC58090CEF12}"/>
+                </a:ext>
+              </a:extLst>
+            </p:cNvPr>
+            <p:cNvCxnSpPr>
+              <a:cxnSpLocks/>
+            </p:cNvCxnSpPr>
+            <p:nvPr/>
+          </p:nvCxnSpPr>
+          <p:spPr>
+            <a:xfrm flipH="1">
+              <a:off x="3870479" y="1783244"/>
+              <a:ext cx="122204" cy="43734"/>
+            </a:xfrm>
+            <a:prstGeom prst="straightConnector1">
+              <a:avLst/>
+            </a:prstGeom>
+            <a:ln w="19050">
+              <a:solidFill>
+                <a:srgbClr val="0070C0"/>
+              </a:solidFill>
+              <a:prstDash val="sysDash"/>
+              <a:headEnd w="sm" len="sm"/>
+              <a:tailEnd type="triangle" w="sm" len="sm"/>
+            </a:ln>
+          </p:spPr>
+          <p:style>
+            <a:lnRef idx="1">
+              <a:schemeClr val="accent1"/>
+            </a:lnRef>
+            <a:fillRef idx="0">
+              <a:schemeClr val="accent1"/>
+            </a:fillRef>
+            <a:effectRef idx="0">
+              <a:schemeClr val="accent1"/>
+            </a:effectRef>
+            <a:fontRef idx="minor">
+              <a:schemeClr val="tx1"/>
+            </a:fontRef>
+          </p:style>
+        </p:cxnSp>
+      </p:grpSp>
+      <p:sp>
+        <p:nvSpPr>
+          <p:cNvPr id="153" name="Rectangle 152">
+            <a:extLst>
+              <a:ext uri="{FF2B5EF4-FFF2-40B4-BE49-F238E27FC236}">
+                <a16:creationId xmlns:a16="http://schemas.microsoft.com/office/drawing/2014/main" id="{A7B81D12-591C-4F08-85E8-3853F468A2CB}"/>
+              </a:ext>
+            </a:extLst>
+          </p:cNvPr>
+          <p:cNvSpPr/>
+          <p:nvPr/>
+        </p:nvSpPr>
+        <p:spPr>
+          <a:xfrm>
+            <a:off x="7416114" y="7669859"/>
+            <a:ext cx="165801" cy="389629"/>
+          </a:xfrm>
+          <a:prstGeom prst="rect">
+            <a:avLst/>
+          </a:prstGeom>
+          <a:solidFill>
+            <a:schemeClr val="bg1"/>
+          </a:solidFill>
+          <a:ln>
+            <a:solidFill>
+              <a:srgbClr val="0070C0"/>
+            </a:solidFill>
+          </a:ln>
+          <a:effectLst/>
+        </p:spPr>
+        <p:style>
+          <a:lnRef idx="1">
+            <a:schemeClr val="accent3"/>
+          </a:lnRef>
+          <a:fillRef idx="2">
+            <a:schemeClr val="accent3"/>
+          </a:fillRef>
+          <a:effectRef idx="1">
+            <a:schemeClr val="accent3"/>
+          </a:effectRef>
+          <a:fontRef idx="minor">
+            <a:schemeClr val="dk1"/>
+          </a:fontRef>
+        </p:style>
+        <p:txBody>
+          <a:bodyPr rtlCol="0" anchor="ctr"/>
+          <a:lstStyle/>
+          <a:p>
+            <a:pPr algn="ctr"/>
+            <a:endParaRPr lang="en-SG" sz="1400"/>
+          </a:p>
+        </p:txBody>
+      </p:sp>
+      <p:sp>
+        <p:nvSpPr>
+          <p:cNvPr id="162" name="TextBox 161">
+            <a:extLst>
+              <a:ext uri="{FF2B5EF4-FFF2-40B4-BE49-F238E27FC236}">
+                <a16:creationId xmlns:a16="http://schemas.microsoft.com/office/drawing/2014/main" id="{2BBE6E70-1C39-4D6C-A037-407CC01B604E}"/>
+              </a:ext>
+            </a:extLst>
+          </p:cNvPr>
+          <p:cNvSpPr txBox="1"/>
+          <p:nvPr/>
+        </p:nvSpPr>
+        <p:spPr>
+          <a:xfrm>
+            <a:off x="7680077" y="8122879"/>
+            <a:ext cx="1887879" cy="215444"/>
+          </a:xfrm>
+          <a:prstGeom prst="rect">
+            <a:avLst/>
+          </a:prstGeom>
+          <a:noFill/>
+        </p:spPr>
+        <p:txBody>
+          <a:bodyPr wrap="square" lIns="0" tIns="0" rIns="0" bIns="0" rtlCol="0">
+            <a:spAutoFit/>
+          </a:bodyPr>
+          <a:lstStyle>
+            <a:defPPr>
+              <a:defRPr lang="en-US"/>
+            </a:defPPr>
+            <a:lvl1pPr algn="r">
+              <a:defRPr sz="1400">
+                <a:solidFill>
+                  <a:srgbClr val="0070C0"/>
+                </a:solidFill>
+              </a:defRPr>
+            </a:lvl1pPr>
+          </a:lstStyle>
+          <a:p>
+            <a:pPr algn="l"/>
+            <a:r>
+              <a:rPr lang="en-US" dirty="0" err="1"/>
+              <a:t>handleDisplayResult</a:t>
+            </a:r>
+            <a:r>
+              <a:rPr lang="en-US" dirty="0"/>
+              <a:t>()</a:t>
+            </a:r>
+          </a:p>
+        </p:txBody>
+      </p:sp>
+      <p:grpSp>
+        <p:nvGrpSpPr>
+          <p:cNvPr id="163" name="Group 162">
+            <a:extLst>
+              <a:ext uri="{FF2B5EF4-FFF2-40B4-BE49-F238E27FC236}">
+                <a16:creationId xmlns:a16="http://schemas.microsoft.com/office/drawing/2014/main" id="{577CA94D-C363-4155-9F79-3930E40630E7}"/>
+              </a:ext>
+            </a:extLst>
+          </p:cNvPr>
+          <p:cNvGrpSpPr/>
+          <p:nvPr/>
+        </p:nvGrpSpPr>
+        <p:grpSpPr>
+          <a:xfrm>
+            <a:off x="7412165" y="8593603"/>
+            <a:ext cx="216000" cy="144466"/>
+            <a:chOff x="3781267" y="1682512"/>
+            <a:chExt cx="216000" cy="144466"/>
+          </a:xfrm>
+        </p:grpSpPr>
+        <p:cxnSp>
+          <p:nvCxnSpPr>
+            <p:cNvPr id="164" name="Straight Connector 163">
+              <a:extLst>
+                <a:ext uri="{FF2B5EF4-FFF2-40B4-BE49-F238E27FC236}">
+                  <a16:creationId xmlns:a16="http://schemas.microsoft.com/office/drawing/2014/main" id="{C27F81A0-B059-4205-913A-6462067BA3B7}"/>
+                </a:ext>
+              </a:extLst>
+            </p:cNvPr>
+            <p:cNvCxnSpPr>
+              <a:cxnSpLocks/>
+            </p:cNvCxnSpPr>
+            <p:nvPr/>
+          </p:nvCxnSpPr>
+          <p:spPr>
+            <a:xfrm>
+              <a:off x="3781267" y="1692546"/>
+              <a:ext cx="216000" cy="0"/>
+            </a:xfrm>
+            <a:prstGeom prst="line">
+              <a:avLst/>
+            </a:prstGeom>
+            <a:ln w="19050">
+              <a:solidFill>
+                <a:srgbClr val="0070C0"/>
+              </a:solidFill>
+              <a:prstDash val="sysDash"/>
+            </a:ln>
+          </p:spPr>
+          <p:style>
+            <a:lnRef idx="1">
+              <a:schemeClr val="accent1"/>
+            </a:lnRef>
+            <a:fillRef idx="0">
+              <a:schemeClr val="accent1"/>
+            </a:fillRef>
+            <a:effectRef idx="0">
+              <a:schemeClr val="accent1"/>
+            </a:effectRef>
+            <a:fontRef idx="minor">
+              <a:schemeClr val="tx1"/>
+            </a:fontRef>
+          </p:style>
+        </p:cxnSp>
+        <p:cxnSp>
+          <p:nvCxnSpPr>
+            <p:cNvPr id="165" name="Straight Connector 164">
+              <a:extLst>
+                <a:ext uri="{FF2B5EF4-FFF2-40B4-BE49-F238E27FC236}">
+                  <a16:creationId xmlns:a16="http://schemas.microsoft.com/office/drawing/2014/main" id="{0E1BFDEB-A12A-4927-A1C9-51743EA0ACB5}"/>
+                </a:ext>
+              </a:extLst>
+            </p:cNvPr>
+            <p:cNvCxnSpPr>
+              <a:cxnSpLocks/>
+            </p:cNvCxnSpPr>
+            <p:nvPr/>
+          </p:nvCxnSpPr>
+          <p:spPr>
+            <a:xfrm>
+              <a:off x="3997267" y="1682512"/>
+              <a:ext cx="0" cy="114166"/>
+            </a:xfrm>
+            <a:prstGeom prst="line">
+              <a:avLst/>
+            </a:prstGeom>
+            <a:ln w="19050">
+              <a:solidFill>
+                <a:srgbClr val="0070C0"/>
+              </a:solidFill>
+              <a:prstDash val="sysDash"/>
+            </a:ln>
+          </p:spPr>
+          <p:style>
+            <a:lnRef idx="1">
+              <a:schemeClr val="accent1"/>
+            </a:lnRef>
+            <a:fillRef idx="0">
+              <a:schemeClr val="accent1"/>
+            </a:fillRef>
+            <a:effectRef idx="0">
+              <a:schemeClr val="accent1"/>
+            </a:effectRef>
+            <a:fontRef idx="minor">
+              <a:schemeClr val="tx1"/>
+            </a:fontRef>
+          </p:style>
+        </p:cxnSp>
+        <p:cxnSp>
+          <p:nvCxnSpPr>
+            <p:cNvPr id="166" name="Straight Arrow Connector 165">
+              <a:extLst>
+                <a:ext uri="{FF2B5EF4-FFF2-40B4-BE49-F238E27FC236}">
+                  <a16:creationId xmlns:a16="http://schemas.microsoft.com/office/drawing/2014/main" id="{B9E1811D-EDC7-4CC4-A179-8AA40C2193A8}"/>
+                </a:ext>
+              </a:extLst>
+            </p:cNvPr>
+            <p:cNvCxnSpPr>
+              <a:cxnSpLocks/>
+            </p:cNvCxnSpPr>
+            <p:nvPr/>
+          </p:nvCxnSpPr>
+          <p:spPr>
+            <a:xfrm flipH="1">
+              <a:off x="3870479" y="1783244"/>
+              <a:ext cx="122204" cy="43734"/>
+            </a:xfrm>
+            <a:prstGeom prst="straightConnector1">
+              <a:avLst/>
+            </a:prstGeom>
+            <a:ln w="19050">
+              <a:solidFill>
+                <a:srgbClr val="0070C0"/>
+              </a:solidFill>
+              <a:prstDash val="sysDash"/>
+              <a:headEnd w="sm" len="sm"/>
+              <a:tailEnd type="triangle" w="sm" len="sm"/>
+            </a:ln>
+          </p:spPr>
+          <p:style>
+            <a:lnRef idx="1">
+              <a:schemeClr val="accent1"/>
+            </a:lnRef>
+            <a:fillRef idx="0">
+              <a:schemeClr val="accent1"/>
+            </a:fillRef>
+            <a:effectRef idx="0">
+              <a:schemeClr val="accent1"/>
+            </a:effectRef>
+            <a:fontRef idx="minor">
+              <a:schemeClr val="tx1"/>
+            </a:fontRef>
+          </p:style>
+        </p:cxnSp>
+      </p:grpSp>
+      <p:sp>
+        <p:nvSpPr>
+          <p:cNvPr id="167" name="Rectangle 166">
+            <a:extLst>
+              <a:ext uri="{FF2B5EF4-FFF2-40B4-BE49-F238E27FC236}">
+                <a16:creationId xmlns:a16="http://schemas.microsoft.com/office/drawing/2014/main" id="{DACAEE36-7D7B-49A1-80DD-B12861D157DB}"/>
+              </a:ext>
+            </a:extLst>
+          </p:cNvPr>
+          <p:cNvSpPr/>
+          <p:nvPr/>
+        </p:nvSpPr>
+        <p:spPr>
+          <a:xfrm>
+            <a:off x="7406203" y="8442863"/>
+            <a:ext cx="165801" cy="191066"/>
+          </a:xfrm>
+          <a:prstGeom prst="rect">
+            <a:avLst/>
+          </a:prstGeom>
+          <a:solidFill>
+            <a:schemeClr val="bg1"/>
+          </a:solidFill>
+          <a:ln>
+            <a:solidFill>
+              <a:srgbClr val="0070C0"/>
+            </a:solidFill>
+          </a:ln>
+          <a:effectLst/>
+        </p:spPr>
+        <p:style>
+          <a:lnRef idx="1">
+            <a:schemeClr val="accent3"/>
+          </a:lnRef>
+          <a:fillRef idx="2">
+            <a:schemeClr val="accent3"/>
+          </a:fillRef>
+          <a:effectRef idx="1">
+            <a:schemeClr val="accent3"/>
+          </a:effectRef>
+          <a:fontRef idx="minor">
+            <a:schemeClr val="dk1"/>
+          </a:fontRef>
+        </p:style>
+        <p:txBody>
+          <a:bodyPr rtlCol="0" anchor="ctr"/>
+          <a:lstStyle/>
+          <a:p>
+            <a:pPr algn="ctr"/>
+            <a:endParaRPr lang="en-SG" sz="1400"/>
+          </a:p>
+        </p:txBody>
+      </p:sp>
+      <p:sp>
+        <p:nvSpPr>
+          <p:cNvPr id="202" name="TextBox 201">
+            <a:extLst>
+              <a:ext uri="{FF2B5EF4-FFF2-40B4-BE49-F238E27FC236}">
+                <a16:creationId xmlns:a16="http://schemas.microsoft.com/office/drawing/2014/main" id="{2EB1D770-A5D3-4B98-9217-A4F901350870}"/>
+              </a:ext>
+            </a:extLst>
+          </p:cNvPr>
+          <p:cNvSpPr txBox="1"/>
+          <p:nvPr/>
+        </p:nvSpPr>
+        <p:spPr>
+          <a:xfrm>
+            <a:off x="7631491" y="6544604"/>
+            <a:ext cx="1887879" cy="215444"/>
+          </a:xfrm>
+          <a:prstGeom prst="rect">
+            <a:avLst/>
+          </a:prstGeom>
+          <a:noFill/>
+        </p:spPr>
+        <p:txBody>
+          <a:bodyPr wrap="square" lIns="0" tIns="0" rIns="0" bIns="0" rtlCol="0">
+            <a:spAutoFit/>
+          </a:bodyPr>
+          <a:lstStyle>
+            <a:defPPr>
+              <a:defRPr lang="en-US"/>
+            </a:defPPr>
+            <a:lvl1pPr algn="r">
+              <a:defRPr sz="1400">
+                <a:solidFill>
+                  <a:srgbClr val="0070C0"/>
+                </a:solidFill>
+              </a:defRPr>
+            </a:lvl1pPr>
+          </a:lstStyle>
+          <a:p>
+            <a:pPr algn="l"/>
+            <a:r>
+              <a:rPr lang="en-US" dirty="0" err="1"/>
+              <a:t>handleIfCardLeft</a:t>
+            </a:r>
+            <a:r>
+              <a:rPr lang="en-US" dirty="0"/>
+              <a:t>()</a:t>
+            </a:r>
+          </a:p>
+        </p:txBody>
+      </p:sp>
+      <p:sp>
+        <p:nvSpPr>
+          <p:cNvPr id="212" name="TextBox 211">
+            <a:extLst>
+              <a:ext uri="{FF2B5EF4-FFF2-40B4-BE49-F238E27FC236}">
+                <a16:creationId xmlns:a16="http://schemas.microsoft.com/office/drawing/2014/main" id="{589FA3EC-DFC1-4E19-967A-53D278E1ACAF}"/>
+              </a:ext>
+            </a:extLst>
+          </p:cNvPr>
+          <p:cNvSpPr txBox="1"/>
+          <p:nvPr/>
+        </p:nvSpPr>
+        <p:spPr>
+          <a:xfrm>
+            <a:off x="7601320" y="3330513"/>
+            <a:ext cx="1887879" cy="215444"/>
+          </a:xfrm>
+          <a:prstGeom prst="rect">
+            <a:avLst/>
+          </a:prstGeom>
+          <a:noFill/>
+        </p:spPr>
+        <p:txBody>
+          <a:bodyPr wrap="square" lIns="0" tIns="0" rIns="0" bIns="0" rtlCol="0">
+            <a:spAutoFit/>
+          </a:bodyPr>
+          <a:lstStyle>
+            <a:defPPr>
+              <a:defRPr lang="en-US"/>
+            </a:defPPr>
+            <a:lvl1pPr algn="r">
+              <a:defRPr sz="1400">
+                <a:solidFill>
+                  <a:srgbClr val="0070C0"/>
+                </a:solidFill>
+              </a:defRPr>
+            </a:lvl1pPr>
+          </a:lstStyle>
+          <a:p>
+            <a:pPr algn="l"/>
+            <a:r>
+              <a:rPr lang="en-US" dirty="0" err="1"/>
+              <a:t>endQuiz</a:t>
+            </a:r>
+            <a:r>
+              <a:rPr lang="en-US" dirty="0"/>
+              <a:t>()</a:t>
+            </a:r>
+          </a:p>
+        </p:txBody>
+      </p:sp>
+      <p:grpSp>
+        <p:nvGrpSpPr>
+          <p:cNvPr id="213" name="Group 212">
+            <a:extLst>
+              <a:ext uri="{FF2B5EF4-FFF2-40B4-BE49-F238E27FC236}">
+                <a16:creationId xmlns:a16="http://schemas.microsoft.com/office/drawing/2014/main" id="{DFC40FDA-19C7-4340-BE47-ACEA8654B7F7}"/>
+              </a:ext>
+            </a:extLst>
+          </p:cNvPr>
+          <p:cNvGrpSpPr/>
+          <p:nvPr/>
+        </p:nvGrpSpPr>
+        <p:grpSpPr>
+          <a:xfrm>
+            <a:off x="7334352" y="4608723"/>
+            <a:ext cx="216000" cy="144466"/>
+            <a:chOff x="3781267" y="1682512"/>
+            <a:chExt cx="216000" cy="144466"/>
+          </a:xfrm>
+        </p:grpSpPr>
+        <p:cxnSp>
+          <p:nvCxnSpPr>
+            <p:cNvPr id="223" name="Straight Connector 222">
+              <a:extLst>
+                <a:ext uri="{FF2B5EF4-FFF2-40B4-BE49-F238E27FC236}">
+                  <a16:creationId xmlns:a16="http://schemas.microsoft.com/office/drawing/2014/main" id="{E70563DE-0E0E-4E5B-B240-9F089A25D193}"/>
+                </a:ext>
+              </a:extLst>
+            </p:cNvPr>
+            <p:cNvCxnSpPr>
+              <a:cxnSpLocks/>
+            </p:cNvCxnSpPr>
+            <p:nvPr/>
+          </p:nvCxnSpPr>
+          <p:spPr>
+            <a:xfrm>
+              <a:off x="3781267" y="1692546"/>
+              <a:ext cx="216000" cy="0"/>
+            </a:xfrm>
+            <a:prstGeom prst="line">
+              <a:avLst/>
+            </a:prstGeom>
+            <a:ln w="19050">
+              <a:solidFill>
+                <a:srgbClr val="0070C0"/>
+              </a:solidFill>
+              <a:prstDash val="sysDash"/>
+            </a:ln>
+          </p:spPr>
+          <p:style>
+            <a:lnRef idx="1">
+              <a:schemeClr val="accent1"/>
+            </a:lnRef>
+            <a:fillRef idx="0">
+              <a:schemeClr val="accent1"/>
+            </a:fillRef>
+            <a:effectRef idx="0">
+              <a:schemeClr val="accent1"/>
+            </a:effectRef>
+            <a:fontRef idx="minor">
+              <a:schemeClr val="tx1"/>
+            </a:fontRef>
+          </p:style>
+        </p:cxnSp>
+        <p:cxnSp>
+          <p:nvCxnSpPr>
+            <p:cNvPr id="224" name="Straight Connector 223">
+              <a:extLst>
+                <a:ext uri="{FF2B5EF4-FFF2-40B4-BE49-F238E27FC236}">
+                  <a16:creationId xmlns:a16="http://schemas.microsoft.com/office/drawing/2014/main" id="{B53DA5AA-BB4A-4EFA-8DA1-B78BD04036B4}"/>
+                </a:ext>
+              </a:extLst>
+            </p:cNvPr>
+            <p:cNvCxnSpPr>
+              <a:cxnSpLocks/>
+            </p:cNvCxnSpPr>
+            <p:nvPr/>
+          </p:nvCxnSpPr>
+          <p:spPr>
+            <a:xfrm>
+              <a:off x="3997267" y="1682512"/>
+              <a:ext cx="0" cy="114166"/>
+            </a:xfrm>
+            <a:prstGeom prst="line">
+              <a:avLst/>
+            </a:prstGeom>
+            <a:ln w="19050">
+              <a:solidFill>
+                <a:srgbClr val="0070C0"/>
+              </a:solidFill>
+              <a:prstDash val="sysDash"/>
+            </a:ln>
+          </p:spPr>
+          <p:style>
+            <a:lnRef idx="1">
+              <a:schemeClr val="accent1"/>
+            </a:lnRef>
+            <a:fillRef idx="0">
+              <a:schemeClr val="accent1"/>
+            </a:fillRef>
+            <a:effectRef idx="0">
+              <a:schemeClr val="accent1"/>
+            </a:effectRef>
+            <a:fontRef idx="minor">
+              <a:schemeClr val="tx1"/>
+            </a:fontRef>
+          </p:style>
+        </p:cxnSp>
+        <p:cxnSp>
+          <p:nvCxnSpPr>
+            <p:cNvPr id="225" name="Straight Arrow Connector 224">
+              <a:extLst>
+                <a:ext uri="{FF2B5EF4-FFF2-40B4-BE49-F238E27FC236}">
+                  <a16:creationId xmlns:a16="http://schemas.microsoft.com/office/drawing/2014/main" id="{A8677516-76D2-4867-92CC-C7A6D8E3ED5B}"/>
+                </a:ext>
+              </a:extLst>
+            </p:cNvPr>
+            <p:cNvCxnSpPr>
+              <a:cxnSpLocks/>
+            </p:cNvCxnSpPr>
+            <p:nvPr/>
+          </p:nvCxnSpPr>
+          <p:spPr>
+            <a:xfrm flipH="1">
+              <a:off x="3870479" y="1783244"/>
+              <a:ext cx="122204" cy="43734"/>
+            </a:xfrm>
+            <a:prstGeom prst="straightConnector1">
+              <a:avLst/>
+            </a:prstGeom>
+            <a:ln w="19050">
+              <a:solidFill>
+                <a:srgbClr val="0070C0"/>
+              </a:solidFill>
+              <a:prstDash val="sysDash"/>
+              <a:headEnd w="sm" len="sm"/>
+              <a:tailEnd type="triangle" w="sm" len="sm"/>
+            </a:ln>
+          </p:spPr>
+          <p:style>
+            <a:lnRef idx="1">
+              <a:schemeClr val="accent1"/>
+            </a:lnRef>
+            <a:fillRef idx="0">
+              <a:schemeClr val="accent1"/>
+            </a:fillRef>
+            <a:effectRef idx="0">
+              <a:schemeClr val="accent1"/>
+            </a:effectRef>
+            <a:fontRef idx="minor">
+              <a:schemeClr val="tx1"/>
+            </a:fontRef>
+          </p:style>
+        </p:cxnSp>
+      </p:grpSp>
+      <p:sp>
+        <p:nvSpPr>
+          <p:cNvPr id="214" name="Rectangle 213">
+            <a:extLst>
+              <a:ext uri="{FF2B5EF4-FFF2-40B4-BE49-F238E27FC236}">
+                <a16:creationId xmlns:a16="http://schemas.microsoft.com/office/drawing/2014/main" id="{770DEDC9-3621-4D18-BA83-3BCB2D9576E6}"/>
+              </a:ext>
+            </a:extLst>
+          </p:cNvPr>
+          <p:cNvSpPr/>
+          <p:nvPr/>
+        </p:nvSpPr>
+        <p:spPr>
+          <a:xfrm>
+            <a:off x="7328591" y="3510639"/>
+            <a:ext cx="151867" cy="1119869"/>
+          </a:xfrm>
+          <a:prstGeom prst="rect">
+            <a:avLst/>
+          </a:prstGeom>
+          <a:solidFill>
+            <a:schemeClr val="bg1"/>
+          </a:solidFill>
+          <a:ln>
+            <a:solidFill>
+              <a:srgbClr val="0070C0"/>
+            </a:solidFill>
+          </a:ln>
+          <a:effectLst/>
+        </p:spPr>
+        <p:style>
+          <a:lnRef idx="1">
+            <a:schemeClr val="accent3"/>
+          </a:lnRef>
+          <a:fillRef idx="2">
+            <a:schemeClr val="accent3"/>
+          </a:fillRef>
+          <a:effectRef idx="1">
+            <a:schemeClr val="accent3"/>
+          </a:effectRef>
+          <a:fontRef idx="minor">
+            <a:schemeClr val="dk1"/>
+          </a:fontRef>
+        </p:style>
+        <p:txBody>
+          <a:bodyPr rtlCol="0" anchor="ctr"/>
+          <a:lstStyle/>
+          <a:p>
+            <a:pPr algn="ctr"/>
+            <a:endParaRPr lang="en-SG" sz="1400"/>
+          </a:p>
+        </p:txBody>
+      </p:sp>
+      <p:grpSp>
+        <p:nvGrpSpPr>
+          <p:cNvPr id="215" name="self invoc">
+            <a:extLst>
+              <a:ext uri="{FF2B5EF4-FFF2-40B4-BE49-F238E27FC236}">
+                <a16:creationId xmlns:a16="http://schemas.microsoft.com/office/drawing/2014/main" id="{B5814DD4-3F9F-45CF-8F5C-A0C0CB36C2C2}"/>
+              </a:ext>
+            </a:extLst>
+          </p:cNvPr>
+          <p:cNvGrpSpPr/>
+          <p:nvPr/>
+        </p:nvGrpSpPr>
+        <p:grpSpPr>
+          <a:xfrm>
+            <a:off x="7379804" y="3386486"/>
+            <a:ext cx="183552" cy="123673"/>
+            <a:chOff x="3491819" y="1442349"/>
+            <a:chExt cx="183552" cy="123673"/>
+          </a:xfrm>
+        </p:grpSpPr>
+        <p:cxnSp>
+          <p:nvCxnSpPr>
+            <p:cNvPr id="220" name="Straight Connector 219">
+              <a:extLst>
+                <a:ext uri="{FF2B5EF4-FFF2-40B4-BE49-F238E27FC236}">
+                  <a16:creationId xmlns:a16="http://schemas.microsoft.com/office/drawing/2014/main" id="{9066A5C7-9554-404F-89C8-50362037FF57}"/>
+                </a:ext>
+              </a:extLst>
+            </p:cNvPr>
+            <p:cNvCxnSpPr>
+              <a:cxnSpLocks/>
+            </p:cNvCxnSpPr>
+            <p:nvPr/>
+          </p:nvCxnSpPr>
+          <p:spPr>
+            <a:xfrm>
+              <a:off x="3491819" y="1453656"/>
+              <a:ext cx="180000" cy="0"/>
+            </a:xfrm>
+            <a:prstGeom prst="line">
+              <a:avLst/>
+            </a:prstGeom>
+            <a:ln w="19050">
+              <a:solidFill>
+                <a:srgbClr val="0070C0"/>
+              </a:solidFill>
+            </a:ln>
+          </p:spPr>
+          <p:style>
+            <a:lnRef idx="1">
+              <a:schemeClr val="accent1"/>
+            </a:lnRef>
+            <a:fillRef idx="0">
+              <a:schemeClr val="accent1"/>
+            </a:fillRef>
+            <a:effectRef idx="0">
+              <a:schemeClr val="accent1"/>
+            </a:effectRef>
+            <a:fontRef idx="minor">
+              <a:schemeClr val="tx1"/>
+            </a:fontRef>
+          </p:style>
+        </p:cxnSp>
+        <p:cxnSp>
+          <p:nvCxnSpPr>
+            <p:cNvPr id="221" name="Straight Connector 220">
+              <a:extLst>
+                <a:ext uri="{FF2B5EF4-FFF2-40B4-BE49-F238E27FC236}">
+                  <a16:creationId xmlns:a16="http://schemas.microsoft.com/office/drawing/2014/main" id="{A6613A3E-BFA0-4904-905A-0494477346DB}"/>
+                </a:ext>
+              </a:extLst>
+            </p:cNvPr>
+            <p:cNvCxnSpPr>
+              <a:cxnSpLocks/>
+            </p:cNvCxnSpPr>
+            <p:nvPr/>
+          </p:nvCxnSpPr>
+          <p:spPr>
+            <a:xfrm>
+              <a:off x="3671819" y="1442349"/>
+              <a:ext cx="0" cy="82800"/>
+            </a:xfrm>
+            <a:prstGeom prst="line">
+              <a:avLst/>
+            </a:prstGeom>
+            <a:ln w="19050">
+              <a:solidFill>
+                <a:srgbClr val="0070C0"/>
+              </a:solidFill>
+            </a:ln>
+          </p:spPr>
+          <p:style>
+            <a:lnRef idx="1">
+              <a:schemeClr val="accent1"/>
+            </a:lnRef>
+            <a:fillRef idx="0">
+              <a:schemeClr val="accent1"/>
+            </a:fillRef>
+            <a:effectRef idx="0">
+              <a:schemeClr val="accent1"/>
+            </a:effectRef>
+            <a:fontRef idx="minor">
+              <a:schemeClr val="tx1"/>
+            </a:fontRef>
+          </p:style>
+        </p:cxnSp>
+        <p:cxnSp>
+          <p:nvCxnSpPr>
+            <p:cNvPr id="222" name="Straight Arrow Connector 221">
+              <a:extLst>
+                <a:ext uri="{FF2B5EF4-FFF2-40B4-BE49-F238E27FC236}">
+                  <a16:creationId xmlns:a16="http://schemas.microsoft.com/office/drawing/2014/main" id="{AE91FC5B-97DD-4288-9F85-7217B786DB79}"/>
+                </a:ext>
+              </a:extLst>
+            </p:cNvPr>
+            <p:cNvCxnSpPr>
+              <a:cxnSpLocks/>
+            </p:cNvCxnSpPr>
+            <p:nvPr/>
+          </p:nvCxnSpPr>
+          <p:spPr>
+            <a:xfrm flipH="1">
+              <a:off x="3583576" y="1515622"/>
+              <a:ext cx="91795" cy="50400"/>
+            </a:xfrm>
+            <a:prstGeom prst="straightConnector1">
+              <a:avLst/>
+            </a:prstGeom>
+            <a:ln w="19050">
+              <a:solidFill>
+                <a:srgbClr val="0070C0"/>
+              </a:solidFill>
+              <a:headEnd w="sm" len="sm"/>
+              <a:tailEnd type="triangle" w="sm" len="sm"/>
+            </a:ln>
+          </p:spPr>
+          <p:style>
+            <a:lnRef idx="1">
+              <a:schemeClr val="accent1"/>
+            </a:lnRef>
+            <a:fillRef idx="0">
+              <a:schemeClr val="accent1"/>
+            </a:fillRef>
+            <a:effectRef idx="0">
+              <a:schemeClr val="accent1"/>
+            </a:effectRef>
+            <a:fontRef idx="minor">
+              <a:schemeClr val="tx1"/>
+            </a:fontRef>
+          </p:style>
+        </p:cxnSp>
+      </p:grpSp>
+      <p:sp>
+        <p:nvSpPr>
+          <p:cNvPr id="26" name="Rectangle 62">
+            <a:extLst>
+              <a:ext uri="{FF2B5EF4-FFF2-40B4-BE49-F238E27FC236}">
+                <a16:creationId xmlns:a16="http://schemas.microsoft.com/office/drawing/2014/main" id="{7F5C6ACD-26E5-4B8A-BCA3-3A99E0D3FBF7}"/>
+              </a:ext>
+            </a:extLst>
+          </p:cNvPr>
+          <p:cNvSpPr/>
+          <p:nvPr/>
+        </p:nvSpPr>
+        <p:spPr>
+          <a:xfrm>
+            <a:off x="10592225" y="2603412"/>
+            <a:ext cx="1251105" cy="300180"/>
+          </a:xfrm>
+          <a:prstGeom prst="rect">
+            <a:avLst/>
+          </a:prstGeom>
+          <a:solidFill>
+            <a:srgbClr val="0E5B5B"/>
+          </a:solidFill>
+          <a:ln w="19050">
+            <a:solidFill>
+              <a:srgbClr val="0E5B5B"/>
+            </a:solidFill>
+          </a:ln>
+          <a:effectLst/>
+        </p:spPr>
+        <p:style>
+          <a:lnRef idx="1">
+            <a:schemeClr val="accent2"/>
+          </a:lnRef>
+          <a:fillRef idx="2">
+            <a:schemeClr val="accent2"/>
+          </a:fillRef>
+          <a:effectRef idx="1">
+            <a:schemeClr val="accent2"/>
+          </a:effectRef>
+          <a:fontRef idx="minor">
+            <a:schemeClr val="dk1"/>
+          </a:fontRef>
+        </p:style>
+        <p:txBody>
+          <a:bodyPr rtlCol="0" anchor="ctr"/>
+          <a:lstStyle/>
+          <a:p>
+            <a:pPr algn="ctr"/>
+            <a:r>
+              <a:rPr lang="en-US" sz="1600" dirty="0">
+                <a:solidFill>
+                  <a:schemeClr val="bg1"/>
+                </a:solidFill>
+              </a:rPr>
+              <a:t>:</a:t>
+            </a:r>
+            <a:r>
+              <a:rPr lang="en-US" sz="1600" dirty="0" err="1">
+                <a:solidFill>
+                  <a:schemeClr val="bg1"/>
+                </a:solidFill>
+              </a:rPr>
+              <a:t>QuizModel</a:t>
+            </a:r>
+            <a:endParaRPr lang="en-SG" sz="1600" dirty="0">
+              <a:solidFill>
+                <a:schemeClr val="bg1"/>
+              </a:solidFill>
+            </a:endParaRPr>
           </a:p>
         </p:txBody>
       </p:sp>
       <p:cxnSp>
         <p:nvCxnSpPr>
-          <p:cNvPr id="162" name="Straight Arrow Connector 161">
+          <p:cNvPr id="27" name="Straight Connector 26">
             <a:extLst>
               <a:ext uri="{FF2B5EF4-FFF2-40B4-BE49-F238E27FC236}">
-                <a16:creationId xmlns:a16="http://schemas.microsoft.com/office/drawing/2014/main" id="{8577276F-0257-4F05-B614-AEE8E63FCBB1}"/>
+                <a16:creationId xmlns:a16="http://schemas.microsoft.com/office/drawing/2014/main" id="{903E054D-E2F0-4862-A588-FB009C5A44D4}"/>
               </a:ext>
             </a:extLst>
           </p:cNvPr>
@@ -5544,15 +7481,181 @@
         </p:nvCxnSpPr>
         <p:spPr>
           <a:xfrm>
-            <a:off x="6497022" y="4670382"/>
-            <a:ext cx="1612812" cy="0"/>
+            <a:off x="11221739" y="2923251"/>
+            <a:ext cx="1" cy="5540562"/>
+          </a:xfrm>
+          <a:prstGeom prst="line">
+            <a:avLst/>
+          </a:prstGeom>
+          <a:solidFill>
+            <a:srgbClr val="0E5B5B"/>
+          </a:solidFill>
+          <a:ln w="19050">
+            <a:solidFill>
+              <a:srgbClr val="0E5B5B"/>
+            </a:solidFill>
+            <a:prstDash val="sysDash"/>
+          </a:ln>
+          <a:effectLst/>
+        </p:spPr>
+        <p:style>
+          <a:lnRef idx="1">
+            <a:schemeClr val="accent1"/>
+          </a:lnRef>
+          <a:fillRef idx="2">
+            <a:schemeClr val="accent1"/>
+          </a:fillRef>
+          <a:effectRef idx="1">
+            <a:schemeClr val="accent1"/>
+          </a:effectRef>
+          <a:fontRef idx="minor">
+            <a:schemeClr val="dk1"/>
+          </a:fontRef>
+        </p:style>
+      </p:cxnSp>
+      <p:sp>
+        <p:nvSpPr>
+          <p:cNvPr id="40" name="TextBox 39">
+            <a:extLst>
+              <a:ext uri="{FF2B5EF4-FFF2-40B4-BE49-F238E27FC236}">
+                <a16:creationId xmlns:a16="http://schemas.microsoft.com/office/drawing/2014/main" id="{64F8E6F5-B5F5-454C-8EC7-46D3C703540F}"/>
+              </a:ext>
+            </a:extLst>
+          </p:cNvPr>
+          <p:cNvSpPr txBox="1"/>
+          <p:nvPr/>
+        </p:nvSpPr>
+        <p:spPr>
+          <a:xfrm>
+            <a:off x="9577867" y="6777191"/>
+            <a:ext cx="1337068" cy="184666"/>
+          </a:xfrm>
+          <a:prstGeom prst="rect">
+            <a:avLst/>
+          </a:prstGeom>
+          <a:noFill/>
+          <a:ln>
+            <a:noFill/>
+          </a:ln>
+        </p:spPr>
+        <p:txBody>
+          <a:bodyPr wrap="square" lIns="0" tIns="0" rIns="0" bIns="0" rtlCol="0">
+            <a:spAutoFit/>
+          </a:bodyPr>
+          <a:lstStyle>
+            <a:defPPr>
+              <a:defRPr lang="en-US"/>
+            </a:defPPr>
+            <a:lvl1pPr algn="r">
+              <a:defRPr sz="1400">
+                <a:solidFill>
+                  <a:srgbClr val="0070C0"/>
+                </a:solidFill>
+              </a:defRPr>
+            </a:lvl1pPr>
+          </a:lstStyle>
+          <a:p>
+            <a:pPr algn="l"/>
+            <a:r>
+              <a:rPr lang="en-US" sz="1200" dirty="0" err="1">
+                <a:solidFill>
+                  <a:srgbClr val="0E5B5B"/>
+                </a:solidFill>
+              </a:rPr>
+              <a:t>hasCardLeft</a:t>
+            </a:r>
+            <a:r>
+              <a:rPr lang="en-US" sz="1200" dirty="0">
+                <a:solidFill>
+                  <a:srgbClr val="0E5B5B"/>
+                </a:solidFill>
+              </a:rPr>
+              <a:t>()</a:t>
+            </a:r>
+          </a:p>
+        </p:txBody>
+      </p:sp>
+      <p:sp>
+        <p:nvSpPr>
+          <p:cNvPr id="41" name="Rectangle 40">
+            <a:extLst>
+              <a:ext uri="{FF2B5EF4-FFF2-40B4-BE49-F238E27FC236}">
+                <a16:creationId xmlns:a16="http://schemas.microsoft.com/office/drawing/2014/main" id="{A6D20F48-7283-4029-AC1E-307BE2EC8B9A}"/>
+              </a:ext>
+            </a:extLst>
+          </p:cNvPr>
+          <p:cNvSpPr/>
+          <p:nvPr/>
+        </p:nvSpPr>
+        <p:spPr>
+          <a:xfrm>
+            <a:off x="11135309" y="6980645"/>
+            <a:ext cx="154376" cy="256996"/>
+          </a:xfrm>
+          <a:prstGeom prst="rect">
+            <a:avLst/>
+          </a:prstGeom>
+          <a:solidFill>
+            <a:srgbClr val="0E5B5B"/>
+          </a:solidFill>
+          <a:ln>
+            <a:solidFill>
+              <a:srgbClr val="0E5B5B"/>
+            </a:solidFill>
+          </a:ln>
+          <a:effectLst/>
+        </p:spPr>
+        <p:style>
+          <a:lnRef idx="1">
+            <a:schemeClr val="accent3"/>
+          </a:lnRef>
+          <a:fillRef idx="2">
+            <a:schemeClr val="accent3"/>
+          </a:fillRef>
+          <a:effectRef idx="1">
+            <a:schemeClr val="accent3"/>
+          </a:effectRef>
+          <a:fontRef idx="minor">
+            <a:schemeClr val="dk1"/>
+          </a:fontRef>
+        </p:style>
+        <p:txBody>
+          <a:bodyPr rtlCol="0" anchor="ctr"/>
+          <a:lstStyle/>
+          <a:p>
+            <a:pPr algn="ctr"/>
+            <a:endParaRPr lang="en-SG" sz="1400"/>
+          </a:p>
+        </p:txBody>
+      </p:sp>
+      <p:cxnSp>
+        <p:nvCxnSpPr>
+          <p:cNvPr id="42" name="Straight Arrow Connector 41">
+            <a:extLst>
+              <a:ext uri="{FF2B5EF4-FFF2-40B4-BE49-F238E27FC236}">
+                <a16:creationId xmlns:a16="http://schemas.microsoft.com/office/drawing/2014/main" id="{4C840415-CD71-407C-9AD1-5B048ED0D8E0}"/>
+              </a:ext>
+            </a:extLst>
+          </p:cNvPr>
+          <p:cNvCxnSpPr>
+            <a:cxnSpLocks/>
+          </p:cNvCxnSpPr>
+          <p:nvPr/>
+        </p:nvCxnSpPr>
+        <p:spPr>
+          <a:xfrm>
+            <a:off x="7492695" y="6980644"/>
+            <a:ext cx="3642420" cy="0"/>
           </a:xfrm>
           <a:prstGeom prst="straightConnector1">
             <a:avLst/>
           </a:prstGeom>
+          <a:solidFill>
+            <a:srgbClr val="0E5B5B"/>
+          </a:solidFill>
           <a:ln w="19050">
             <a:solidFill>
-              <a:srgbClr val="597B78"/>
+              <a:srgbClr val="0E5B5B"/>
             </a:solidFill>
             <a:tailEnd type="arrow"/>
           </a:ln>
@@ -5574,10 +7677,10 @@
       </p:cxnSp>
       <p:cxnSp>
         <p:nvCxnSpPr>
-          <p:cNvPr id="163" name="Straight Arrow Connector 162">
+          <p:cNvPr id="43" name="Straight Arrow Connector 42">
             <a:extLst>
               <a:ext uri="{FF2B5EF4-FFF2-40B4-BE49-F238E27FC236}">
-                <a16:creationId xmlns:a16="http://schemas.microsoft.com/office/drawing/2014/main" id="{7D0B383C-E73F-4B91-878D-F16EC3CDC396}"/>
+                <a16:creationId xmlns:a16="http://schemas.microsoft.com/office/drawing/2014/main" id="{5A31274F-F386-4EA8-98EE-41CD94BCF5F1}"/>
               </a:ext>
             </a:extLst>
           </p:cNvPr>
@@ -5588,15 +7691,18 @@
         </p:nvCxnSpPr>
         <p:spPr>
           <a:xfrm>
-            <a:off x="6497022" y="4985997"/>
-            <a:ext cx="1599844" cy="0"/>
+            <a:off x="7504703" y="7237641"/>
+            <a:ext cx="3636000" cy="0"/>
           </a:xfrm>
           <a:prstGeom prst="straightConnector1">
             <a:avLst/>
           </a:prstGeom>
+          <a:solidFill>
+            <a:srgbClr val="0E5B5B"/>
+          </a:solidFill>
           <a:ln w="19050">
             <a:solidFill>
-              <a:srgbClr val="597B78"/>
+              <a:srgbClr val="0E5B5B"/>
             </a:solidFill>
             <a:prstDash val="sysDash"/>
             <a:headEnd type="arrow" w="med" len="med"/>
@@ -5620,10 +7726,10 @@
       </p:cxnSp>
       <p:sp>
         <p:nvSpPr>
-          <p:cNvPr id="164" name="TextBox 163">
+          <p:cNvPr id="44" name="TextBox 43">
             <a:extLst>
               <a:ext uri="{FF2B5EF4-FFF2-40B4-BE49-F238E27FC236}">
-                <a16:creationId xmlns:a16="http://schemas.microsoft.com/office/drawing/2014/main" id="{5EE6D488-4B6E-4072-8057-0CFB5188461C}"/>
+                <a16:creationId xmlns:a16="http://schemas.microsoft.com/office/drawing/2014/main" id="{25545169-CB6F-4EBA-B3EF-DCE3FC7FF46B}"/>
               </a:ext>
             </a:extLst>
           </p:cNvPr>
@@ -5632,13 +7738,16 @@
         </p:nvSpPr>
         <p:spPr>
           <a:xfrm>
-            <a:off x="6552586" y="5084247"/>
+            <a:off x="9577867" y="7578412"/>
             <a:ext cx="1337068" cy="184666"/>
           </a:xfrm>
           <a:prstGeom prst="rect">
             <a:avLst/>
           </a:prstGeom>
           <a:noFill/>
+          <a:ln>
+            <a:noFill/>
+          </a:ln>
         </p:spPr>
         <p:txBody>
           <a:bodyPr wrap="square" lIns="0" tIns="0" rIns="0" bIns="0" rtlCol="0">
@@ -5661,7 +7770,7 @@
             <a:r>
               <a:rPr lang="en-US" sz="1200" dirty="0" err="1">
                 <a:solidFill>
-                  <a:srgbClr val="597B78"/>
+                  <a:srgbClr val="0E5B5B"/>
                 </a:solidFill>
               </a:rPr>
               <a:t>getNextCard</a:t>
@@ -5669,7 +7778,7 @@
             <a:r>
               <a:rPr lang="en-US" sz="1200" dirty="0">
                 <a:solidFill>
-                  <a:srgbClr val="597B78"/>
+                  <a:srgbClr val="0E5B5B"/>
                 </a:solidFill>
               </a:rPr>
               <a:t>()</a:t>
@@ -5679,10 +7788,10 @@
       </p:sp>
       <p:sp>
         <p:nvSpPr>
-          <p:cNvPr id="165" name="Rectangle 164">
+          <p:cNvPr id="45" name="Rectangle 44">
             <a:extLst>
               <a:ext uri="{FF2B5EF4-FFF2-40B4-BE49-F238E27FC236}">
-                <a16:creationId xmlns:a16="http://schemas.microsoft.com/office/drawing/2014/main" id="{0FF99FF9-7722-4950-A57B-33FDE17E4C77}"/>
+                <a16:creationId xmlns:a16="http://schemas.microsoft.com/office/drawing/2014/main" id="{CCC27D6C-DA6F-4389-B52B-2B674C42E6E3}"/>
               </a:ext>
             </a:extLst>
           </p:cNvPr>
@@ -5691,18 +7800,18 @@
         </p:nvSpPr>
         <p:spPr>
           <a:xfrm>
-            <a:off x="8110028" y="5287701"/>
-            <a:ext cx="168896" cy="324000"/>
+            <a:off x="11135309" y="7781866"/>
+            <a:ext cx="154357" cy="161451"/>
           </a:xfrm>
           <a:prstGeom prst="rect">
             <a:avLst/>
           </a:prstGeom>
           <a:solidFill>
-            <a:srgbClr val="597B78"/>
+            <a:srgbClr val="0E5B5B"/>
           </a:solidFill>
           <a:ln>
             <a:solidFill>
-              <a:srgbClr val="597B78"/>
+              <a:srgbClr val="0E5B5B"/>
             </a:solidFill>
           </a:ln>
           <a:effectLst/>
@@ -5732,10 +7841,10 @@
       </p:sp>
       <p:cxnSp>
         <p:nvCxnSpPr>
-          <p:cNvPr id="166" name="Straight Arrow Connector 165">
+          <p:cNvPr id="46" name="Straight Arrow Connector 45">
             <a:extLst>
               <a:ext uri="{FF2B5EF4-FFF2-40B4-BE49-F238E27FC236}">
-                <a16:creationId xmlns:a16="http://schemas.microsoft.com/office/drawing/2014/main" id="{5821574B-0992-4334-BA34-4E908C9C83C0}"/>
+                <a16:creationId xmlns:a16="http://schemas.microsoft.com/office/drawing/2014/main" id="{BA7C2F4E-A8D7-4D38-8F6F-55763CA5DE3D}"/>
               </a:ext>
             </a:extLst>
           </p:cNvPr>
@@ -5746,15 +7855,18 @@
         </p:nvCxnSpPr>
         <p:spPr>
           <a:xfrm>
-            <a:off x="6497022" y="5287700"/>
-            <a:ext cx="1612812" cy="0"/>
+            <a:off x="7582113" y="7781865"/>
+            <a:ext cx="3553002" cy="0"/>
           </a:xfrm>
           <a:prstGeom prst="straightConnector1">
             <a:avLst/>
           </a:prstGeom>
+          <a:solidFill>
+            <a:srgbClr val="0E5B5B"/>
+          </a:solidFill>
           <a:ln w="19050">
             <a:solidFill>
-              <a:srgbClr val="597B78"/>
+              <a:srgbClr val="0E5B5B"/>
             </a:solidFill>
             <a:tailEnd type="arrow"/>
           </a:ln>
@@ -5776,10 +7888,10 @@
       </p:cxnSp>
       <p:cxnSp>
         <p:nvCxnSpPr>
-          <p:cNvPr id="167" name="Straight Arrow Connector 166">
+          <p:cNvPr id="47" name="Straight Arrow Connector 46">
             <a:extLst>
               <a:ext uri="{FF2B5EF4-FFF2-40B4-BE49-F238E27FC236}">
-                <a16:creationId xmlns:a16="http://schemas.microsoft.com/office/drawing/2014/main" id="{1DF8D0E7-8DDE-4096-A892-18DF7A6618C0}"/>
+                <a16:creationId xmlns:a16="http://schemas.microsoft.com/office/drawing/2014/main" id="{59E1F4C2-580D-4BE0-8257-A4630EF41C7B}"/>
               </a:ext>
             </a:extLst>
           </p:cNvPr>
@@ -5790,15 +7902,18 @@
         </p:nvCxnSpPr>
         <p:spPr>
           <a:xfrm>
-            <a:off x="6497022" y="5603315"/>
-            <a:ext cx="1599844" cy="0"/>
+            <a:off x="7581915" y="7943317"/>
+            <a:ext cx="3540232" cy="0"/>
           </a:xfrm>
           <a:prstGeom prst="straightConnector1">
             <a:avLst/>
           </a:prstGeom>
+          <a:solidFill>
+            <a:srgbClr val="0E5B5B"/>
+          </a:solidFill>
           <a:ln w="19050">
             <a:solidFill>
-              <a:srgbClr val="597B78"/>
+              <a:srgbClr val="0E5B5B"/>
             </a:solidFill>
             <a:prstDash val="sysDash"/>
             <a:headEnd type="arrow" w="med" len="med"/>
@@ -5822,10 +7937,10 @@
       </p:cxnSp>
       <p:sp>
         <p:nvSpPr>
-          <p:cNvPr id="174" name="TextBox 173">
+          <p:cNvPr id="49" name="TextBox 48">
             <a:extLst>
               <a:ext uri="{FF2B5EF4-FFF2-40B4-BE49-F238E27FC236}">
-                <a16:creationId xmlns:a16="http://schemas.microsoft.com/office/drawing/2014/main" id="{13C9B9F1-8A29-4EAB-B475-1623BB3DC80D}"/>
+                <a16:creationId xmlns:a16="http://schemas.microsoft.com/office/drawing/2014/main" id="{61B78BF4-4F2C-4BA3-BF23-181F0F1D654C}"/>
               </a:ext>
             </a:extLst>
           </p:cNvPr>
@@ -5834,13 +7949,16 @@
         </p:nvSpPr>
         <p:spPr>
           <a:xfrm>
-            <a:off x="6625201" y="2627817"/>
-            <a:ext cx="1337068" cy="184666"/>
+            <a:off x="8945143" y="5147307"/>
+            <a:ext cx="2099370" cy="184666"/>
           </a:xfrm>
           <a:prstGeom prst="rect">
             <a:avLst/>
           </a:prstGeom>
           <a:noFill/>
+          <a:ln>
+            <a:noFill/>
+          </a:ln>
         </p:spPr>
         <p:txBody>
           <a:bodyPr wrap="square" lIns="0" tIns="0" rIns="0" bIns="0" rtlCol="0">
@@ -5859,62 +7977,11 @@
             </a:lvl1pPr>
           </a:lstStyle>
           <a:p>
-            <a:pPr algn="ctr"/>
-            <a:r>
-              <a:rPr lang="en-US" sz="1200" dirty="0">
-                <a:solidFill>
-                  <a:srgbClr val="597B78"/>
-                </a:solidFill>
-              </a:rPr>
-              <a:t>card</a:t>
-            </a:r>
-          </a:p>
-        </p:txBody>
-      </p:sp>
-      <p:sp>
-        <p:nvSpPr>
-          <p:cNvPr id="175" name="TextBox 174">
-            <a:extLst>
-              <a:ext uri="{FF2B5EF4-FFF2-40B4-BE49-F238E27FC236}">
-                <a16:creationId xmlns:a16="http://schemas.microsoft.com/office/drawing/2014/main" id="{1439537E-20D4-46D2-B832-FA8AFD388F37}"/>
-              </a:ext>
-            </a:extLst>
-          </p:cNvPr>
-          <p:cNvSpPr txBox="1"/>
-          <p:nvPr/>
-        </p:nvSpPr>
-        <p:spPr>
-          <a:xfrm>
-            <a:off x="6536624" y="2997208"/>
-            <a:ext cx="1309203" cy="369332"/>
-          </a:xfrm>
-          <a:prstGeom prst="rect">
-            <a:avLst/>
-          </a:prstGeom>
-          <a:noFill/>
-        </p:spPr>
-        <p:txBody>
-          <a:bodyPr wrap="square" lIns="0" tIns="0" rIns="0" bIns="0" rtlCol="0">
-            <a:spAutoFit/>
-          </a:bodyPr>
-          <a:lstStyle>
-            <a:defPPr>
-              <a:defRPr lang="en-US"/>
-            </a:defPPr>
-            <a:lvl1pPr algn="r">
-              <a:defRPr sz="1400">
-                <a:solidFill>
-                  <a:srgbClr val="0070C0"/>
-                </a:solidFill>
-              </a:defRPr>
-            </a:lvl1pPr>
-          </a:lstStyle>
-          <a:p>
             <a:pPr algn="l"/>
             <a:r>
               <a:rPr lang="en-US" sz="1200" dirty="0" err="1">
                 <a:solidFill>
-                  <a:srgbClr val="597B78"/>
+                  <a:srgbClr val="0E5B5B"/>
                 </a:solidFill>
               </a:rPr>
               <a:t>updateTotalAttemptsAndStreak</a:t>
@@ -5922,7 +7989,7 @@
             <a:r>
               <a:rPr lang="en-US" sz="1200" dirty="0">
                 <a:solidFill>
-                  <a:srgbClr val="597B78"/>
+                  <a:srgbClr val="0E5B5B"/>
                 </a:solidFill>
               </a:rPr>
               <a:t>()</a:t>
@@ -5932,10 +7999,10 @@
       </p:sp>
       <p:sp>
         <p:nvSpPr>
-          <p:cNvPr id="176" name="Rectangle 175">
+          <p:cNvPr id="50" name="Rectangle 49">
             <a:extLst>
               <a:ext uri="{FF2B5EF4-FFF2-40B4-BE49-F238E27FC236}">
-                <a16:creationId xmlns:a16="http://schemas.microsoft.com/office/drawing/2014/main" id="{0589751E-4A8D-442E-8D52-8CD71A55A9FF}"/>
+                <a16:creationId xmlns:a16="http://schemas.microsoft.com/office/drawing/2014/main" id="{E3F3A2C0-C48D-41DB-A6C7-DDB8B2C1CE14}"/>
               </a:ext>
             </a:extLst>
           </p:cNvPr>
@@ -5944,18 +8011,18 @@
         </p:nvSpPr>
         <p:spPr>
           <a:xfrm>
-            <a:off x="8110044" y="3375551"/>
-            <a:ext cx="168896" cy="324000"/>
+            <a:off x="11147782" y="5331973"/>
+            <a:ext cx="149821" cy="782059"/>
           </a:xfrm>
           <a:prstGeom prst="rect">
             <a:avLst/>
           </a:prstGeom>
           <a:solidFill>
-            <a:srgbClr val="597B78"/>
+            <a:srgbClr val="0E5B5B"/>
           </a:solidFill>
           <a:ln>
             <a:solidFill>
-              <a:srgbClr val="597B78"/>
+              <a:srgbClr val="0E5B5B"/>
             </a:solidFill>
           </a:ln>
           <a:effectLst/>
@@ -5985,10 +8052,10 @@
       </p:sp>
       <p:cxnSp>
         <p:nvCxnSpPr>
-          <p:cNvPr id="177" name="Straight Arrow Connector 176">
+          <p:cNvPr id="51" name="Straight Arrow Connector 50">
             <a:extLst>
               <a:ext uri="{FF2B5EF4-FFF2-40B4-BE49-F238E27FC236}">
-                <a16:creationId xmlns:a16="http://schemas.microsoft.com/office/drawing/2014/main" id="{6645C832-794C-4014-9F19-B9C37FF03D4B}"/>
+                <a16:creationId xmlns:a16="http://schemas.microsoft.com/office/drawing/2014/main" id="{96827BBD-E2A5-46BD-9126-D78841E64A01}"/>
               </a:ext>
             </a:extLst>
           </p:cNvPr>
@@ -5998,172 +8065,19 @@
           <p:nvPr/>
         </p:nvCxnSpPr>
         <p:spPr>
-          <a:xfrm>
-            <a:off x="6497038" y="3375550"/>
-            <a:ext cx="1612812" cy="0"/>
+          <a:xfrm flipV="1">
+            <a:off x="7492695" y="5341456"/>
+            <a:ext cx="3642436" cy="15396"/>
           </a:xfrm>
           <a:prstGeom prst="straightConnector1">
             <a:avLst/>
           </a:prstGeom>
+          <a:solidFill>
+            <a:srgbClr val="0E5B5B"/>
+          </a:solidFill>
           <a:ln w="19050">
             <a:solidFill>
-              <a:srgbClr val="597B78"/>
-            </a:solidFill>
-            <a:tailEnd type="arrow"/>
-          </a:ln>
-        </p:spPr>
-        <p:style>
-          <a:lnRef idx="1">
-            <a:schemeClr val="accent1"/>
-          </a:lnRef>
-          <a:fillRef idx="0">
-            <a:schemeClr val="accent1"/>
-          </a:fillRef>
-          <a:effectRef idx="0">
-            <a:schemeClr val="accent1"/>
-          </a:effectRef>
-          <a:fontRef idx="minor">
-            <a:schemeClr val="tx1"/>
-          </a:fontRef>
-        </p:style>
-      </p:cxnSp>
-      <p:sp>
-        <p:nvSpPr>
-          <p:cNvPr id="179" name="TextBox 178">
-            <a:extLst>
-              <a:ext uri="{FF2B5EF4-FFF2-40B4-BE49-F238E27FC236}">
-                <a16:creationId xmlns:a16="http://schemas.microsoft.com/office/drawing/2014/main" id="{9F2EBADE-0309-465D-81AC-265B5BA6AF88}"/>
-              </a:ext>
-            </a:extLst>
-          </p:cNvPr>
-          <p:cNvSpPr txBox="1"/>
-          <p:nvPr/>
-        </p:nvSpPr>
-        <p:spPr>
-          <a:xfrm>
-            <a:off x="6552586" y="3770862"/>
-            <a:ext cx="1337068" cy="184666"/>
-          </a:xfrm>
-          <a:prstGeom prst="rect">
-            <a:avLst/>
-          </a:prstGeom>
-          <a:noFill/>
-        </p:spPr>
-        <p:txBody>
-          <a:bodyPr wrap="square" lIns="0" tIns="0" rIns="0" bIns="0" rtlCol="0">
-            <a:spAutoFit/>
-          </a:bodyPr>
-          <a:lstStyle>
-            <a:defPPr>
-              <a:defRPr lang="en-US"/>
-            </a:defPPr>
-            <a:lvl1pPr algn="r">
-              <a:defRPr sz="1400">
-                <a:solidFill>
-                  <a:srgbClr val="0070C0"/>
-                </a:solidFill>
-              </a:defRPr>
-            </a:lvl1pPr>
-          </a:lstStyle>
-          <a:p>
-            <a:pPr algn="l"/>
-            <a:r>
-              <a:rPr lang="en-US" sz="1200" dirty="0" err="1">
-                <a:solidFill>
-                  <a:srgbClr val="597B78"/>
-                </a:solidFill>
-              </a:rPr>
-              <a:t>isCorrect</a:t>
-            </a:r>
-            <a:r>
-              <a:rPr lang="en-US" sz="1200" dirty="0">
-                <a:solidFill>
-                  <a:srgbClr val="597B78"/>
-                </a:solidFill>
-              </a:rPr>
-              <a:t>()</a:t>
-            </a:r>
-          </a:p>
-        </p:txBody>
-      </p:sp>
-      <p:sp>
-        <p:nvSpPr>
-          <p:cNvPr id="180" name="Rectangle 179">
-            <a:extLst>
-              <a:ext uri="{FF2B5EF4-FFF2-40B4-BE49-F238E27FC236}">
-                <a16:creationId xmlns:a16="http://schemas.microsoft.com/office/drawing/2014/main" id="{3DDEC143-8370-42BD-A300-EC5B4ECA65C8}"/>
-              </a:ext>
-            </a:extLst>
-          </p:cNvPr>
-          <p:cNvSpPr/>
-          <p:nvPr/>
-        </p:nvSpPr>
-        <p:spPr>
-          <a:xfrm>
-            <a:off x="9266189" y="3961435"/>
-            <a:ext cx="168896" cy="324000"/>
-          </a:xfrm>
-          <a:prstGeom prst="rect">
-            <a:avLst/>
-          </a:prstGeom>
-          <a:solidFill>
-            <a:srgbClr val="597B78"/>
-          </a:solidFill>
-          <a:ln>
-            <a:solidFill>
-              <a:srgbClr val="597B78"/>
-            </a:solidFill>
-          </a:ln>
-          <a:effectLst/>
-        </p:spPr>
-        <p:style>
-          <a:lnRef idx="1">
-            <a:schemeClr val="accent3"/>
-          </a:lnRef>
-          <a:fillRef idx="2">
-            <a:schemeClr val="accent3"/>
-          </a:fillRef>
-          <a:effectRef idx="1">
-            <a:schemeClr val="accent3"/>
-          </a:effectRef>
-          <a:fontRef idx="minor">
-            <a:schemeClr val="dk1"/>
-          </a:fontRef>
-        </p:style>
-        <p:txBody>
-          <a:bodyPr rtlCol="0" anchor="ctr"/>
-          <a:lstStyle/>
-          <a:p>
-            <a:pPr algn="ctr"/>
-            <a:endParaRPr lang="en-SG" sz="1400"/>
-          </a:p>
-        </p:txBody>
-      </p:sp>
-      <p:cxnSp>
-        <p:nvCxnSpPr>
-          <p:cNvPr id="181" name="Straight Arrow Connector 180">
-            <a:extLst>
-              <a:ext uri="{FF2B5EF4-FFF2-40B4-BE49-F238E27FC236}">
-                <a16:creationId xmlns:a16="http://schemas.microsoft.com/office/drawing/2014/main" id="{52FAB433-99D8-442F-846F-385993FA48F6}"/>
-              </a:ext>
-            </a:extLst>
-          </p:cNvPr>
-          <p:cNvCxnSpPr>
-            <a:cxnSpLocks/>
-          </p:cNvCxnSpPr>
-          <p:nvPr/>
-        </p:nvCxnSpPr>
-        <p:spPr>
-          <a:xfrm>
-            <a:off x="6497022" y="3965011"/>
-            <a:ext cx="2755245" cy="0"/>
-          </a:xfrm>
-          <a:prstGeom prst="straightConnector1">
-            <a:avLst/>
-          </a:prstGeom>
-          <a:ln w="19050">
-            <a:solidFill>
-              <a:srgbClr val="597B78"/>
+              <a:srgbClr val="0E5B5B"/>
             </a:solidFill>
             <a:tailEnd type="arrow"/>
           </a:ln>
@@ -6185,30 +8099,32 @@
       </p:cxnSp>
       <p:cxnSp>
         <p:nvCxnSpPr>
-          <p:cNvPr id="182" name="Straight Arrow Connector 181">
+          <p:cNvPr id="104" name="Straight Arrow Connector 103">
             <a:extLst>
               <a:ext uri="{FF2B5EF4-FFF2-40B4-BE49-F238E27FC236}">
-                <a16:creationId xmlns:a16="http://schemas.microsoft.com/office/drawing/2014/main" id="{E8E6BD3E-5E6F-4A5D-A857-2A79A151D114}"/>
+                <a16:creationId xmlns:a16="http://schemas.microsoft.com/office/drawing/2014/main" id="{F957B1F0-94CD-44C5-94F4-3D16A830CA5B}"/>
               </a:ext>
             </a:extLst>
           </p:cNvPr>
           <p:cNvCxnSpPr>
             <a:cxnSpLocks/>
-            <a:endCxn id="180" idx="2"/>
           </p:cNvCxnSpPr>
           <p:nvPr/>
         </p:nvCxnSpPr>
         <p:spPr>
           <a:xfrm>
-            <a:off x="6497022" y="4285435"/>
-            <a:ext cx="2853615" cy="0"/>
+            <a:off x="7484160" y="6104731"/>
+            <a:ext cx="3650955" cy="0"/>
           </a:xfrm>
           <a:prstGeom prst="straightConnector1">
             <a:avLst/>
           </a:prstGeom>
+          <a:solidFill>
+            <a:srgbClr val="0E5B5B"/>
+          </a:solidFill>
           <a:ln w="19050">
             <a:solidFill>
-              <a:srgbClr val="597B78"/>
+              <a:srgbClr val="0E5B5B"/>
             </a:solidFill>
             <a:prstDash val="sysDash"/>
             <a:headEnd type="arrow" w="med" len="med"/>
@@ -6232,122 +8148,10 @@
       </p:cxnSp>
       <p:sp>
         <p:nvSpPr>
-          <p:cNvPr id="84" name="Rectangle 62"/>
-          <p:cNvSpPr/>
-          <p:nvPr/>
-        </p:nvSpPr>
-        <p:spPr>
-          <a:xfrm>
-            <a:off x="8837790" y="3248697"/>
-            <a:ext cx="1025694" cy="335427"/>
-          </a:xfrm>
-          <a:prstGeom prst="rect">
-            <a:avLst/>
-          </a:prstGeom>
-          <a:solidFill>
-            <a:srgbClr val="597B78"/>
-          </a:solidFill>
-          <a:ln w="19050">
-            <a:solidFill>
-              <a:srgbClr val="597B78"/>
-            </a:solidFill>
-          </a:ln>
-          <a:effectLst/>
-        </p:spPr>
-        <p:style>
-          <a:lnRef idx="1">
-            <a:schemeClr val="accent2"/>
-          </a:lnRef>
-          <a:fillRef idx="2">
-            <a:schemeClr val="accent2"/>
-          </a:fillRef>
-          <a:effectRef idx="1">
-            <a:schemeClr val="accent2"/>
-          </a:effectRef>
-          <a:fontRef idx="minor">
-            <a:schemeClr val="dk1"/>
-          </a:fontRef>
-        </p:style>
-        <p:txBody>
-          <a:bodyPr rtlCol="0" anchor="ctr"/>
-          <a:lstStyle/>
-          <a:p>
-            <a:pPr algn="ctr"/>
-            <a:r>
-              <a:rPr lang="en-US" sz="1600" dirty="0">
-                <a:solidFill>
-                  <a:schemeClr val="bg1"/>
-                </a:solidFill>
-              </a:rPr>
-              <a:t>:</a:t>
-            </a:r>
-            <a:r>
-              <a:rPr lang="en-US" sz="1600" dirty="0" err="1">
-                <a:solidFill>
-                  <a:schemeClr val="bg1"/>
-                </a:solidFill>
-              </a:rPr>
-              <a:t>QuizCard</a:t>
-            </a:r>
-            <a:endParaRPr lang="en-SG" sz="1600" dirty="0">
-              <a:solidFill>
-                <a:schemeClr val="bg1"/>
-              </a:solidFill>
-            </a:endParaRPr>
-          </a:p>
-        </p:txBody>
-      </p:sp>
-      <p:cxnSp>
-        <p:nvCxnSpPr>
-          <p:cNvPr id="89" name="Straight Connector 88">
+          <p:cNvPr id="208" name="TextBox 207">
             <a:extLst>
               <a:ext uri="{FF2B5EF4-FFF2-40B4-BE49-F238E27FC236}">
-                <a16:creationId xmlns:a16="http://schemas.microsoft.com/office/drawing/2014/main" id="{E4E1C8CA-49DF-45D8-80A5-D5C8282EE927}"/>
-              </a:ext>
-            </a:extLst>
-          </p:cNvPr>
-          <p:cNvCxnSpPr>
-            <a:cxnSpLocks/>
-          </p:cNvCxnSpPr>
-          <p:nvPr/>
-        </p:nvCxnSpPr>
-        <p:spPr>
-          <a:xfrm>
-            <a:off x="9350637" y="3569849"/>
-            <a:ext cx="0" cy="3288151"/>
-          </a:xfrm>
-          <a:prstGeom prst="line">
-            <a:avLst/>
-          </a:prstGeom>
-          <a:ln w="19050">
-            <a:solidFill>
-              <a:srgbClr val="597B78"/>
-            </a:solidFill>
-            <a:prstDash val="sysDash"/>
-          </a:ln>
-          <a:effectLst/>
-        </p:spPr>
-        <p:style>
-          <a:lnRef idx="1">
-            <a:schemeClr val="accent1"/>
-          </a:lnRef>
-          <a:fillRef idx="2">
-            <a:schemeClr val="accent1"/>
-          </a:fillRef>
-          <a:effectRef idx="1">
-            <a:schemeClr val="accent1"/>
-          </a:effectRef>
-          <a:fontRef idx="minor">
-            <a:schemeClr val="dk1"/>
-          </a:fontRef>
-        </p:style>
-      </p:cxnSp>
-      <p:sp>
-        <p:nvSpPr>
-          <p:cNvPr id="193" name="TextBox 192">
-            <a:extLst>
-              <a:ext uri="{FF2B5EF4-FFF2-40B4-BE49-F238E27FC236}">
-                <a16:creationId xmlns:a16="http://schemas.microsoft.com/office/drawing/2014/main" id="{A48FCFCF-C6ED-4568-878C-9B33BEA60768}"/>
+                <a16:creationId xmlns:a16="http://schemas.microsoft.com/office/drawing/2014/main" id="{5ADB3C55-ED7E-4EAC-B338-926ED0F90D17}"/>
               </a:ext>
             </a:extLst>
           </p:cNvPr>
@@ -6356,13 +8160,16 @@
         </p:nvSpPr>
         <p:spPr>
           <a:xfrm>
-            <a:off x="6552586" y="5876446"/>
+            <a:off x="9591373" y="3444393"/>
             <a:ext cx="1337068" cy="184666"/>
           </a:xfrm>
           <a:prstGeom prst="rect">
             <a:avLst/>
           </a:prstGeom>
           <a:noFill/>
+          <a:ln>
+            <a:noFill/>
+          </a:ln>
         </p:spPr>
         <p:txBody>
           <a:bodyPr wrap="square" lIns="0" tIns="0" rIns="0" bIns="0" rtlCol="0">
@@ -6383,30 +8190,22 @@
           <a:p>
             <a:pPr algn="l"/>
             <a:r>
-              <a:rPr lang="en-US" sz="1200" dirty="0" err="1">
+              <a:rPr lang="en-US" sz="1200" dirty="0">
                 <a:solidFill>
-                  <a:srgbClr val="597B78"/>
+                  <a:srgbClr val="0E5B5B"/>
                 </a:solidFill>
               </a:rPr>
-              <a:t>getQuestion</a:t>
-            </a:r>
-            <a:r>
-              <a:rPr lang="en-US" sz="1200" dirty="0">
-                <a:solidFill>
-                  <a:srgbClr val="597B78"/>
-                </a:solidFill>
-              </a:rPr>
-              <a:t>()</a:t>
-            </a:r>
-          </a:p>
-        </p:txBody>
-      </p:sp>
-      <p:sp>
-        <p:nvSpPr>
-          <p:cNvPr id="194" name="Rectangle 193">
+              <a:t>end()</a:t>
+            </a:r>
+          </a:p>
+        </p:txBody>
+      </p:sp>
+      <p:sp>
+        <p:nvSpPr>
+          <p:cNvPr id="209" name="Rectangle 208">
             <a:extLst>
               <a:ext uri="{FF2B5EF4-FFF2-40B4-BE49-F238E27FC236}">
-                <a16:creationId xmlns:a16="http://schemas.microsoft.com/office/drawing/2014/main" id="{CBDC7B66-9929-4A98-B6C0-18F7420F356B}"/>
+                <a16:creationId xmlns:a16="http://schemas.microsoft.com/office/drawing/2014/main" id="{998032C5-0BC3-4F3E-9EC5-D31B4DD7D1EB}"/>
               </a:ext>
             </a:extLst>
           </p:cNvPr>
@@ -6415,18 +8214,18 @@
         </p:nvSpPr>
         <p:spPr>
           <a:xfrm>
-            <a:off x="9266189" y="6067019"/>
-            <a:ext cx="168896" cy="324000"/>
+            <a:off x="11148815" y="3647847"/>
+            <a:ext cx="154376" cy="256996"/>
           </a:xfrm>
           <a:prstGeom prst="rect">
             <a:avLst/>
           </a:prstGeom>
           <a:solidFill>
-            <a:srgbClr val="597B78"/>
+            <a:srgbClr val="0E5B5B"/>
           </a:solidFill>
           <a:ln>
             <a:solidFill>
-              <a:srgbClr val="597B78"/>
+              <a:srgbClr val="0E5B5B"/>
             </a:solidFill>
           </a:ln>
           <a:effectLst/>
@@ -6456,10 +8255,10 @@
       </p:sp>
       <p:cxnSp>
         <p:nvCxnSpPr>
-          <p:cNvPr id="195" name="Straight Arrow Connector 194">
+          <p:cNvPr id="210" name="Straight Arrow Connector 209">
             <a:extLst>
               <a:ext uri="{FF2B5EF4-FFF2-40B4-BE49-F238E27FC236}">
-                <a16:creationId xmlns:a16="http://schemas.microsoft.com/office/drawing/2014/main" id="{C00DCF0B-59D7-4177-8F01-F97ED7F62CFC}"/>
+                <a16:creationId xmlns:a16="http://schemas.microsoft.com/office/drawing/2014/main" id="{53652DA9-DCD2-4801-8CC5-A86FCE7AE8A9}"/>
               </a:ext>
             </a:extLst>
           </p:cNvPr>
@@ -6470,15 +8269,18 @@
         </p:nvCxnSpPr>
         <p:spPr>
           <a:xfrm>
-            <a:off x="6492198" y="6070595"/>
-            <a:ext cx="2755245" cy="0"/>
+            <a:off x="7479941" y="3647846"/>
+            <a:ext cx="3668680" cy="0"/>
           </a:xfrm>
           <a:prstGeom prst="straightConnector1">
             <a:avLst/>
           </a:prstGeom>
+          <a:solidFill>
+            <a:srgbClr val="0E5B5B"/>
+          </a:solidFill>
           <a:ln w="19050">
             <a:solidFill>
-              <a:srgbClr val="597B78"/>
+              <a:srgbClr val="0E5B5B"/>
             </a:solidFill>
             <a:tailEnd type="arrow"/>
           </a:ln>
@@ -6500,30 +8302,32 @@
       </p:cxnSp>
       <p:cxnSp>
         <p:nvCxnSpPr>
-          <p:cNvPr id="196" name="Straight Arrow Connector 195">
+          <p:cNvPr id="211" name="Straight Arrow Connector 210">
             <a:extLst>
               <a:ext uri="{FF2B5EF4-FFF2-40B4-BE49-F238E27FC236}">
-                <a16:creationId xmlns:a16="http://schemas.microsoft.com/office/drawing/2014/main" id="{E60B88D6-5102-475C-8AAC-1CCE22509D56}"/>
+                <a16:creationId xmlns:a16="http://schemas.microsoft.com/office/drawing/2014/main" id="{55E5A13A-5F2B-4C6F-9DD2-279414ECE54B}"/>
               </a:ext>
             </a:extLst>
           </p:cNvPr>
           <p:cNvCxnSpPr>
             <a:cxnSpLocks/>
-            <a:endCxn id="194" idx="2"/>
           </p:cNvCxnSpPr>
           <p:nvPr/>
         </p:nvCxnSpPr>
         <p:spPr>
           <a:xfrm>
-            <a:off x="6492198" y="6391019"/>
-            <a:ext cx="2858439" cy="0"/>
+            <a:off x="7479941" y="3904843"/>
+            <a:ext cx="3674268" cy="0"/>
           </a:xfrm>
           <a:prstGeom prst="straightConnector1">
             <a:avLst/>
           </a:prstGeom>
+          <a:solidFill>
+            <a:srgbClr val="0E5B5B"/>
+          </a:solidFill>
           <a:ln w="19050">
             <a:solidFill>
-              <a:srgbClr val="597B78"/>
+              <a:srgbClr val="0E5B5B"/>
             </a:solidFill>
             <a:prstDash val="sysDash"/>
             <a:headEnd type="arrow" w="med" len="med"/>
@@ -6547,10 +8351,10 @@
       </p:cxnSp>
       <p:sp>
         <p:nvSpPr>
-          <p:cNvPr id="204" name="TextBox 203">
+          <p:cNvPr id="216" name="TextBox 215">
             <a:extLst>
               <a:ext uri="{FF2B5EF4-FFF2-40B4-BE49-F238E27FC236}">
-                <a16:creationId xmlns:a16="http://schemas.microsoft.com/office/drawing/2014/main" id="{5174E5D2-33B1-43BD-9321-F97EE4E61670}"/>
+                <a16:creationId xmlns:a16="http://schemas.microsoft.com/office/drawing/2014/main" id="{691AF38D-838C-470C-860F-AEF138E4AA8B}"/>
               </a:ext>
             </a:extLst>
           </p:cNvPr>
@@ -6559,48 +8363,16 @@
         </p:nvSpPr>
         <p:spPr>
           <a:xfrm>
-            <a:off x="6293416" y="7607614"/>
-            <a:ext cx="284052" cy="369332"/>
+            <a:off x="9585785" y="3987900"/>
+            <a:ext cx="1337068" cy="184666"/>
           </a:xfrm>
           <a:prstGeom prst="rect">
             <a:avLst/>
           </a:prstGeom>
           <a:noFill/>
-        </p:spPr>
-        <p:txBody>
-          <a:bodyPr wrap="none" rtlCol="0">
-            <a:spAutoFit/>
-          </a:bodyPr>
-          <a:lstStyle/>
-          <a:p>
-            <a:r>
-              <a:rPr lang="en-SG" dirty="0"/>
-              <a:t>x</a:t>
-            </a:r>
-          </a:p>
-        </p:txBody>
-      </p:sp>
-      <p:sp>
-        <p:nvSpPr>
-          <p:cNvPr id="73" name="TextBox 72">
-            <a:extLst>
-              <a:ext uri="{FF2B5EF4-FFF2-40B4-BE49-F238E27FC236}">
-                <a16:creationId xmlns:a16="http://schemas.microsoft.com/office/drawing/2014/main" id="{036A2F23-5B27-4122-AEB6-6FA412F7210E}"/>
-              </a:ext>
-            </a:extLst>
-          </p:cNvPr>
-          <p:cNvSpPr txBox="1"/>
-          <p:nvPr/>
-        </p:nvSpPr>
-        <p:spPr>
-          <a:xfrm>
-            <a:off x="6554551" y="6495816"/>
-            <a:ext cx="1659830" cy="184666"/>
-          </a:xfrm>
-          <a:prstGeom prst="rect">
-            <a:avLst/>
-          </a:prstGeom>
-          <a:noFill/>
+          <a:ln>
+            <a:noFill/>
+          </a:ln>
         </p:spPr>
         <p:txBody>
           <a:bodyPr wrap="square" lIns="0" tIns="0" rIns="0" bIns="0" rtlCol="0">
@@ -6623,7 +8395,7 @@
             <a:r>
               <a:rPr lang="en-US" sz="1200" dirty="0" err="1">
                 <a:solidFill>
-                  <a:srgbClr val="597B78"/>
+                  <a:srgbClr val="0E5B5B"/>
                 </a:solidFill>
               </a:rPr>
               <a:t>updateUserProfile</a:t>
@@ -6631,7 +8403,7 @@
             <a:r>
               <a:rPr lang="en-US" sz="1200" dirty="0">
                 <a:solidFill>
-                  <a:srgbClr val="597B78"/>
+                  <a:srgbClr val="0E5B5B"/>
                 </a:solidFill>
               </a:rPr>
               <a:t>()</a:t>
@@ -6641,10 +8413,10 @@
       </p:sp>
       <p:sp>
         <p:nvSpPr>
-          <p:cNvPr id="74" name="Rectangle 73">
+          <p:cNvPr id="217" name="Rectangle 216">
             <a:extLst>
               <a:ext uri="{FF2B5EF4-FFF2-40B4-BE49-F238E27FC236}">
-                <a16:creationId xmlns:a16="http://schemas.microsoft.com/office/drawing/2014/main" id="{15848988-7200-40F0-A859-8C863D57759F}"/>
+                <a16:creationId xmlns:a16="http://schemas.microsoft.com/office/drawing/2014/main" id="{A11D9EA2-CCD1-4C71-BA48-283E2D2AE751}"/>
               </a:ext>
             </a:extLst>
           </p:cNvPr>
@@ -6653,18 +8425,18 @@
         </p:nvSpPr>
         <p:spPr>
           <a:xfrm>
-            <a:off x="8112009" y="6723681"/>
-            <a:ext cx="168896" cy="324000"/>
+            <a:off x="11143227" y="4191354"/>
+            <a:ext cx="154376" cy="256996"/>
           </a:xfrm>
           <a:prstGeom prst="rect">
             <a:avLst/>
           </a:prstGeom>
           <a:solidFill>
-            <a:srgbClr val="597B78"/>
+            <a:srgbClr val="0E5B5B"/>
           </a:solidFill>
           <a:ln>
             <a:solidFill>
-              <a:srgbClr val="597B78"/>
+              <a:srgbClr val="0E5B5B"/>
             </a:solidFill>
           </a:ln>
           <a:effectLst/>
@@ -6694,10 +8466,10 @@
       </p:sp>
       <p:cxnSp>
         <p:nvCxnSpPr>
-          <p:cNvPr id="75" name="Straight Arrow Connector 74">
+          <p:cNvPr id="218" name="Straight Arrow Connector 217">
             <a:extLst>
               <a:ext uri="{FF2B5EF4-FFF2-40B4-BE49-F238E27FC236}">
-                <a16:creationId xmlns:a16="http://schemas.microsoft.com/office/drawing/2014/main" id="{83EEAE00-E5DE-4FB9-9CD8-CFC4258D2831}"/>
+                <a16:creationId xmlns:a16="http://schemas.microsoft.com/office/drawing/2014/main" id="{54FF36AB-9454-4943-B0FF-B6235C7A3632}"/>
               </a:ext>
             </a:extLst>
           </p:cNvPr>
@@ -6708,15 +8480,18 @@
         </p:nvCxnSpPr>
         <p:spPr>
           <a:xfrm>
-            <a:off x="6499003" y="6723680"/>
-            <a:ext cx="1612812" cy="0"/>
+            <a:off x="7470030" y="4191353"/>
+            <a:ext cx="3673003" cy="0"/>
           </a:xfrm>
           <a:prstGeom prst="straightConnector1">
             <a:avLst/>
           </a:prstGeom>
+          <a:solidFill>
+            <a:srgbClr val="0E5B5B"/>
+          </a:solidFill>
           <a:ln w="19050">
             <a:solidFill>
-              <a:srgbClr val="597B78"/>
+              <a:srgbClr val="0E5B5B"/>
             </a:solidFill>
             <a:tailEnd type="arrow"/>
           </a:ln>
@@ -6738,10 +8513,10 @@
       </p:cxnSp>
       <p:cxnSp>
         <p:nvCxnSpPr>
-          <p:cNvPr id="76" name="Straight Arrow Connector 75">
+          <p:cNvPr id="219" name="Straight Arrow Connector 218">
             <a:extLst>
               <a:ext uri="{FF2B5EF4-FFF2-40B4-BE49-F238E27FC236}">
-                <a16:creationId xmlns:a16="http://schemas.microsoft.com/office/drawing/2014/main" id="{D4DBE26C-EA0C-4772-BBEF-5CD80A280E42}"/>
+                <a16:creationId xmlns:a16="http://schemas.microsoft.com/office/drawing/2014/main" id="{C30873B2-2080-423B-B6D5-52068F8F9B59}"/>
               </a:ext>
             </a:extLst>
           </p:cNvPr>
@@ -6752,15 +8527,18 @@
         </p:nvCxnSpPr>
         <p:spPr>
           <a:xfrm>
-            <a:off x="6501941" y="7047681"/>
-            <a:ext cx="1599844" cy="0"/>
+            <a:off x="7479941" y="4448350"/>
+            <a:ext cx="3668680" cy="0"/>
           </a:xfrm>
           <a:prstGeom prst="straightConnector1">
             <a:avLst/>
           </a:prstGeom>
+          <a:solidFill>
+            <a:srgbClr val="0E5B5B"/>
+          </a:solidFill>
           <a:ln w="19050">
             <a:solidFill>
-              <a:srgbClr val="597B78"/>
+              <a:srgbClr val="0E5B5B"/>
             </a:solidFill>
             <a:prstDash val="sysDash"/>
             <a:headEnd type="arrow" w="med" len="med"/>
@@ -6782,10 +8560,264 @@
           </a:fontRef>
         </p:style>
       </p:cxnSp>
+      <p:grpSp>
+        <p:nvGrpSpPr>
+          <p:cNvPr id="60" name="Group 59">
+            <a:extLst>
+              <a:ext uri="{FF2B5EF4-FFF2-40B4-BE49-F238E27FC236}">
+                <a16:creationId xmlns:a16="http://schemas.microsoft.com/office/drawing/2014/main" id="{F94A4BDE-21F9-4344-8B7F-1AC648968E65}"/>
+              </a:ext>
+            </a:extLst>
+          </p:cNvPr>
+          <p:cNvGrpSpPr/>
+          <p:nvPr/>
+        </p:nvGrpSpPr>
+        <p:grpSpPr>
+          <a:xfrm>
+            <a:off x="5450732" y="3173539"/>
+            <a:ext cx="6033800" cy="1660849"/>
+            <a:chOff x="6116875" y="3173539"/>
+            <a:chExt cx="5402591" cy="1660849"/>
+          </a:xfrm>
+        </p:grpSpPr>
+        <p:sp>
+          <p:nvSpPr>
+            <p:cNvPr id="2" name="Rectangle 1">
+              <a:extLst>
+                <a:ext uri="{FF2B5EF4-FFF2-40B4-BE49-F238E27FC236}">
+                  <a16:creationId xmlns:a16="http://schemas.microsoft.com/office/drawing/2014/main" id="{965DE695-1396-462E-81DA-BEC503E84896}"/>
+                </a:ext>
+              </a:extLst>
+            </p:cNvPr>
+            <p:cNvSpPr/>
+            <p:nvPr/>
+          </p:nvSpPr>
+          <p:spPr>
+            <a:xfrm>
+              <a:off x="6116875" y="3173539"/>
+              <a:ext cx="5402591" cy="1660849"/>
+            </a:xfrm>
+            <a:prstGeom prst="rect">
+              <a:avLst/>
+            </a:prstGeom>
+            <a:noFill/>
+            <a:ln w="19050">
+              <a:solidFill>
+                <a:srgbClr val="FF0000"/>
+              </a:solidFill>
+            </a:ln>
+          </p:spPr>
+          <p:style>
+            <a:lnRef idx="2">
+              <a:schemeClr val="accent1">
+                <a:shade val="50000"/>
+              </a:schemeClr>
+            </a:lnRef>
+            <a:fillRef idx="1">
+              <a:schemeClr val="accent1"/>
+            </a:fillRef>
+            <a:effectRef idx="0">
+              <a:schemeClr val="accent1"/>
+            </a:effectRef>
+            <a:fontRef idx="minor">
+              <a:schemeClr val="lt1"/>
+            </a:fontRef>
+          </p:style>
+          <p:txBody>
+            <a:bodyPr rtlCol="0" anchor="ctr"/>
+            <a:lstStyle/>
+            <a:p>
+              <a:pPr algn="ctr"/>
+              <a:endParaRPr lang="en-SG"/>
+            </a:p>
+          </p:txBody>
+        </p:sp>
+        <p:cxnSp>
+          <p:nvCxnSpPr>
+            <p:cNvPr id="34" name="Straight Connector 33">
+              <a:extLst>
+                <a:ext uri="{FF2B5EF4-FFF2-40B4-BE49-F238E27FC236}">
+                  <a16:creationId xmlns:a16="http://schemas.microsoft.com/office/drawing/2014/main" id="{028C6507-0DB4-43DA-929D-40D133C3A00E}"/>
+                </a:ext>
+              </a:extLst>
+            </p:cNvPr>
+            <p:cNvCxnSpPr/>
+            <p:nvPr/>
+          </p:nvCxnSpPr>
+          <p:spPr>
+            <a:xfrm>
+              <a:off x="6116875" y="3510159"/>
+              <a:ext cx="292935" cy="0"/>
+            </a:xfrm>
+            <a:prstGeom prst="line">
+              <a:avLst/>
+            </a:prstGeom>
+            <a:ln w="19050">
+              <a:solidFill>
+                <a:srgbClr val="FF0000"/>
+              </a:solidFill>
+            </a:ln>
+          </p:spPr>
+          <p:style>
+            <a:lnRef idx="1">
+              <a:schemeClr val="accent1"/>
+            </a:lnRef>
+            <a:fillRef idx="0">
+              <a:schemeClr val="accent1"/>
+            </a:fillRef>
+            <a:effectRef idx="0">
+              <a:schemeClr val="accent1"/>
+            </a:effectRef>
+            <a:fontRef idx="minor">
+              <a:schemeClr val="tx1"/>
+            </a:fontRef>
+          </p:style>
+        </p:cxnSp>
+        <p:cxnSp>
+          <p:nvCxnSpPr>
+            <p:cNvPr id="52" name="Straight Connector 51">
+              <a:extLst>
+                <a:ext uri="{FF2B5EF4-FFF2-40B4-BE49-F238E27FC236}">
+                  <a16:creationId xmlns:a16="http://schemas.microsoft.com/office/drawing/2014/main" id="{96C6F320-0B50-4FE4-87A9-2F084EB9EF52}"/>
+                </a:ext>
+              </a:extLst>
+            </p:cNvPr>
+            <p:cNvCxnSpPr>
+              <a:cxnSpLocks/>
+            </p:cNvCxnSpPr>
+            <p:nvPr/>
+          </p:nvCxnSpPr>
+          <p:spPr>
+            <a:xfrm flipV="1">
+              <a:off x="6413283" y="3459759"/>
+              <a:ext cx="70456" cy="50881"/>
+            </a:xfrm>
+            <a:prstGeom prst="line">
+              <a:avLst/>
+            </a:prstGeom>
+            <a:ln w="19050">
+              <a:solidFill>
+                <a:srgbClr val="FF0000"/>
+              </a:solidFill>
+            </a:ln>
+          </p:spPr>
+          <p:style>
+            <a:lnRef idx="1">
+              <a:schemeClr val="accent1"/>
+            </a:lnRef>
+            <a:fillRef idx="0">
+              <a:schemeClr val="accent1"/>
+            </a:fillRef>
+            <a:effectRef idx="0">
+              <a:schemeClr val="accent1"/>
+            </a:effectRef>
+            <a:fontRef idx="minor">
+              <a:schemeClr val="tx1"/>
+            </a:fontRef>
+          </p:style>
+        </p:cxnSp>
+        <p:cxnSp>
+          <p:nvCxnSpPr>
+            <p:cNvPr id="133" name="Straight Connector 132">
+              <a:extLst>
+                <a:ext uri="{FF2B5EF4-FFF2-40B4-BE49-F238E27FC236}">
+                  <a16:creationId xmlns:a16="http://schemas.microsoft.com/office/drawing/2014/main" id="{A4EEC3F4-5804-4F19-9C44-0786C4391F4B}"/>
+                </a:ext>
+              </a:extLst>
+            </p:cNvPr>
+            <p:cNvCxnSpPr>
+              <a:cxnSpLocks/>
+            </p:cNvCxnSpPr>
+            <p:nvPr/>
+          </p:nvCxnSpPr>
+          <p:spPr>
+            <a:xfrm flipV="1">
+              <a:off x="6483739" y="3173539"/>
+              <a:ext cx="0" cy="286220"/>
+            </a:xfrm>
+            <a:prstGeom prst="line">
+              <a:avLst/>
+            </a:prstGeom>
+            <a:ln w="19050">
+              <a:solidFill>
+                <a:srgbClr val="FF0000"/>
+              </a:solidFill>
+            </a:ln>
+          </p:spPr>
+          <p:style>
+            <a:lnRef idx="1">
+              <a:schemeClr val="accent1"/>
+            </a:lnRef>
+            <a:fillRef idx="0">
+              <a:schemeClr val="accent1"/>
+            </a:fillRef>
+            <a:effectRef idx="0">
+              <a:schemeClr val="accent1"/>
+            </a:effectRef>
+            <a:fontRef idx="minor">
+              <a:schemeClr val="tx1"/>
+            </a:fontRef>
+          </p:style>
+        </p:cxnSp>
+      </p:grpSp>
+      <p:sp>
+        <p:nvSpPr>
+          <p:cNvPr id="61" name="Rectangle 60">
+            <a:extLst>
+              <a:ext uri="{FF2B5EF4-FFF2-40B4-BE49-F238E27FC236}">
+                <a16:creationId xmlns:a16="http://schemas.microsoft.com/office/drawing/2014/main" id="{2AAA7440-F8DE-418D-B344-FFF782B21BD2}"/>
+              </a:ext>
+            </a:extLst>
+          </p:cNvPr>
+          <p:cNvSpPr/>
+          <p:nvPr/>
+        </p:nvSpPr>
+        <p:spPr>
+          <a:xfrm>
+            <a:off x="5840689" y="3175725"/>
+            <a:ext cx="1382045" cy="307777"/>
+          </a:xfrm>
+          <a:prstGeom prst="rect">
+            <a:avLst/>
+          </a:prstGeom>
+        </p:spPr>
+        <p:txBody>
+          <a:bodyPr wrap="none">
+            <a:spAutoFit/>
+          </a:bodyPr>
+          <a:lstStyle/>
+          <a:p>
+            <a:r>
+              <a:rPr lang="en-SG" sz="1400" dirty="0">
+                <a:solidFill>
+                  <a:srgbClr val="FF0000"/>
+                </a:solidFill>
+              </a:rPr>
+              <a:t>[</a:t>
+            </a:r>
+            <a:r>
+              <a:rPr lang="en-SG" sz="1400" dirty="0" err="1">
+                <a:solidFill>
+                  <a:srgbClr val="FF0000"/>
+                </a:solidFill>
+              </a:rPr>
+              <a:t>isResultDisplay</a:t>
+            </a:r>
+            <a:r>
+              <a:rPr lang="en-SG" sz="1400" dirty="0">
+                <a:solidFill>
+                  <a:srgbClr val="FF0000"/>
+                </a:solidFill>
+              </a:rPr>
+              <a:t>]</a:t>
+            </a:r>
+          </a:p>
+        </p:txBody>
+      </p:sp>
     </p:spTree>
     <p:extLst>
       <p:ext uri="{BB962C8B-B14F-4D97-AF65-F5344CB8AC3E}">
-        <p14:creationId xmlns:p14="http://schemas.microsoft.com/office/powerpoint/2010/main" val="3945898909"/>
+        <p14:creationId xmlns:p14="http://schemas.microsoft.com/office/powerpoint/2010/main" val="1497941342"/>
       </p:ext>
     </p:extLst>
   </p:cSld>
